--- a/content/presentations/RD/IC_20210312/images/diagram_GRD.pptx
+++ b/content/presentations/RD/IC_20210312/images/diagram_GRD.pptx
@@ -9,10 +9,12 @@
     <p:sldId id="257" r:id="rId3"/>
     <p:sldId id="258" r:id="rId4"/>
     <p:sldId id="259" r:id="rId5"/>
-    <p:sldId id="260" r:id="rId6"/>
-    <p:sldId id="261" r:id="rId7"/>
-    <p:sldId id="263" r:id="rId8"/>
-    <p:sldId id="262" r:id="rId9"/>
+    <p:sldId id="264" r:id="rId6"/>
+    <p:sldId id="265" r:id="rId7"/>
+    <p:sldId id="260" r:id="rId8"/>
+    <p:sldId id="261" r:id="rId9"/>
+    <p:sldId id="263" r:id="rId10"/>
+    <p:sldId id="262" r:id="rId11"/>
   </p:sldIdLst>
   <p:sldSz cx="12192000" cy="6858000"/>
   <p:notesSz cx="6858000" cy="9144000"/>
@@ -111,6 +113,11 @@
       </a:defRPr>
     </a:lvl9pPr>
   </p:defaultTextStyle>
+  <p:extLst>
+    <p:ext uri="{EFAFB233-063F-42B5-8137-9DF3F51BA10A}">
+      <p15:sldGuideLst xmlns:p15="http://schemas.microsoft.com/office/powerpoint/2012/main"/>
+    </p:ext>
+  </p:extLst>
 </p:presentation>
 </file>
 
@@ -3383,8 +3390,8 @@
           </a:p>
         </p:txBody>
       </p:sp>
-      <mc:AlternateContent xmlns:mc="http://schemas.openxmlformats.org/markup-compatibility/2006">
-        <mc:Choice xmlns:a14="http://schemas.microsoft.com/office/drawing/2010/main" Requires="a14">
+      <mc:AlternateContent xmlns:mc="http://schemas.openxmlformats.org/markup-compatibility/2006" xmlns:a14="http://schemas.microsoft.com/office/drawing/2010/main">
+        <mc:Choice Requires="a14">
           <p:sp>
             <p:nvSpPr>
               <p:cNvPr id="7" name="TextBox 6">
@@ -3426,7 +3433,7 @@
                     <m:sSub>
                       <m:sSubPr>
                         <m:ctrlPr>
-                          <a:rPr lang="en-US" sz="1200" b="0" i="0" smtClean="0">
+                          <a:rPr lang="en-US" sz="1200" b="0" i="1" smtClean="0">
                             <a:latin typeface="Cambria Math" panose="02040503050406030204" pitchFamily="18" charset="0"/>
                             <a:ea typeface="Jost" pitchFamily="2" charset="0"/>
                           </a:rPr>
@@ -3467,7 +3474,7 @@
                     <m:sSubSup>
                       <m:sSubSupPr>
                         <m:ctrlPr>
-                          <a:rPr lang="en-US" sz="1200" smtClean="0">
+                          <a:rPr lang="en-US" sz="1200" i="1" smtClean="0">
                             <a:latin typeface="Cambria Math" panose="02040503050406030204" pitchFamily="18" charset="0"/>
                             <a:ea typeface="Jost" pitchFamily="2" charset="0"/>
                           </a:rPr>
@@ -3552,7 +3559,7 @@
             </p:txBody>
           </p:sp>
         </mc:Choice>
-        <mc:Fallback>
+        <mc:Fallback xmlns="">
           <p:sp>
             <p:nvSpPr>
               <p:cNvPr id="7" name="TextBox 6">
@@ -3652,8 +3659,8 @@
           </a:p>
         </p:txBody>
       </p:sp>
-      <mc:AlternateContent xmlns:mc="http://schemas.openxmlformats.org/markup-compatibility/2006">
-        <mc:Choice xmlns:a14="http://schemas.microsoft.com/office/drawing/2010/main" Requires="a14">
+      <mc:AlternateContent xmlns:mc="http://schemas.openxmlformats.org/markup-compatibility/2006" xmlns:a14="http://schemas.microsoft.com/office/drawing/2010/main">
+        <mc:Choice Requires="a14">
           <p:sp>
             <p:nvSpPr>
               <p:cNvPr id="11" name="TextBox 10">
@@ -3736,7 +3743,7 @@
             </p:txBody>
           </p:sp>
         </mc:Choice>
-        <mc:Fallback>
+        <mc:Fallback xmlns="">
           <p:sp>
             <p:nvSpPr>
               <p:cNvPr id="11" name="TextBox 10">
@@ -3930,8 +3937,8 @@
           </a:p>
         </p:txBody>
       </p:sp>
-      <mc:AlternateContent xmlns:mc="http://schemas.openxmlformats.org/markup-compatibility/2006">
-        <mc:Choice xmlns:a14="http://schemas.microsoft.com/office/drawing/2010/main" Requires="a14">
+      <mc:AlternateContent xmlns:mc="http://schemas.openxmlformats.org/markup-compatibility/2006" xmlns:a14="http://schemas.microsoft.com/office/drawing/2010/main">
+        <mc:Choice Requires="a14">
           <p:sp>
             <p:nvSpPr>
               <p:cNvPr id="15" name="TextBox 14">
@@ -4030,7 +4037,7 @@
             </p:txBody>
           </p:sp>
         </mc:Choice>
-        <mc:Fallback>
+        <mc:Fallback xmlns="">
           <p:sp>
             <p:nvSpPr>
               <p:cNvPr id="15" name="TextBox 14">
@@ -4130,8 +4137,8 @@
           </a:p>
         </p:txBody>
       </p:sp>
-      <mc:AlternateContent xmlns:mc="http://schemas.openxmlformats.org/markup-compatibility/2006">
-        <mc:Choice xmlns:a14="http://schemas.microsoft.com/office/drawing/2010/main" Requires="a14">
+      <mc:AlternateContent xmlns:mc="http://schemas.openxmlformats.org/markup-compatibility/2006" xmlns:a14="http://schemas.microsoft.com/office/drawing/2010/main">
+        <mc:Choice Requires="a14">
           <p:sp>
             <p:nvSpPr>
               <p:cNvPr id="17" name="TextBox 16">
@@ -4267,7 +4274,7 @@
             </p:txBody>
           </p:sp>
         </mc:Choice>
-        <mc:Fallback>
+        <mc:Fallback xmlns="">
           <p:sp>
             <p:nvSpPr>
               <p:cNvPr id="17" name="TextBox 16">
@@ -4367,8 +4374,8 @@
           </a:p>
         </p:txBody>
       </p:sp>
-      <mc:AlternateContent xmlns:mc="http://schemas.openxmlformats.org/markup-compatibility/2006">
-        <mc:Choice xmlns:a14="http://schemas.microsoft.com/office/drawing/2010/main" Requires="a14">
+      <mc:AlternateContent xmlns:mc="http://schemas.openxmlformats.org/markup-compatibility/2006" xmlns:a14="http://schemas.microsoft.com/office/drawing/2010/main">
+        <mc:Choice Requires="a14">
           <p:sp>
             <p:nvSpPr>
               <p:cNvPr id="19" name="TextBox 18">
@@ -4523,7 +4530,7 @@
             </p:txBody>
           </p:sp>
         </mc:Choice>
-        <mc:Fallback>
+        <mc:Fallback xmlns="">
           <p:sp>
             <p:nvSpPr>
               <p:cNvPr id="19" name="TextBox 18">
@@ -4813,8 +4820,8 @@
           </a:p>
         </p:txBody>
       </p:sp>
-      <mc:AlternateContent xmlns:mc="http://schemas.openxmlformats.org/markup-compatibility/2006">
-        <mc:Choice xmlns:a14="http://schemas.microsoft.com/office/drawing/2010/main" Requires="a14">
+      <mc:AlternateContent xmlns:mc="http://schemas.openxmlformats.org/markup-compatibility/2006" xmlns:a14="http://schemas.microsoft.com/office/drawing/2010/main">
+        <mc:Choice Requires="a14">
           <p:sp>
             <p:nvSpPr>
               <p:cNvPr id="41" name="TextBox 40">
@@ -4856,7 +4863,7 @@
                     <m:sSup>
                       <m:sSupPr>
                         <m:ctrlPr>
-                          <a:rPr lang="en-US" sz="1200" b="0" i="0" smtClean="0">
+                          <a:rPr lang="en-US" sz="1200" b="0" i="1" smtClean="0">
                             <a:latin typeface="Cambria Math" panose="02040503050406030204" pitchFamily="18" charset="0"/>
                             <a:ea typeface="Jost" pitchFamily="2" charset="0"/>
                           </a:rPr>
@@ -4951,7 +4958,7 @@
             </p:txBody>
           </p:sp>
         </mc:Choice>
-        <mc:Fallback>
+        <mc:Fallback xmlns="">
           <p:sp>
             <p:nvSpPr>
               <p:cNvPr id="41" name="TextBox 40">
@@ -5377,7 +5384,7 @@
 </p:sld>
 </file>
 
-<file path=ppt/slides/slide2.xml><?xml version="1.0" encoding="utf-8"?>
+<file path=ppt/slides/slide10.xml><?xml version="1.0" encoding="utf-8"?>
 <p:sld xmlns:a="http://schemas.openxmlformats.org/drawingml/2006/main" xmlns:r="http://schemas.openxmlformats.org/officeDocument/2006/relationships" xmlns:p="http://schemas.openxmlformats.org/presentationml/2006/main">
   <p:cSld>
     <p:spTree>
@@ -5414,14 +5421,13 @@
           <a:prstGeom prst="roundRect">
             <a:avLst/>
           </a:prstGeom>
-          <a:solidFill>
-            <a:srgbClr val="FF6462">
-              <a:alpha val="40000"/>
-            </a:srgbClr>
-          </a:solidFill>
+          <a:noFill/>
           <a:ln w="19050">
             <a:solidFill>
-              <a:srgbClr val="FF6462"/>
+              <a:schemeClr val="tx1">
+                <a:lumMod val="75000"/>
+                <a:lumOff val="25000"/>
+              </a:schemeClr>
             </a:solidFill>
           </a:ln>
         </p:spPr>
@@ -5450,8 +5456,8 @@
           </a:p>
         </p:txBody>
       </p:sp>
-      <mc:AlternateContent xmlns:mc="http://schemas.openxmlformats.org/markup-compatibility/2006">
-        <mc:Choice xmlns:a14="http://schemas.microsoft.com/office/drawing/2010/main" Requires="a14">
+      <mc:AlternateContent xmlns:mc="http://schemas.openxmlformats.org/markup-compatibility/2006" xmlns:a14="http://schemas.microsoft.com/office/drawing/2010/main">
+        <mc:Choice Requires="a14">
           <p:sp>
             <p:nvSpPr>
               <p:cNvPr id="7" name="TextBox 6">
@@ -5493,7 +5499,7 @@
                     <m:sSub>
                       <m:sSubPr>
                         <m:ctrlPr>
-                          <a:rPr lang="en-US" sz="1200" b="0" i="0" smtClean="0">
+                          <a:rPr lang="en-US" sz="1200" b="0" i="1" smtClean="0">
                             <a:latin typeface="Cambria Math" panose="02040503050406030204" pitchFamily="18" charset="0"/>
                             <a:ea typeface="Jost" pitchFamily="2" charset="0"/>
                           </a:rPr>
@@ -5534,7 +5540,7 @@
                     <m:sSubSup>
                       <m:sSubSupPr>
                         <m:ctrlPr>
-                          <a:rPr lang="en-US" sz="1200" smtClean="0">
+                          <a:rPr lang="en-US" sz="1200" i="1" smtClean="0">
                             <a:latin typeface="Cambria Math" panose="02040503050406030204" pitchFamily="18" charset="0"/>
                             <a:ea typeface="Jost" pitchFamily="2" charset="0"/>
                           </a:rPr>
@@ -5619,7 +5625,7 @@
             </p:txBody>
           </p:sp>
         </mc:Choice>
-        <mc:Fallback>
+        <mc:Fallback xmlns="">
           <p:sp>
             <p:nvSpPr>
               <p:cNvPr id="7" name="TextBox 6">
@@ -5719,8 +5725,8 @@
           </a:p>
         </p:txBody>
       </p:sp>
-      <mc:AlternateContent xmlns:mc="http://schemas.openxmlformats.org/markup-compatibility/2006">
-        <mc:Choice xmlns:a14="http://schemas.microsoft.com/office/drawing/2010/main" Requires="a14">
+      <mc:AlternateContent xmlns:mc="http://schemas.openxmlformats.org/markup-compatibility/2006" xmlns:a14="http://schemas.microsoft.com/office/drawing/2010/main">
+        <mc:Choice Requires="a14">
           <p:sp>
             <p:nvSpPr>
               <p:cNvPr id="11" name="TextBox 10">
@@ -5803,7 +5809,7 @@
             </p:txBody>
           </p:sp>
         </mc:Choice>
-        <mc:Fallback>
+        <mc:Fallback xmlns="">
           <p:sp>
             <p:nvSpPr>
               <p:cNvPr id="11" name="TextBox 10">
@@ -5997,8 +6003,8 @@
           </a:p>
         </p:txBody>
       </p:sp>
-      <mc:AlternateContent xmlns:mc="http://schemas.openxmlformats.org/markup-compatibility/2006">
-        <mc:Choice xmlns:a14="http://schemas.microsoft.com/office/drawing/2010/main" Requires="a14">
+      <mc:AlternateContent xmlns:mc="http://schemas.openxmlformats.org/markup-compatibility/2006" xmlns:a14="http://schemas.microsoft.com/office/drawing/2010/main">
+        <mc:Choice Requires="a14">
           <p:sp>
             <p:nvSpPr>
               <p:cNvPr id="15" name="TextBox 14">
@@ -6097,7 +6103,7 @@
             </p:txBody>
           </p:sp>
         </mc:Choice>
-        <mc:Fallback>
+        <mc:Fallback xmlns="">
           <p:sp>
             <p:nvSpPr>
               <p:cNvPr id="15" name="TextBox 14">
@@ -6197,8 +6203,8 @@
           </a:p>
         </p:txBody>
       </p:sp>
-      <mc:AlternateContent xmlns:mc="http://schemas.openxmlformats.org/markup-compatibility/2006">
-        <mc:Choice xmlns:a14="http://schemas.microsoft.com/office/drawing/2010/main" Requires="a14">
+      <mc:AlternateContent xmlns:mc="http://schemas.openxmlformats.org/markup-compatibility/2006" xmlns:a14="http://schemas.microsoft.com/office/drawing/2010/main">
+        <mc:Choice Requires="a14">
           <p:sp>
             <p:nvSpPr>
               <p:cNvPr id="17" name="TextBox 16">
@@ -6334,7 +6340,7 @@
             </p:txBody>
           </p:sp>
         </mc:Choice>
-        <mc:Fallback>
+        <mc:Fallback xmlns="">
           <p:sp>
             <p:nvSpPr>
               <p:cNvPr id="17" name="TextBox 16">
@@ -6434,8 +6440,8 @@
           </a:p>
         </p:txBody>
       </p:sp>
-      <mc:AlternateContent xmlns:mc="http://schemas.openxmlformats.org/markup-compatibility/2006">
-        <mc:Choice xmlns:a14="http://schemas.microsoft.com/office/drawing/2010/main" Requires="a14">
+      <mc:AlternateContent xmlns:mc="http://schemas.openxmlformats.org/markup-compatibility/2006" xmlns:a14="http://schemas.microsoft.com/office/drawing/2010/main">
+        <mc:Choice Requires="a14">
           <p:sp>
             <p:nvSpPr>
               <p:cNvPr id="19" name="TextBox 18">
@@ -6590,7 +6596,7 @@
             </p:txBody>
           </p:sp>
         </mc:Choice>
-        <mc:Fallback>
+        <mc:Fallback xmlns="">
           <p:sp>
             <p:nvSpPr>
               <p:cNvPr id="19" name="TextBox 18">
@@ -6797,13 +6803,14 @@
           <a:prstGeom prst="roundRect">
             <a:avLst/>
           </a:prstGeom>
-          <a:noFill/>
+          <a:solidFill>
+            <a:srgbClr val="F89441">
+              <a:alpha val="50196"/>
+            </a:srgbClr>
+          </a:solidFill>
           <a:ln w="19050">
             <a:solidFill>
-              <a:schemeClr val="tx1">
-                <a:lumMod val="75000"/>
-                <a:lumOff val="25000"/>
-              </a:schemeClr>
+              <a:srgbClr val="F89441"/>
             </a:solidFill>
           </a:ln>
         </p:spPr>
@@ -6832,8 +6839,8 @@
           </a:p>
         </p:txBody>
       </p:sp>
-      <mc:AlternateContent xmlns:mc="http://schemas.openxmlformats.org/markup-compatibility/2006">
-        <mc:Choice xmlns:a14="http://schemas.microsoft.com/office/drawing/2010/main" Requires="a14">
+      <mc:AlternateContent xmlns:mc="http://schemas.openxmlformats.org/markup-compatibility/2006" xmlns:a14="http://schemas.microsoft.com/office/drawing/2010/main">
+        <mc:Choice Requires="a14">
           <p:sp>
             <p:nvSpPr>
               <p:cNvPr id="41" name="TextBox 40">
@@ -6875,7 +6882,7 @@
                     <m:sSup>
                       <m:sSupPr>
                         <m:ctrlPr>
-                          <a:rPr lang="en-US" sz="1200" b="0" i="0" smtClean="0">
+                          <a:rPr lang="en-US" sz="1200" b="0" i="1" smtClean="0">
                             <a:latin typeface="Cambria Math" panose="02040503050406030204" pitchFamily="18" charset="0"/>
                             <a:ea typeface="Jost" pitchFamily="2" charset="0"/>
                           </a:rPr>
@@ -6970,7 +6977,7 @@
             </p:txBody>
           </p:sp>
         </mc:Choice>
-        <mc:Fallback>
+        <mc:Fallback xmlns="">
           <p:sp>
             <p:nvSpPr>
               <p:cNvPr id="41" name="TextBox 40">
@@ -7433,7 +7440,7 @@
     </p:spTree>
     <p:extLst>
       <p:ext uri="{BB962C8B-B14F-4D97-AF65-F5344CB8AC3E}">
-        <p14:creationId xmlns:p14="http://schemas.microsoft.com/office/powerpoint/2010/main" val="2711879291"/>
+        <p14:creationId xmlns:p14="http://schemas.microsoft.com/office/powerpoint/2010/main" val="3991159788"/>
       </p:ext>
     </p:extLst>
   </p:cSld>
@@ -7443,7 +7450,7 @@
 </p:sld>
 </file>
 
-<file path=ppt/slides/slide3.xml><?xml version="1.0" encoding="utf-8"?>
+<file path=ppt/slides/slide2.xml><?xml version="1.0" encoding="utf-8"?>
 <p:sld xmlns:a="http://schemas.openxmlformats.org/drawingml/2006/main" xmlns:r="http://schemas.openxmlformats.org/officeDocument/2006/relationships" xmlns:p="http://schemas.openxmlformats.org/presentationml/2006/main">
   <p:cSld>
     <p:spTree>
@@ -7480,13 +7487,14 @@
           <a:prstGeom prst="roundRect">
             <a:avLst/>
           </a:prstGeom>
-          <a:noFill/>
+          <a:solidFill>
+            <a:srgbClr val="FF6462">
+              <a:alpha val="40000"/>
+            </a:srgbClr>
+          </a:solidFill>
           <a:ln w="19050">
             <a:solidFill>
-              <a:schemeClr val="tx1">
-                <a:lumMod val="75000"/>
-                <a:lumOff val="25000"/>
-              </a:schemeClr>
+              <a:srgbClr val="FF6462"/>
             </a:solidFill>
           </a:ln>
         </p:spPr>
@@ -7515,8 +7523,8 @@
           </a:p>
         </p:txBody>
       </p:sp>
-      <mc:AlternateContent xmlns:mc="http://schemas.openxmlformats.org/markup-compatibility/2006">
-        <mc:Choice xmlns:a14="http://schemas.microsoft.com/office/drawing/2010/main" Requires="a14">
+      <mc:AlternateContent xmlns:mc="http://schemas.openxmlformats.org/markup-compatibility/2006" xmlns:a14="http://schemas.microsoft.com/office/drawing/2010/main">
+        <mc:Choice Requires="a14">
           <p:sp>
             <p:nvSpPr>
               <p:cNvPr id="7" name="TextBox 6">
@@ -7558,7 +7566,7 @@
                     <m:sSub>
                       <m:sSubPr>
                         <m:ctrlPr>
-                          <a:rPr lang="en-US" sz="1200" b="0" i="0" smtClean="0">
+                          <a:rPr lang="en-US" sz="1200" b="0" i="1" smtClean="0">
                             <a:latin typeface="Cambria Math" panose="02040503050406030204" pitchFamily="18" charset="0"/>
                             <a:ea typeface="Jost" pitchFamily="2" charset="0"/>
                           </a:rPr>
@@ -7599,7 +7607,7 @@
                     <m:sSubSup>
                       <m:sSubSupPr>
                         <m:ctrlPr>
-                          <a:rPr lang="en-US" sz="1200" smtClean="0">
+                          <a:rPr lang="en-US" sz="1200" i="1" smtClean="0">
                             <a:latin typeface="Cambria Math" panose="02040503050406030204" pitchFamily="18" charset="0"/>
                             <a:ea typeface="Jost" pitchFamily="2" charset="0"/>
                           </a:rPr>
@@ -7684,7 +7692,7 @@
             </p:txBody>
           </p:sp>
         </mc:Choice>
-        <mc:Fallback>
+        <mc:Fallback xmlns="">
           <p:sp>
             <p:nvSpPr>
               <p:cNvPr id="7" name="TextBox 6">
@@ -7749,14 +7757,13 @@
           <a:prstGeom prst="roundRect">
             <a:avLst/>
           </a:prstGeom>
-          <a:solidFill>
-            <a:srgbClr val="FF6462">
-              <a:alpha val="40000"/>
-            </a:srgbClr>
-          </a:solidFill>
+          <a:noFill/>
           <a:ln w="19050">
             <a:solidFill>
-              <a:srgbClr val="FF6462"/>
+              <a:schemeClr val="tx1">
+                <a:lumMod val="75000"/>
+                <a:lumOff val="25000"/>
+              </a:schemeClr>
             </a:solidFill>
           </a:ln>
         </p:spPr>
@@ -7785,8 +7792,8 @@
           </a:p>
         </p:txBody>
       </p:sp>
-      <mc:AlternateContent xmlns:mc="http://schemas.openxmlformats.org/markup-compatibility/2006">
-        <mc:Choice xmlns:a14="http://schemas.microsoft.com/office/drawing/2010/main" Requires="a14">
+      <mc:AlternateContent xmlns:mc="http://schemas.openxmlformats.org/markup-compatibility/2006" xmlns:a14="http://schemas.microsoft.com/office/drawing/2010/main">
+        <mc:Choice Requires="a14">
           <p:sp>
             <p:nvSpPr>
               <p:cNvPr id="11" name="TextBox 10">
@@ -7869,7 +7876,7 @@
             </p:txBody>
           </p:sp>
         </mc:Choice>
-        <mc:Fallback>
+        <mc:Fallback xmlns="">
           <p:sp>
             <p:nvSpPr>
               <p:cNvPr id="11" name="TextBox 10">
@@ -8063,8 +8070,8 @@
           </a:p>
         </p:txBody>
       </p:sp>
-      <mc:AlternateContent xmlns:mc="http://schemas.openxmlformats.org/markup-compatibility/2006">
-        <mc:Choice xmlns:a14="http://schemas.microsoft.com/office/drawing/2010/main" Requires="a14">
+      <mc:AlternateContent xmlns:mc="http://schemas.openxmlformats.org/markup-compatibility/2006" xmlns:a14="http://schemas.microsoft.com/office/drawing/2010/main">
+        <mc:Choice Requires="a14">
           <p:sp>
             <p:nvSpPr>
               <p:cNvPr id="15" name="TextBox 14">
@@ -8163,7 +8170,7 @@
             </p:txBody>
           </p:sp>
         </mc:Choice>
-        <mc:Fallback>
+        <mc:Fallback xmlns="">
           <p:sp>
             <p:nvSpPr>
               <p:cNvPr id="15" name="TextBox 14">
@@ -8263,8 +8270,8 @@
           </a:p>
         </p:txBody>
       </p:sp>
-      <mc:AlternateContent xmlns:mc="http://schemas.openxmlformats.org/markup-compatibility/2006">
-        <mc:Choice xmlns:a14="http://schemas.microsoft.com/office/drawing/2010/main" Requires="a14">
+      <mc:AlternateContent xmlns:mc="http://schemas.openxmlformats.org/markup-compatibility/2006" xmlns:a14="http://schemas.microsoft.com/office/drawing/2010/main">
+        <mc:Choice Requires="a14">
           <p:sp>
             <p:nvSpPr>
               <p:cNvPr id="17" name="TextBox 16">
@@ -8400,7 +8407,7 @@
             </p:txBody>
           </p:sp>
         </mc:Choice>
-        <mc:Fallback>
+        <mc:Fallback xmlns="">
           <p:sp>
             <p:nvSpPr>
               <p:cNvPr id="17" name="TextBox 16">
@@ -8500,8 +8507,8 @@
           </a:p>
         </p:txBody>
       </p:sp>
-      <mc:AlternateContent xmlns:mc="http://schemas.openxmlformats.org/markup-compatibility/2006">
-        <mc:Choice xmlns:a14="http://schemas.microsoft.com/office/drawing/2010/main" Requires="a14">
+      <mc:AlternateContent xmlns:mc="http://schemas.openxmlformats.org/markup-compatibility/2006" xmlns:a14="http://schemas.microsoft.com/office/drawing/2010/main">
+        <mc:Choice Requires="a14">
           <p:sp>
             <p:nvSpPr>
               <p:cNvPr id="19" name="TextBox 18">
@@ -8656,7 +8663,7 @@
             </p:txBody>
           </p:sp>
         </mc:Choice>
-        <mc:Fallback>
+        <mc:Fallback xmlns="">
           <p:sp>
             <p:nvSpPr>
               <p:cNvPr id="19" name="TextBox 18">
@@ -8898,8 +8905,8 @@
           </a:p>
         </p:txBody>
       </p:sp>
-      <mc:AlternateContent xmlns:mc="http://schemas.openxmlformats.org/markup-compatibility/2006">
-        <mc:Choice xmlns:a14="http://schemas.microsoft.com/office/drawing/2010/main" Requires="a14">
+      <mc:AlternateContent xmlns:mc="http://schemas.openxmlformats.org/markup-compatibility/2006" xmlns:a14="http://schemas.microsoft.com/office/drawing/2010/main">
+        <mc:Choice Requires="a14">
           <p:sp>
             <p:nvSpPr>
               <p:cNvPr id="41" name="TextBox 40">
@@ -8941,7 +8948,7 @@
                     <m:sSup>
                       <m:sSupPr>
                         <m:ctrlPr>
-                          <a:rPr lang="en-US" sz="1200" b="0" i="0" smtClean="0">
+                          <a:rPr lang="en-US" sz="1200" b="0" i="1" smtClean="0">
                             <a:latin typeface="Cambria Math" panose="02040503050406030204" pitchFamily="18" charset="0"/>
                             <a:ea typeface="Jost" pitchFamily="2" charset="0"/>
                           </a:rPr>
@@ -9036,7 +9043,7 @@
             </p:txBody>
           </p:sp>
         </mc:Choice>
-        <mc:Fallback>
+        <mc:Fallback xmlns="">
           <p:sp>
             <p:nvSpPr>
               <p:cNvPr id="41" name="TextBox 40">
@@ -9499,7 +9506,7 @@
     </p:spTree>
     <p:extLst>
       <p:ext uri="{BB962C8B-B14F-4D97-AF65-F5344CB8AC3E}">
-        <p14:creationId xmlns:p14="http://schemas.microsoft.com/office/powerpoint/2010/main" val="778718463"/>
+        <p14:creationId xmlns:p14="http://schemas.microsoft.com/office/powerpoint/2010/main" val="2711879291"/>
       </p:ext>
     </p:extLst>
   </p:cSld>
@@ -9509,7 +9516,7 @@
 </p:sld>
 </file>
 
-<file path=ppt/slides/slide4.xml><?xml version="1.0" encoding="utf-8"?>
+<file path=ppt/slides/slide3.xml><?xml version="1.0" encoding="utf-8"?>
 <p:sld xmlns:a="http://schemas.openxmlformats.org/drawingml/2006/main" xmlns:r="http://schemas.openxmlformats.org/officeDocument/2006/relationships" xmlns:p="http://schemas.openxmlformats.org/presentationml/2006/main">
   <p:cSld>
     <p:spTree>
@@ -9581,8 +9588,8 @@
           </a:p>
         </p:txBody>
       </p:sp>
-      <mc:AlternateContent xmlns:mc="http://schemas.openxmlformats.org/markup-compatibility/2006">
-        <mc:Choice xmlns:a14="http://schemas.microsoft.com/office/drawing/2010/main" Requires="a14">
+      <mc:AlternateContent xmlns:mc="http://schemas.openxmlformats.org/markup-compatibility/2006" xmlns:a14="http://schemas.microsoft.com/office/drawing/2010/main">
+        <mc:Choice Requires="a14">
           <p:sp>
             <p:nvSpPr>
               <p:cNvPr id="7" name="TextBox 6">
@@ -9624,7 +9631,7 @@
                     <m:sSub>
                       <m:sSubPr>
                         <m:ctrlPr>
-                          <a:rPr lang="en-US" sz="1200" b="0" i="0" smtClean="0">
+                          <a:rPr lang="en-US" sz="1200" b="0" i="1" smtClean="0">
                             <a:latin typeface="Cambria Math" panose="02040503050406030204" pitchFamily="18" charset="0"/>
                             <a:ea typeface="Jost" pitchFamily="2" charset="0"/>
                           </a:rPr>
@@ -9665,7 +9672,7 @@
                     <m:sSubSup>
                       <m:sSubSupPr>
                         <m:ctrlPr>
-                          <a:rPr lang="en-US" sz="1200" smtClean="0">
+                          <a:rPr lang="en-US" sz="1200" i="1" smtClean="0">
                             <a:latin typeface="Cambria Math" panose="02040503050406030204" pitchFamily="18" charset="0"/>
                             <a:ea typeface="Jost" pitchFamily="2" charset="0"/>
                           </a:rPr>
@@ -9750,7 +9757,7 @@
             </p:txBody>
           </p:sp>
         </mc:Choice>
-        <mc:Fallback>
+        <mc:Fallback xmlns="">
           <p:sp>
             <p:nvSpPr>
               <p:cNvPr id="7" name="TextBox 6">
@@ -9815,13 +9822,14 @@
           <a:prstGeom prst="roundRect">
             <a:avLst/>
           </a:prstGeom>
-          <a:noFill/>
+          <a:solidFill>
+            <a:srgbClr val="FF6462">
+              <a:alpha val="40000"/>
+            </a:srgbClr>
+          </a:solidFill>
           <a:ln w="19050">
             <a:solidFill>
-              <a:schemeClr val="tx1">
-                <a:lumMod val="75000"/>
-                <a:lumOff val="25000"/>
-              </a:schemeClr>
+              <a:srgbClr val="FF6462"/>
             </a:solidFill>
           </a:ln>
         </p:spPr>
@@ -9850,8 +9858,8 @@
           </a:p>
         </p:txBody>
       </p:sp>
-      <mc:AlternateContent xmlns:mc="http://schemas.openxmlformats.org/markup-compatibility/2006">
-        <mc:Choice xmlns:a14="http://schemas.microsoft.com/office/drawing/2010/main" Requires="a14">
+      <mc:AlternateContent xmlns:mc="http://schemas.openxmlformats.org/markup-compatibility/2006" xmlns:a14="http://schemas.microsoft.com/office/drawing/2010/main">
+        <mc:Choice Requires="a14">
           <p:sp>
             <p:nvSpPr>
               <p:cNvPr id="11" name="TextBox 10">
@@ -9934,7 +9942,7 @@
             </p:txBody>
           </p:sp>
         </mc:Choice>
-        <mc:Fallback>
+        <mc:Fallback xmlns="">
           <p:sp>
             <p:nvSpPr>
               <p:cNvPr id="11" name="TextBox 10">
@@ -9999,14 +10007,13 @@
           <a:prstGeom prst="roundRect">
             <a:avLst/>
           </a:prstGeom>
-          <a:solidFill>
-            <a:srgbClr val="FF6462">
-              <a:alpha val="40000"/>
-            </a:srgbClr>
-          </a:solidFill>
+          <a:noFill/>
           <a:ln w="19050">
             <a:solidFill>
-              <a:srgbClr val="FF6462"/>
+              <a:schemeClr val="tx1">
+                <a:lumMod val="75000"/>
+                <a:lumOff val="25000"/>
+              </a:schemeClr>
             </a:solidFill>
           </a:ln>
         </p:spPr>
@@ -10129,8 +10136,8 @@
           </a:p>
         </p:txBody>
       </p:sp>
-      <mc:AlternateContent xmlns:mc="http://schemas.openxmlformats.org/markup-compatibility/2006">
-        <mc:Choice xmlns:a14="http://schemas.microsoft.com/office/drawing/2010/main" Requires="a14">
+      <mc:AlternateContent xmlns:mc="http://schemas.openxmlformats.org/markup-compatibility/2006" xmlns:a14="http://schemas.microsoft.com/office/drawing/2010/main">
+        <mc:Choice Requires="a14">
           <p:sp>
             <p:nvSpPr>
               <p:cNvPr id="15" name="TextBox 14">
@@ -10229,7 +10236,7 @@
             </p:txBody>
           </p:sp>
         </mc:Choice>
-        <mc:Fallback>
+        <mc:Fallback xmlns="">
           <p:sp>
             <p:nvSpPr>
               <p:cNvPr id="15" name="TextBox 14">
@@ -10329,8 +10336,8 @@
           </a:p>
         </p:txBody>
       </p:sp>
-      <mc:AlternateContent xmlns:mc="http://schemas.openxmlformats.org/markup-compatibility/2006">
-        <mc:Choice xmlns:a14="http://schemas.microsoft.com/office/drawing/2010/main" Requires="a14">
+      <mc:AlternateContent xmlns:mc="http://schemas.openxmlformats.org/markup-compatibility/2006" xmlns:a14="http://schemas.microsoft.com/office/drawing/2010/main">
+        <mc:Choice Requires="a14">
           <p:sp>
             <p:nvSpPr>
               <p:cNvPr id="17" name="TextBox 16">
@@ -10466,7 +10473,7 @@
             </p:txBody>
           </p:sp>
         </mc:Choice>
-        <mc:Fallback>
+        <mc:Fallback xmlns="">
           <p:sp>
             <p:nvSpPr>
               <p:cNvPr id="17" name="TextBox 16">
@@ -10566,8 +10573,8 @@
           </a:p>
         </p:txBody>
       </p:sp>
-      <mc:AlternateContent xmlns:mc="http://schemas.openxmlformats.org/markup-compatibility/2006">
-        <mc:Choice xmlns:a14="http://schemas.microsoft.com/office/drawing/2010/main" Requires="a14">
+      <mc:AlternateContent xmlns:mc="http://schemas.openxmlformats.org/markup-compatibility/2006" xmlns:a14="http://schemas.microsoft.com/office/drawing/2010/main">
+        <mc:Choice Requires="a14">
           <p:sp>
             <p:nvSpPr>
               <p:cNvPr id="19" name="TextBox 18">
@@ -10722,7 +10729,7 @@
             </p:txBody>
           </p:sp>
         </mc:Choice>
-        <mc:Fallback>
+        <mc:Fallback xmlns="">
           <p:sp>
             <p:nvSpPr>
               <p:cNvPr id="19" name="TextBox 18">
@@ -10964,8 +10971,8 @@
           </a:p>
         </p:txBody>
       </p:sp>
-      <mc:AlternateContent xmlns:mc="http://schemas.openxmlformats.org/markup-compatibility/2006">
-        <mc:Choice xmlns:a14="http://schemas.microsoft.com/office/drawing/2010/main" Requires="a14">
+      <mc:AlternateContent xmlns:mc="http://schemas.openxmlformats.org/markup-compatibility/2006" xmlns:a14="http://schemas.microsoft.com/office/drawing/2010/main">
+        <mc:Choice Requires="a14">
           <p:sp>
             <p:nvSpPr>
               <p:cNvPr id="41" name="TextBox 40">
@@ -11007,7 +11014,7 @@
                     <m:sSup>
                       <m:sSupPr>
                         <m:ctrlPr>
-                          <a:rPr lang="en-US" sz="1200" b="0" i="0" smtClean="0">
+                          <a:rPr lang="en-US" sz="1200" b="0" i="1" smtClean="0">
                             <a:latin typeface="Cambria Math" panose="02040503050406030204" pitchFamily="18" charset="0"/>
                             <a:ea typeface="Jost" pitchFamily="2" charset="0"/>
                           </a:rPr>
@@ -11102,7 +11109,7 @@
             </p:txBody>
           </p:sp>
         </mc:Choice>
-        <mc:Fallback>
+        <mc:Fallback xmlns="">
           <p:sp>
             <p:nvSpPr>
               <p:cNvPr id="41" name="TextBox 40">
@@ -11565,7 +11572,7 @@
     </p:spTree>
     <p:extLst>
       <p:ext uri="{BB962C8B-B14F-4D97-AF65-F5344CB8AC3E}">
-        <p14:creationId xmlns:p14="http://schemas.microsoft.com/office/powerpoint/2010/main" val="294515610"/>
+        <p14:creationId xmlns:p14="http://schemas.microsoft.com/office/powerpoint/2010/main" val="778718463"/>
       </p:ext>
     </p:extLst>
   </p:cSld>
@@ -11575,7 +11582,7 @@
 </p:sld>
 </file>
 
-<file path=ppt/slides/slide5.xml><?xml version="1.0" encoding="utf-8"?>
+<file path=ppt/slides/slide4.xml><?xml version="1.0" encoding="utf-8"?>
 <p:sld xmlns:a="http://schemas.openxmlformats.org/drawingml/2006/main" xmlns:r="http://schemas.openxmlformats.org/officeDocument/2006/relationships" xmlns:p="http://schemas.openxmlformats.org/presentationml/2006/main">
   <p:cSld>
     <p:spTree>
@@ -11647,8 +11654,8 @@
           </a:p>
         </p:txBody>
       </p:sp>
-      <mc:AlternateContent xmlns:mc="http://schemas.openxmlformats.org/markup-compatibility/2006">
-        <mc:Choice xmlns:a14="http://schemas.microsoft.com/office/drawing/2010/main" Requires="a14">
+      <mc:AlternateContent xmlns:mc="http://schemas.openxmlformats.org/markup-compatibility/2006" xmlns:a14="http://schemas.microsoft.com/office/drawing/2010/main">
+        <mc:Choice Requires="a14">
           <p:sp>
             <p:nvSpPr>
               <p:cNvPr id="7" name="TextBox 6">
@@ -11690,7 +11697,7 @@
                     <m:sSub>
                       <m:sSubPr>
                         <m:ctrlPr>
-                          <a:rPr lang="en-US" sz="1200" b="0" i="0" smtClean="0">
+                          <a:rPr lang="en-US" sz="1200" b="0" i="1" smtClean="0">
                             <a:latin typeface="Cambria Math" panose="02040503050406030204" pitchFamily="18" charset="0"/>
                             <a:ea typeface="Jost" pitchFamily="2" charset="0"/>
                           </a:rPr>
@@ -11731,7 +11738,7 @@
                     <m:sSubSup>
                       <m:sSubSupPr>
                         <m:ctrlPr>
-                          <a:rPr lang="en-US" sz="1200" smtClean="0">
+                          <a:rPr lang="en-US" sz="1200" i="1" smtClean="0">
                             <a:latin typeface="Cambria Math" panose="02040503050406030204" pitchFamily="18" charset="0"/>
                             <a:ea typeface="Jost" pitchFamily="2" charset="0"/>
                           </a:rPr>
@@ -11816,7 +11823,7 @@
             </p:txBody>
           </p:sp>
         </mc:Choice>
-        <mc:Fallback>
+        <mc:Fallback xmlns="">
           <p:sp>
             <p:nvSpPr>
               <p:cNvPr id="7" name="TextBox 6">
@@ -11916,8 +11923,8 @@
           </a:p>
         </p:txBody>
       </p:sp>
-      <mc:AlternateContent xmlns:mc="http://schemas.openxmlformats.org/markup-compatibility/2006">
-        <mc:Choice xmlns:a14="http://schemas.microsoft.com/office/drawing/2010/main" Requires="a14">
+      <mc:AlternateContent xmlns:mc="http://schemas.openxmlformats.org/markup-compatibility/2006" xmlns:a14="http://schemas.microsoft.com/office/drawing/2010/main">
+        <mc:Choice Requires="a14">
           <p:sp>
             <p:nvSpPr>
               <p:cNvPr id="11" name="TextBox 10">
@@ -12000,7 +12007,7 @@
             </p:txBody>
           </p:sp>
         </mc:Choice>
-        <mc:Fallback>
+        <mc:Fallback xmlns="">
           <p:sp>
             <p:nvSpPr>
               <p:cNvPr id="11" name="TextBox 10">
@@ -12065,13 +12072,14 @@
           <a:prstGeom prst="roundRect">
             <a:avLst/>
           </a:prstGeom>
-          <a:noFill/>
+          <a:solidFill>
+            <a:srgbClr val="FF6462">
+              <a:alpha val="40000"/>
+            </a:srgbClr>
+          </a:solidFill>
           <a:ln w="19050">
             <a:solidFill>
-              <a:schemeClr val="tx1">
-                <a:lumMod val="75000"/>
-                <a:lumOff val="25000"/>
-              </a:schemeClr>
+              <a:srgbClr val="FF6462"/>
             </a:solidFill>
           </a:ln>
         </p:spPr>
@@ -12159,14 +12167,13 @@
           <a:prstGeom prst="roundRect">
             <a:avLst/>
           </a:prstGeom>
-          <a:solidFill>
-            <a:srgbClr val="FF6462">
-              <a:alpha val="40000"/>
-            </a:srgbClr>
-          </a:solidFill>
+          <a:noFill/>
           <a:ln w="19050">
             <a:solidFill>
-              <a:srgbClr val="FF6462"/>
+              <a:schemeClr val="tx1">
+                <a:lumMod val="75000"/>
+                <a:lumOff val="25000"/>
+              </a:schemeClr>
             </a:solidFill>
           </a:ln>
         </p:spPr>
@@ -12195,8 +12202,8 @@
           </a:p>
         </p:txBody>
       </p:sp>
-      <mc:AlternateContent xmlns:mc="http://schemas.openxmlformats.org/markup-compatibility/2006">
-        <mc:Choice xmlns:a14="http://schemas.microsoft.com/office/drawing/2010/main" Requires="a14">
+      <mc:AlternateContent xmlns:mc="http://schemas.openxmlformats.org/markup-compatibility/2006" xmlns:a14="http://schemas.microsoft.com/office/drawing/2010/main">
+        <mc:Choice Requires="a14">
           <p:sp>
             <p:nvSpPr>
               <p:cNvPr id="15" name="TextBox 14">
@@ -12295,7 +12302,7 @@
             </p:txBody>
           </p:sp>
         </mc:Choice>
-        <mc:Fallback>
+        <mc:Fallback xmlns="">
           <p:sp>
             <p:nvSpPr>
               <p:cNvPr id="15" name="TextBox 14">
@@ -12395,8 +12402,8 @@
           </a:p>
         </p:txBody>
       </p:sp>
-      <mc:AlternateContent xmlns:mc="http://schemas.openxmlformats.org/markup-compatibility/2006">
-        <mc:Choice xmlns:a14="http://schemas.microsoft.com/office/drawing/2010/main" Requires="a14">
+      <mc:AlternateContent xmlns:mc="http://schemas.openxmlformats.org/markup-compatibility/2006" xmlns:a14="http://schemas.microsoft.com/office/drawing/2010/main">
+        <mc:Choice Requires="a14">
           <p:sp>
             <p:nvSpPr>
               <p:cNvPr id="17" name="TextBox 16">
@@ -12532,7 +12539,7 @@
             </p:txBody>
           </p:sp>
         </mc:Choice>
-        <mc:Fallback>
+        <mc:Fallback xmlns="">
           <p:sp>
             <p:nvSpPr>
               <p:cNvPr id="17" name="TextBox 16">
@@ -12597,14 +12604,13 @@
           <a:prstGeom prst="roundRect">
             <a:avLst/>
           </a:prstGeom>
-          <a:solidFill>
-            <a:srgbClr val="FF6462">
-              <a:alpha val="40000"/>
-            </a:srgbClr>
-          </a:solidFill>
+          <a:noFill/>
           <a:ln w="19050">
             <a:solidFill>
-              <a:srgbClr val="FF6462"/>
+              <a:schemeClr val="tx1">
+                <a:lumMod val="75000"/>
+                <a:lumOff val="25000"/>
+              </a:schemeClr>
             </a:solidFill>
           </a:ln>
         </p:spPr>
@@ -12633,8 +12639,8 @@
           </a:p>
         </p:txBody>
       </p:sp>
-      <mc:AlternateContent xmlns:mc="http://schemas.openxmlformats.org/markup-compatibility/2006">
-        <mc:Choice xmlns:a14="http://schemas.microsoft.com/office/drawing/2010/main" Requires="a14">
+      <mc:AlternateContent xmlns:mc="http://schemas.openxmlformats.org/markup-compatibility/2006" xmlns:a14="http://schemas.microsoft.com/office/drawing/2010/main">
+        <mc:Choice Requires="a14">
           <p:sp>
             <p:nvSpPr>
               <p:cNvPr id="19" name="TextBox 18">
@@ -12789,7 +12795,7 @@
             </p:txBody>
           </p:sp>
         </mc:Choice>
-        <mc:Fallback>
+        <mc:Fallback xmlns="">
           <p:sp>
             <p:nvSpPr>
               <p:cNvPr id="19" name="TextBox 18">
@@ -13031,8 +13037,8 @@
           </a:p>
         </p:txBody>
       </p:sp>
-      <mc:AlternateContent xmlns:mc="http://schemas.openxmlformats.org/markup-compatibility/2006">
-        <mc:Choice xmlns:a14="http://schemas.microsoft.com/office/drawing/2010/main" Requires="a14">
+      <mc:AlternateContent xmlns:mc="http://schemas.openxmlformats.org/markup-compatibility/2006" xmlns:a14="http://schemas.microsoft.com/office/drawing/2010/main">
+        <mc:Choice Requires="a14">
           <p:sp>
             <p:nvSpPr>
               <p:cNvPr id="41" name="TextBox 40">
@@ -13074,7 +13080,7 @@
                     <m:sSup>
                       <m:sSupPr>
                         <m:ctrlPr>
-                          <a:rPr lang="en-US" sz="1200" b="0" i="0" smtClean="0">
+                          <a:rPr lang="en-US" sz="1200" b="0" i="1" smtClean="0">
                             <a:latin typeface="Cambria Math" panose="02040503050406030204" pitchFamily="18" charset="0"/>
                             <a:ea typeface="Jost" pitchFamily="2" charset="0"/>
                           </a:rPr>
@@ -13169,7 +13175,7 @@
             </p:txBody>
           </p:sp>
         </mc:Choice>
-        <mc:Fallback>
+        <mc:Fallback xmlns="">
           <p:sp>
             <p:nvSpPr>
               <p:cNvPr id="41" name="TextBox 40">
@@ -13632,7 +13638,7 @@
     </p:spTree>
     <p:extLst>
       <p:ext uri="{BB962C8B-B14F-4D97-AF65-F5344CB8AC3E}">
-        <p14:creationId xmlns:p14="http://schemas.microsoft.com/office/powerpoint/2010/main" val="1674515019"/>
+        <p14:creationId xmlns:p14="http://schemas.microsoft.com/office/powerpoint/2010/main" val="294515610"/>
       </p:ext>
     </p:extLst>
   </p:cSld>
@@ -13642,7 +13648,7 @@
 </p:sld>
 </file>
 
-<file path=ppt/slides/slide6.xml><?xml version="1.0" encoding="utf-8"?>
+<file path=ppt/slides/slide5.xml><?xml version="1.0" encoding="utf-8"?>
 <p:sld xmlns:a="http://schemas.openxmlformats.org/drawingml/2006/main" xmlns:r="http://schemas.openxmlformats.org/officeDocument/2006/relationships" xmlns:p="http://schemas.openxmlformats.org/presentationml/2006/main">
   <p:cSld>
     <p:spTree>
@@ -13714,8 +13720,8 @@
           </a:p>
         </p:txBody>
       </p:sp>
-      <mc:AlternateContent xmlns:mc="http://schemas.openxmlformats.org/markup-compatibility/2006">
-        <mc:Choice xmlns:a14="http://schemas.microsoft.com/office/drawing/2010/main" Requires="a14">
+      <mc:AlternateContent xmlns:mc="http://schemas.openxmlformats.org/markup-compatibility/2006" xmlns:a14="http://schemas.microsoft.com/office/drawing/2010/main">
+        <mc:Choice Requires="a14">
           <p:sp>
             <p:nvSpPr>
               <p:cNvPr id="7" name="TextBox 6">
@@ -13757,7 +13763,7 @@
                     <m:sSub>
                       <m:sSubPr>
                         <m:ctrlPr>
-                          <a:rPr lang="en-US" sz="1200" b="0" i="0" smtClean="0">
+                          <a:rPr lang="en-US" sz="1200" b="0" i="1" smtClean="0">
                             <a:latin typeface="Cambria Math" panose="02040503050406030204" pitchFamily="18" charset="0"/>
                             <a:ea typeface="Jost" pitchFamily="2" charset="0"/>
                           </a:rPr>
@@ -13798,7 +13804,7 @@
                     <m:sSubSup>
                       <m:sSubSupPr>
                         <m:ctrlPr>
-                          <a:rPr lang="en-US" sz="1200" smtClean="0">
+                          <a:rPr lang="en-US" sz="1200" i="1" smtClean="0">
                             <a:latin typeface="Cambria Math" panose="02040503050406030204" pitchFamily="18" charset="0"/>
                             <a:ea typeface="Jost" pitchFamily="2" charset="0"/>
                           </a:rPr>
@@ -13883,7 +13889,7 @@
             </p:txBody>
           </p:sp>
         </mc:Choice>
-        <mc:Fallback>
+        <mc:Fallback xmlns="">
           <p:sp>
             <p:nvSpPr>
               <p:cNvPr id="7" name="TextBox 6">
@@ -13983,8 +13989,8 @@
           </a:p>
         </p:txBody>
       </p:sp>
-      <mc:AlternateContent xmlns:mc="http://schemas.openxmlformats.org/markup-compatibility/2006">
-        <mc:Choice xmlns:a14="http://schemas.microsoft.com/office/drawing/2010/main" Requires="a14">
+      <mc:AlternateContent xmlns:mc="http://schemas.openxmlformats.org/markup-compatibility/2006" xmlns:a14="http://schemas.microsoft.com/office/drawing/2010/main">
+        <mc:Choice Requires="a14">
           <p:sp>
             <p:nvSpPr>
               <p:cNvPr id="11" name="TextBox 10">
@@ -14067,7 +14073,7 @@
             </p:txBody>
           </p:sp>
         </mc:Choice>
-        <mc:Fallback>
+        <mc:Fallback xmlns="">
           <p:sp>
             <p:nvSpPr>
               <p:cNvPr id="11" name="TextBox 10">
@@ -14226,13 +14232,14 @@
           <a:prstGeom prst="roundRect">
             <a:avLst/>
           </a:prstGeom>
-          <a:noFill/>
+          <a:solidFill>
+            <a:srgbClr val="FF6462">
+              <a:alpha val="40000"/>
+            </a:srgbClr>
+          </a:solidFill>
           <a:ln w="19050">
             <a:solidFill>
-              <a:schemeClr val="tx1">
-                <a:lumMod val="75000"/>
-                <a:lumOff val="25000"/>
-              </a:schemeClr>
+              <a:srgbClr val="FF6462"/>
             </a:solidFill>
           </a:ln>
         </p:spPr>
@@ -14261,8 +14268,8 @@
           </a:p>
         </p:txBody>
       </p:sp>
-      <mc:AlternateContent xmlns:mc="http://schemas.openxmlformats.org/markup-compatibility/2006">
-        <mc:Choice xmlns:a14="http://schemas.microsoft.com/office/drawing/2010/main" Requires="a14">
+      <mc:AlternateContent xmlns:mc="http://schemas.openxmlformats.org/markup-compatibility/2006" xmlns:a14="http://schemas.microsoft.com/office/drawing/2010/main">
+        <mc:Choice Requires="a14">
           <p:sp>
             <p:nvSpPr>
               <p:cNvPr id="15" name="TextBox 14">
@@ -14361,7 +14368,7 @@
             </p:txBody>
           </p:sp>
         </mc:Choice>
-        <mc:Fallback>
+        <mc:Fallback xmlns="">
           <p:sp>
             <p:nvSpPr>
               <p:cNvPr id="15" name="TextBox 14">
@@ -14426,14 +14433,13 @@
           <a:prstGeom prst="diamond">
             <a:avLst/>
           </a:prstGeom>
-          <a:solidFill>
-            <a:srgbClr val="900DA4">
-              <a:alpha val="40000"/>
-            </a:srgbClr>
-          </a:solidFill>
+          <a:noFill/>
           <a:ln w="19050">
             <a:solidFill>
-              <a:srgbClr val="900DA4"/>
+              <a:schemeClr val="tx1">
+                <a:lumMod val="75000"/>
+                <a:lumOff val="25000"/>
+              </a:schemeClr>
             </a:solidFill>
           </a:ln>
         </p:spPr>
@@ -14462,8 +14468,8 @@
           </a:p>
         </p:txBody>
       </p:sp>
-      <mc:AlternateContent xmlns:mc="http://schemas.openxmlformats.org/markup-compatibility/2006">
-        <mc:Choice xmlns:a14="http://schemas.microsoft.com/office/drawing/2010/main" Requires="a14">
+      <mc:AlternateContent xmlns:mc="http://schemas.openxmlformats.org/markup-compatibility/2006" xmlns:a14="http://schemas.microsoft.com/office/drawing/2010/main">
+        <mc:Choice Requires="a14">
           <p:sp>
             <p:nvSpPr>
               <p:cNvPr id="17" name="TextBox 16">
@@ -14599,7 +14605,7 @@
             </p:txBody>
           </p:sp>
         </mc:Choice>
-        <mc:Fallback>
+        <mc:Fallback xmlns="">
           <p:sp>
             <p:nvSpPr>
               <p:cNvPr id="17" name="TextBox 16">
@@ -14699,8 +14705,8 @@
           </a:p>
         </p:txBody>
       </p:sp>
-      <mc:AlternateContent xmlns:mc="http://schemas.openxmlformats.org/markup-compatibility/2006">
-        <mc:Choice xmlns:a14="http://schemas.microsoft.com/office/drawing/2010/main" Requires="a14">
+      <mc:AlternateContent xmlns:mc="http://schemas.openxmlformats.org/markup-compatibility/2006" xmlns:a14="http://schemas.microsoft.com/office/drawing/2010/main">
+        <mc:Choice Requires="a14">
           <p:sp>
             <p:nvSpPr>
               <p:cNvPr id="19" name="TextBox 18">
@@ -14855,7 +14861,7 @@
             </p:txBody>
           </p:sp>
         </mc:Choice>
-        <mc:Fallback>
+        <mc:Fallback xmlns="">
           <p:sp>
             <p:nvSpPr>
               <p:cNvPr id="19" name="TextBox 18">
@@ -15097,8 +15103,8 @@
           </a:p>
         </p:txBody>
       </p:sp>
-      <mc:AlternateContent xmlns:mc="http://schemas.openxmlformats.org/markup-compatibility/2006">
-        <mc:Choice xmlns:a14="http://schemas.microsoft.com/office/drawing/2010/main" Requires="a14">
+      <mc:AlternateContent xmlns:mc="http://schemas.openxmlformats.org/markup-compatibility/2006" xmlns:a14="http://schemas.microsoft.com/office/drawing/2010/main">
+        <mc:Choice Requires="a14">
           <p:sp>
             <p:nvSpPr>
               <p:cNvPr id="41" name="TextBox 40">
@@ -15140,7 +15146,7 @@
                     <m:sSup>
                       <m:sSupPr>
                         <m:ctrlPr>
-                          <a:rPr lang="en-US" sz="1200" b="0" i="0" smtClean="0">
+                          <a:rPr lang="en-US" sz="1200" b="0" i="1" smtClean="0">
                             <a:latin typeface="Cambria Math" panose="02040503050406030204" pitchFamily="18" charset="0"/>
                             <a:ea typeface="Jost" pitchFamily="2" charset="0"/>
                           </a:rPr>
@@ -15235,7 +15241,7 @@
             </p:txBody>
           </p:sp>
         </mc:Choice>
-        <mc:Fallback>
+        <mc:Fallback xmlns="">
           <p:sp>
             <p:nvSpPr>
               <p:cNvPr id="41" name="TextBox 40">
@@ -15698,7 +15704,7 @@
     </p:spTree>
     <p:extLst>
       <p:ext uri="{BB962C8B-B14F-4D97-AF65-F5344CB8AC3E}">
-        <p14:creationId xmlns:p14="http://schemas.microsoft.com/office/powerpoint/2010/main" val="1737713410"/>
+        <p14:creationId xmlns:p14="http://schemas.microsoft.com/office/powerpoint/2010/main" val="2507488243"/>
       </p:ext>
     </p:extLst>
   </p:cSld>
@@ -15708,7 +15714,7 @@
 </p:sld>
 </file>
 
-<file path=ppt/slides/slide7.xml><?xml version="1.0" encoding="utf-8"?>
+<file path=ppt/slides/slide6.xml><?xml version="1.0" encoding="utf-8"?>
 <p:sld xmlns:a="http://schemas.openxmlformats.org/drawingml/2006/main" xmlns:r="http://schemas.openxmlformats.org/officeDocument/2006/relationships" xmlns:p="http://schemas.openxmlformats.org/presentationml/2006/main">
   <p:cSld>
     <p:spTree>
@@ -15780,8 +15786,8 @@
           </a:p>
         </p:txBody>
       </p:sp>
-      <mc:AlternateContent xmlns:mc="http://schemas.openxmlformats.org/markup-compatibility/2006">
-        <mc:Choice xmlns:a14="http://schemas.microsoft.com/office/drawing/2010/main" Requires="a14">
+      <mc:AlternateContent xmlns:mc="http://schemas.openxmlformats.org/markup-compatibility/2006" xmlns:a14="http://schemas.microsoft.com/office/drawing/2010/main">
+        <mc:Choice Requires="a14">
           <p:sp>
             <p:nvSpPr>
               <p:cNvPr id="7" name="TextBox 6">
@@ -15823,7 +15829,7 @@
                     <m:sSub>
                       <m:sSubPr>
                         <m:ctrlPr>
-                          <a:rPr lang="en-US" sz="1200" b="0" i="0" smtClean="0">
+                          <a:rPr lang="en-US" sz="1200" b="0" i="1" smtClean="0">
                             <a:latin typeface="Cambria Math" panose="02040503050406030204" pitchFamily="18" charset="0"/>
                             <a:ea typeface="Jost" pitchFamily="2" charset="0"/>
                           </a:rPr>
@@ -15864,7 +15870,7 @@
                     <m:sSubSup>
                       <m:sSubSupPr>
                         <m:ctrlPr>
-                          <a:rPr lang="en-US" sz="1200" smtClean="0">
+                          <a:rPr lang="en-US" sz="1200" i="1" smtClean="0">
                             <a:latin typeface="Cambria Math" panose="02040503050406030204" pitchFamily="18" charset="0"/>
                             <a:ea typeface="Jost" pitchFamily="2" charset="0"/>
                           </a:rPr>
@@ -15949,7 +15955,7 @@
             </p:txBody>
           </p:sp>
         </mc:Choice>
-        <mc:Fallback>
+        <mc:Fallback xmlns="">
           <p:sp>
             <p:nvSpPr>
               <p:cNvPr id="7" name="TextBox 6">
@@ -16049,8 +16055,8 @@
           </a:p>
         </p:txBody>
       </p:sp>
-      <mc:AlternateContent xmlns:mc="http://schemas.openxmlformats.org/markup-compatibility/2006">
-        <mc:Choice xmlns:a14="http://schemas.microsoft.com/office/drawing/2010/main" Requires="a14">
+      <mc:AlternateContent xmlns:mc="http://schemas.openxmlformats.org/markup-compatibility/2006" xmlns:a14="http://schemas.microsoft.com/office/drawing/2010/main">
+        <mc:Choice Requires="a14">
           <p:sp>
             <p:nvSpPr>
               <p:cNvPr id="11" name="TextBox 10">
@@ -16133,7 +16139,7 @@
             </p:txBody>
           </p:sp>
         </mc:Choice>
-        <mc:Fallback>
+        <mc:Fallback xmlns="">
           <p:sp>
             <p:nvSpPr>
               <p:cNvPr id="11" name="TextBox 10">
@@ -16327,8 +16333,8 @@
           </a:p>
         </p:txBody>
       </p:sp>
-      <mc:AlternateContent xmlns:mc="http://schemas.openxmlformats.org/markup-compatibility/2006">
-        <mc:Choice xmlns:a14="http://schemas.microsoft.com/office/drawing/2010/main" Requires="a14">
+      <mc:AlternateContent xmlns:mc="http://schemas.openxmlformats.org/markup-compatibility/2006" xmlns:a14="http://schemas.microsoft.com/office/drawing/2010/main">
+        <mc:Choice Requires="a14">
           <p:sp>
             <p:nvSpPr>
               <p:cNvPr id="15" name="TextBox 14">
@@ -16427,7 +16433,7 @@
             </p:txBody>
           </p:sp>
         </mc:Choice>
-        <mc:Fallback>
+        <mc:Fallback xmlns="">
           <p:sp>
             <p:nvSpPr>
               <p:cNvPr id="15" name="TextBox 14">
@@ -16527,8 +16533,8 @@
           </a:p>
         </p:txBody>
       </p:sp>
-      <mc:AlternateContent xmlns:mc="http://schemas.openxmlformats.org/markup-compatibility/2006">
-        <mc:Choice xmlns:a14="http://schemas.microsoft.com/office/drawing/2010/main" Requires="a14">
+      <mc:AlternateContent xmlns:mc="http://schemas.openxmlformats.org/markup-compatibility/2006" xmlns:a14="http://schemas.microsoft.com/office/drawing/2010/main">
+        <mc:Choice Requires="a14">
           <p:sp>
             <p:nvSpPr>
               <p:cNvPr id="17" name="TextBox 16">
@@ -16664,7 +16670,7 @@
             </p:txBody>
           </p:sp>
         </mc:Choice>
-        <mc:Fallback>
+        <mc:Fallback xmlns="">
           <p:sp>
             <p:nvSpPr>
               <p:cNvPr id="17" name="TextBox 16">
@@ -16729,13 +16735,14 @@
           <a:prstGeom prst="roundRect">
             <a:avLst/>
           </a:prstGeom>
-          <a:noFill/>
+          <a:solidFill>
+            <a:srgbClr val="FF6462">
+              <a:alpha val="40000"/>
+            </a:srgbClr>
+          </a:solidFill>
           <a:ln w="19050">
             <a:solidFill>
-              <a:schemeClr val="tx1">
-                <a:lumMod val="75000"/>
-                <a:lumOff val="25000"/>
-              </a:schemeClr>
+              <a:srgbClr val="FF6462"/>
             </a:solidFill>
           </a:ln>
         </p:spPr>
@@ -16764,8 +16771,8 @@
           </a:p>
         </p:txBody>
       </p:sp>
-      <mc:AlternateContent xmlns:mc="http://schemas.openxmlformats.org/markup-compatibility/2006">
-        <mc:Choice xmlns:a14="http://schemas.microsoft.com/office/drawing/2010/main" Requires="a14">
+      <mc:AlternateContent xmlns:mc="http://schemas.openxmlformats.org/markup-compatibility/2006" xmlns:a14="http://schemas.microsoft.com/office/drawing/2010/main">
+        <mc:Choice Requires="a14">
           <p:sp>
             <p:nvSpPr>
               <p:cNvPr id="19" name="TextBox 18">
@@ -16920,7 +16927,7 @@
             </p:txBody>
           </p:sp>
         </mc:Choice>
-        <mc:Fallback>
+        <mc:Fallback xmlns="">
           <p:sp>
             <p:nvSpPr>
               <p:cNvPr id="19" name="TextBox 18">
@@ -17023,14 +17030,13 @@
           <a:prstGeom prst="roundRect">
             <a:avLst/>
           </a:prstGeom>
-          <a:solidFill>
-            <a:srgbClr val="FF6462">
-              <a:alpha val="40000"/>
-            </a:srgbClr>
-          </a:solidFill>
+          <a:noFill/>
           <a:ln w="19050">
             <a:solidFill>
-              <a:srgbClr val="FF6462"/>
+              <a:schemeClr val="tx1">
+                <a:lumMod val="75000"/>
+                <a:lumOff val="25000"/>
+              </a:schemeClr>
             </a:solidFill>
           </a:ln>
         </p:spPr>
@@ -17163,8 +17169,8 @@
           </a:p>
         </p:txBody>
       </p:sp>
-      <mc:AlternateContent xmlns:mc="http://schemas.openxmlformats.org/markup-compatibility/2006">
-        <mc:Choice xmlns:a14="http://schemas.microsoft.com/office/drawing/2010/main" Requires="a14">
+      <mc:AlternateContent xmlns:mc="http://schemas.openxmlformats.org/markup-compatibility/2006" xmlns:a14="http://schemas.microsoft.com/office/drawing/2010/main">
+        <mc:Choice Requires="a14">
           <p:sp>
             <p:nvSpPr>
               <p:cNvPr id="41" name="TextBox 40">
@@ -17206,7 +17212,7 @@
                     <m:sSup>
                       <m:sSupPr>
                         <m:ctrlPr>
-                          <a:rPr lang="en-US" sz="1200" b="0" i="0" smtClean="0">
+                          <a:rPr lang="en-US" sz="1200" b="0" i="1" smtClean="0">
                             <a:latin typeface="Cambria Math" panose="02040503050406030204" pitchFamily="18" charset="0"/>
                             <a:ea typeface="Jost" pitchFamily="2" charset="0"/>
                           </a:rPr>
@@ -17301,7 +17307,7 @@
             </p:txBody>
           </p:sp>
         </mc:Choice>
-        <mc:Fallback>
+        <mc:Fallback xmlns="">
           <p:sp>
             <p:nvSpPr>
               <p:cNvPr id="41" name="TextBox 40">
@@ -17764,7 +17770,7 @@
     </p:spTree>
     <p:extLst>
       <p:ext uri="{BB962C8B-B14F-4D97-AF65-F5344CB8AC3E}">
-        <p14:creationId xmlns:p14="http://schemas.microsoft.com/office/powerpoint/2010/main" val="1548774307"/>
+        <p14:creationId xmlns:p14="http://schemas.microsoft.com/office/powerpoint/2010/main" val="4012176124"/>
       </p:ext>
     </p:extLst>
   </p:cSld>
@@ -17774,7 +17780,7 @@
 </p:sld>
 </file>
 
-<file path=ppt/slides/slide8.xml><?xml version="1.0" encoding="utf-8"?>
+<file path=ppt/slides/slide7.xml><?xml version="1.0" encoding="utf-8"?>
 <p:sld xmlns:a="http://schemas.openxmlformats.org/drawingml/2006/main" xmlns:r="http://schemas.openxmlformats.org/officeDocument/2006/relationships" xmlns:p="http://schemas.openxmlformats.org/presentationml/2006/main">
   <p:cSld>
     <p:spTree>
@@ -17846,8 +17852,8 @@
           </a:p>
         </p:txBody>
       </p:sp>
-      <mc:AlternateContent xmlns:mc="http://schemas.openxmlformats.org/markup-compatibility/2006">
-        <mc:Choice xmlns:a14="http://schemas.microsoft.com/office/drawing/2010/main" Requires="a14">
+      <mc:AlternateContent xmlns:mc="http://schemas.openxmlformats.org/markup-compatibility/2006" xmlns:a14="http://schemas.microsoft.com/office/drawing/2010/main">
+        <mc:Choice Requires="a14">
           <p:sp>
             <p:nvSpPr>
               <p:cNvPr id="7" name="TextBox 6">
@@ -17889,7 +17895,7 @@
                     <m:sSub>
                       <m:sSubPr>
                         <m:ctrlPr>
-                          <a:rPr lang="en-US" sz="1200" b="0" i="0" smtClean="0">
+                          <a:rPr lang="en-US" sz="1200" b="0" i="1" smtClean="0">
                             <a:latin typeface="Cambria Math" panose="02040503050406030204" pitchFamily="18" charset="0"/>
                             <a:ea typeface="Jost" pitchFamily="2" charset="0"/>
                           </a:rPr>
@@ -17930,7 +17936,7 @@
                     <m:sSubSup>
                       <m:sSubSupPr>
                         <m:ctrlPr>
-                          <a:rPr lang="en-US" sz="1200" smtClean="0">
+                          <a:rPr lang="en-US" sz="1200" i="1" smtClean="0">
                             <a:latin typeface="Cambria Math" panose="02040503050406030204" pitchFamily="18" charset="0"/>
                             <a:ea typeface="Jost" pitchFamily="2" charset="0"/>
                           </a:rPr>
@@ -18015,7 +18021,7 @@
             </p:txBody>
           </p:sp>
         </mc:Choice>
-        <mc:Fallback>
+        <mc:Fallback xmlns="">
           <p:sp>
             <p:nvSpPr>
               <p:cNvPr id="7" name="TextBox 6">
@@ -18115,8 +18121,8 @@
           </a:p>
         </p:txBody>
       </p:sp>
-      <mc:AlternateContent xmlns:mc="http://schemas.openxmlformats.org/markup-compatibility/2006">
-        <mc:Choice xmlns:a14="http://schemas.microsoft.com/office/drawing/2010/main" Requires="a14">
+      <mc:AlternateContent xmlns:mc="http://schemas.openxmlformats.org/markup-compatibility/2006" xmlns:a14="http://schemas.microsoft.com/office/drawing/2010/main">
+        <mc:Choice Requires="a14">
           <p:sp>
             <p:nvSpPr>
               <p:cNvPr id="11" name="TextBox 10">
@@ -18199,7 +18205,7 @@
             </p:txBody>
           </p:sp>
         </mc:Choice>
-        <mc:Fallback>
+        <mc:Fallback xmlns="">
           <p:sp>
             <p:nvSpPr>
               <p:cNvPr id="11" name="TextBox 10">
@@ -18358,13 +18364,14 @@
           <a:prstGeom prst="roundRect">
             <a:avLst/>
           </a:prstGeom>
-          <a:noFill/>
+          <a:solidFill>
+            <a:srgbClr val="FF6462">
+              <a:alpha val="40000"/>
+            </a:srgbClr>
+          </a:solidFill>
           <a:ln w="19050">
             <a:solidFill>
-              <a:schemeClr val="tx1">
-                <a:lumMod val="75000"/>
-                <a:lumOff val="25000"/>
-              </a:schemeClr>
+              <a:srgbClr val="FF6462"/>
             </a:solidFill>
           </a:ln>
         </p:spPr>
@@ -18393,8 +18400,8 @@
           </a:p>
         </p:txBody>
       </p:sp>
-      <mc:AlternateContent xmlns:mc="http://schemas.openxmlformats.org/markup-compatibility/2006">
-        <mc:Choice xmlns:a14="http://schemas.microsoft.com/office/drawing/2010/main" Requires="a14">
+      <mc:AlternateContent xmlns:mc="http://schemas.openxmlformats.org/markup-compatibility/2006" xmlns:a14="http://schemas.microsoft.com/office/drawing/2010/main">
+        <mc:Choice Requires="a14">
           <p:sp>
             <p:nvSpPr>
               <p:cNvPr id="15" name="TextBox 14">
@@ -18493,7 +18500,7 @@
             </p:txBody>
           </p:sp>
         </mc:Choice>
-        <mc:Fallback>
+        <mc:Fallback xmlns="">
           <p:sp>
             <p:nvSpPr>
               <p:cNvPr id="15" name="TextBox 14">
@@ -18593,8 +18600,8 @@
           </a:p>
         </p:txBody>
       </p:sp>
-      <mc:AlternateContent xmlns:mc="http://schemas.openxmlformats.org/markup-compatibility/2006">
-        <mc:Choice xmlns:a14="http://schemas.microsoft.com/office/drawing/2010/main" Requires="a14">
+      <mc:AlternateContent xmlns:mc="http://schemas.openxmlformats.org/markup-compatibility/2006" xmlns:a14="http://schemas.microsoft.com/office/drawing/2010/main">
+        <mc:Choice Requires="a14">
           <p:sp>
             <p:nvSpPr>
               <p:cNvPr id="17" name="TextBox 16">
@@ -18730,7 +18737,7 @@
             </p:txBody>
           </p:sp>
         </mc:Choice>
-        <mc:Fallback>
+        <mc:Fallback xmlns="">
           <p:sp>
             <p:nvSpPr>
               <p:cNvPr id="17" name="TextBox 16">
@@ -18795,13 +18802,14 @@
           <a:prstGeom prst="roundRect">
             <a:avLst/>
           </a:prstGeom>
-          <a:noFill/>
+          <a:solidFill>
+            <a:srgbClr val="FF6462">
+              <a:alpha val="40000"/>
+            </a:srgbClr>
+          </a:solidFill>
           <a:ln w="19050">
             <a:solidFill>
-              <a:schemeClr val="tx1">
-                <a:lumMod val="75000"/>
-                <a:lumOff val="25000"/>
-              </a:schemeClr>
+              <a:srgbClr val="FF6462"/>
             </a:solidFill>
           </a:ln>
         </p:spPr>
@@ -18830,8 +18838,8 @@
           </a:p>
         </p:txBody>
       </p:sp>
-      <mc:AlternateContent xmlns:mc="http://schemas.openxmlformats.org/markup-compatibility/2006">
-        <mc:Choice xmlns:a14="http://schemas.microsoft.com/office/drawing/2010/main" Requires="a14">
+      <mc:AlternateContent xmlns:mc="http://schemas.openxmlformats.org/markup-compatibility/2006" xmlns:a14="http://schemas.microsoft.com/office/drawing/2010/main">
+        <mc:Choice Requires="a14">
           <p:sp>
             <p:nvSpPr>
               <p:cNvPr id="19" name="TextBox 18">
@@ -18986,7 +18994,7 @@
             </p:txBody>
           </p:sp>
         </mc:Choice>
-        <mc:Fallback>
+        <mc:Fallback xmlns="">
           <p:sp>
             <p:nvSpPr>
               <p:cNvPr id="19" name="TextBox 18">
@@ -19193,14 +19201,13 @@
           <a:prstGeom prst="roundRect">
             <a:avLst/>
           </a:prstGeom>
-          <a:solidFill>
-            <a:srgbClr val="F89441">
-              <a:alpha val="50196"/>
-            </a:srgbClr>
-          </a:solidFill>
+          <a:noFill/>
           <a:ln w="19050">
             <a:solidFill>
-              <a:srgbClr val="F89441"/>
+              <a:schemeClr val="tx1">
+                <a:lumMod val="75000"/>
+                <a:lumOff val="25000"/>
+              </a:schemeClr>
             </a:solidFill>
           </a:ln>
         </p:spPr>
@@ -19229,8 +19236,8 @@
           </a:p>
         </p:txBody>
       </p:sp>
-      <mc:AlternateContent xmlns:mc="http://schemas.openxmlformats.org/markup-compatibility/2006">
-        <mc:Choice xmlns:a14="http://schemas.microsoft.com/office/drawing/2010/main" Requires="a14">
+      <mc:AlternateContent xmlns:mc="http://schemas.openxmlformats.org/markup-compatibility/2006" xmlns:a14="http://schemas.microsoft.com/office/drawing/2010/main">
+        <mc:Choice Requires="a14">
           <p:sp>
             <p:nvSpPr>
               <p:cNvPr id="41" name="TextBox 40">
@@ -19272,7 +19279,7 @@
                     <m:sSup>
                       <m:sSupPr>
                         <m:ctrlPr>
-                          <a:rPr lang="en-US" sz="1200" b="0" i="0" smtClean="0">
+                          <a:rPr lang="en-US" sz="1200" b="0" i="1" smtClean="0">
                             <a:latin typeface="Cambria Math" panose="02040503050406030204" pitchFamily="18" charset="0"/>
                             <a:ea typeface="Jost" pitchFamily="2" charset="0"/>
                           </a:rPr>
@@ -19367,7 +19374,7 @@
             </p:txBody>
           </p:sp>
         </mc:Choice>
-        <mc:Fallback>
+        <mc:Fallback xmlns="">
           <p:sp>
             <p:nvSpPr>
               <p:cNvPr id="41" name="TextBox 40">
@@ -19830,7 +19837,4139 @@
     </p:spTree>
     <p:extLst>
       <p:ext uri="{BB962C8B-B14F-4D97-AF65-F5344CB8AC3E}">
-        <p14:creationId xmlns:p14="http://schemas.microsoft.com/office/powerpoint/2010/main" val="3991159788"/>
+        <p14:creationId xmlns:p14="http://schemas.microsoft.com/office/powerpoint/2010/main" val="1674515019"/>
+      </p:ext>
+    </p:extLst>
+  </p:cSld>
+  <p:clrMapOvr>
+    <a:masterClrMapping/>
+  </p:clrMapOvr>
+</p:sld>
+</file>
+
+<file path=ppt/slides/slide8.xml><?xml version="1.0" encoding="utf-8"?>
+<p:sld xmlns:a="http://schemas.openxmlformats.org/drawingml/2006/main" xmlns:r="http://schemas.openxmlformats.org/officeDocument/2006/relationships" xmlns:p="http://schemas.openxmlformats.org/presentationml/2006/main">
+  <p:cSld>
+    <p:spTree>
+      <p:nvGrpSpPr>
+        <p:cNvPr id="1" name=""/>
+        <p:cNvGrpSpPr/>
+        <p:nvPr/>
+      </p:nvGrpSpPr>
+      <p:grpSpPr>
+        <a:xfrm>
+          <a:off x="0" y="0"/>
+          <a:ext cx="0" cy="0"/>
+          <a:chOff x="0" y="0"/>
+          <a:chExt cx="0" cy="0"/>
+        </a:xfrm>
+      </p:grpSpPr>
+      <p:sp>
+        <p:nvSpPr>
+          <p:cNvPr id="6" name="Rectangle: Rounded Corners 5">
+            <a:extLst>
+              <a:ext uri="{FF2B5EF4-FFF2-40B4-BE49-F238E27FC236}">
+                <a16:creationId xmlns:a16="http://schemas.microsoft.com/office/drawing/2014/main" id="{20385EAC-B04C-4C20-83E6-52B69AB50757}"/>
+              </a:ext>
+            </a:extLst>
+          </p:cNvPr>
+          <p:cNvSpPr/>
+          <p:nvPr/>
+        </p:nvSpPr>
+        <p:spPr>
+          <a:xfrm>
+            <a:off x="4431792" y="330578"/>
+            <a:ext cx="1786128" cy="505191"/>
+          </a:xfrm>
+          <a:prstGeom prst="roundRect">
+            <a:avLst/>
+          </a:prstGeom>
+          <a:noFill/>
+          <a:ln w="19050">
+            <a:solidFill>
+              <a:schemeClr val="tx1">
+                <a:lumMod val="75000"/>
+                <a:lumOff val="25000"/>
+              </a:schemeClr>
+            </a:solidFill>
+          </a:ln>
+        </p:spPr>
+        <p:style>
+          <a:lnRef idx="2">
+            <a:schemeClr val="accent1">
+              <a:shade val="50000"/>
+            </a:schemeClr>
+          </a:lnRef>
+          <a:fillRef idx="1">
+            <a:schemeClr val="accent1"/>
+          </a:fillRef>
+          <a:effectRef idx="0">
+            <a:schemeClr val="accent1"/>
+          </a:effectRef>
+          <a:fontRef idx="minor">
+            <a:schemeClr val="lt1"/>
+          </a:fontRef>
+        </p:style>
+        <p:txBody>
+          <a:bodyPr rtlCol="0" anchor="ctr"/>
+          <a:lstStyle/>
+          <a:p>
+            <a:pPr algn="ctr"/>
+            <a:endParaRPr lang="en-US"/>
+          </a:p>
+        </p:txBody>
+      </p:sp>
+      <mc:AlternateContent xmlns:mc="http://schemas.openxmlformats.org/markup-compatibility/2006" xmlns:a14="http://schemas.microsoft.com/office/drawing/2010/main">
+        <mc:Choice Requires="a14">
+          <p:sp>
+            <p:nvSpPr>
+              <p:cNvPr id="7" name="TextBox 6">
+                <a:extLst>
+                  <a:ext uri="{FF2B5EF4-FFF2-40B4-BE49-F238E27FC236}">
+                    <a16:creationId xmlns:a16="http://schemas.microsoft.com/office/drawing/2014/main" id="{AD380A3F-DACA-45FC-B2A9-96A467F06309}"/>
+                  </a:ext>
+                </a:extLst>
+              </p:cNvPr>
+              <p:cNvSpPr txBox="1"/>
+              <p:nvPr/>
+            </p:nvSpPr>
+            <p:spPr>
+              <a:xfrm>
+                <a:off x="4431792" y="374105"/>
+                <a:ext cx="1786128" cy="461921"/>
+              </a:xfrm>
+              <a:prstGeom prst="rect">
+                <a:avLst/>
+              </a:prstGeom>
+              <a:noFill/>
+            </p:spPr>
+            <p:txBody>
+              <a:bodyPr wrap="square" rtlCol="0">
+                <a:spAutoFit/>
+              </a:bodyPr>
+              <a:lstStyle/>
+              <a:p>
+                <a:pPr algn="ctr"/>
+                <a:r>
+                  <a:rPr lang="en-US" sz="1200" dirty="0">
+                    <a:latin typeface="Jost" pitchFamily="2" charset="0"/>
+                    <a:ea typeface="Jost" pitchFamily="2" charset="0"/>
+                  </a:rPr>
+                  <a:t>0. Set </a:t>
+                </a:r>
+                <a14:m>
+                  <m:oMath xmlns:m="http://schemas.openxmlformats.org/officeDocument/2006/math">
+                    <m:sSub>
+                      <m:sSubPr>
+                        <m:ctrlPr>
+                          <a:rPr lang="en-US" sz="1200" b="0" i="1" smtClean="0">
+                            <a:latin typeface="Cambria Math" panose="02040503050406030204" pitchFamily="18" charset="0"/>
+                            <a:ea typeface="Jost" pitchFamily="2" charset="0"/>
+                          </a:rPr>
+                        </m:ctrlPr>
+                      </m:sSubPr>
+                      <m:e>
+                        <m:r>
+                          <m:rPr>
+                            <m:sty m:val="p"/>
+                          </m:rPr>
+                          <a:rPr lang="en-US" sz="1200">
+                            <a:latin typeface="Cambria Math" panose="02040503050406030204" pitchFamily="18" charset="0"/>
+                            <a:ea typeface="Jost" pitchFamily="2" charset="0"/>
+                          </a:rPr>
+                          <m:t>H</m:t>
+                        </m:r>
+                      </m:e>
+                      <m:sub>
+                        <m:r>
+                          <m:rPr>
+                            <m:sty m:val="p"/>
+                          </m:rPr>
+                          <a:rPr lang="en-US" sz="1200" b="0" i="0" smtClean="0">
+                            <a:latin typeface="Cambria Math" panose="02040503050406030204" pitchFamily="18" charset="0"/>
+                            <a:ea typeface="Jost" pitchFamily="2" charset="0"/>
+                          </a:rPr>
+                          <m:t>j</m:t>
+                        </m:r>
+                      </m:sub>
+                    </m:sSub>
+                    <m:r>
+                      <a:rPr lang="en-US" sz="1200" b="0" i="0" smtClean="0">
+                        <a:latin typeface="Cambria Math" panose="02040503050406030204" pitchFamily="18" charset="0"/>
+                        <a:ea typeface="Jost" pitchFamily="2" charset="0"/>
+                      </a:rPr>
+                      <m:t>=</m:t>
+                    </m:r>
+                    <m:sSubSup>
+                      <m:sSubSupPr>
+                        <m:ctrlPr>
+                          <a:rPr lang="en-US" sz="1200" i="1" smtClean="0">
+                            <a:latin typeface="Cambria Math" panose="02040503050406030204" pitchFamily="18" charset="0"/>
+                            <a:ea typeface="Jost" pitchFamily="2" charset="0"/>
+                          </a:rPr>
+                        </m:ctrlPr>
+                      </m:sSubSupPr>
+                      <m:e>
+                        <m:r>
+                          <m:rPr>
+                            <m:sty m:val="p"/>
+                          </m:rPr>
+                          <a:rPr lang="en-US" sz="1200" b="0" i="0" smtClean="0">
+                            <a:latin typeface="Cambria Math" panose="02040503050406030204" pitchFamily="18" charset="0"/>
+                            <a:ea typeface="Jost" pitchFamily="2" charset="0"/>
+                          </a:rPr>
+                          <m:t>H</m:t>
+                        </m:r>
+                      </m:e>
+                      <m:sub>
+                        <m:r>
+                          <m:rPr>
+                            <m:sty m:val="p"/>
+                          </m:rPr>
+                          <a:rPr lang="en-US" sz="1200" b="0" i="0" smtClean="0">
+                            <a:latin typeface="Cambria Math" panose="02040503050406030204" pitchFamily="18" charset="0"/>
+                            <a:ea typeface="Jost" pitchFamily="2" charset="0"/>
+                          </a:rPr>
+                          <m:t>j</m:t>
+                        </m:r>
+                      </m:sub>
+                      <m:sup>
+                        <m:r>
+                          <a:rPr lang="en-US" sz="1200" b="0" i="0" smtClean="0">
+                            <a:latin typeface="Cambria Math" panose="02040503050406030204" pitchFamily="18" charset="0"/>
+                            <a:ea typeface="Jost" pitchFamily="2" charset="0"/>
+                          </a:rPr>
+                          <m:t>∗</m:t>
+                        </m:r>
+                      </m:sup>
+                    </m:sSubSup>
+                  </m:oMath>
+                </a14:m>
+                <a:r>
+                  <a:rPr lang="en-US" sz="1200" dirty="0">
+                    <a:latin typeface="Jost" pitchFamily="2" charset="0"/>
+                    <a:ea typeface="Jost" pitchFamily="2" charset="0"/>
+                  </a:rPr>
+                  <a:t> in </a:t>
+                </a:r>
+                <a14:m>
+                  <m:oMath xmlns:m="http://schemas.openxmlformats.org/officeDocument/2006/math">
+                    <m:r>
+                      <a:rPr lang="en-US" sz="1200" b="0" i="1" smtClean="0">
+                        <a:latin typeface="Cambria Math" panose="02040503050406030204" pitchFamily="18" charset="0"/>
+                        <a:ea typeface="Jost" pitchFamily="2" charset="0"/>
+                      </a:rPr>
+                      <m:t>𝑡</m:t>
+                    </m:r>
+                    <m:r>
+                      <a:rPr lang="en-US" sz="1200" b="0" i="1" smtClean="0">
+                        <a:latin typeface="Cambria Math" panose="02040503050406030204" pitchFamily="18" charset="0"/>
+                        <a:ea typeface="Jost" pitchFamily="2" charset="0"/>
+                      </a:rPr>
+                      <m:t>=1</m:t>
+                    </m:r>
+                  </m:oMath>
+                </a14:m>
+                <a:endParaRPr lang="en-US" sz="1200" dirty="0">
+                  <a:latin typeface="Jost" pitchFamily="2" charset="0"/>
+                  <a:ea typeface="Jost" pitchFamily="2" charset="0"/>
+                </a:endParaRPr>
+              </a:p>
+              <a:p>
+                <a:pPr algn="ctr"/>
+                <a:r>
+                  <a:rPr lang="en-US" sz="1050" dirty="0">
+                    <a:latin typeface="Jost" pitchFamily="2" charset="0"/>
+                    <a:ea typeface="Jost" pitchFamily="2" charset="0"/>
+                  </a:rPr>
+                  <a:t>(j = 0)</a:t>
+                </a:r>
+              </a:p>
+            </p:txBody>
+          </p:sp>
+        </mc:Choice>
+        <mc:Fallback xmlns="">
+          <p:sp>
+            <p:nvSpPr>
+              <p:cNvPr id="7" name="TextBox 6">
+                <a:extLst>
+                  <a:ext uri="{FF2B5EF4-FFF2-40B4-BE49-F238E27FC236}">
+                    <a16:creationId xmlns:a16="http://schemas.microsoft.com/office/drawing/2014/main" id="{AD380A3F-DACA-45FC-B2A9-96A467F06309}"/>
+                  </a:ext>
+                </a:extLst>
+              </p:cNvPr>
+              <p:cNvSpPr txBox="1">
+                <a:spLocks noRot="1" noChangeAspect="1" noMove="1" noResize="1" noEditPoints="1" noAdjustHandles="1" noChangeArrowheads="1" noChangeShapeType="1" noTextEdit="1"/>
+              </p:cNvSpPr>
+              <p:nvPr/>
+            </p:nvSpPr>
+            <p:spPr>
+              <a:xfrm>
+                <a:off x="4431792" y="374105"/>
+                <a:ext cx="1786128" cy="461921"/>
+              </a:xfrm>
+              <a:prstGeom prst="rect">
+                <a:avLst/>
+              </a:prstGeom>
+              <a:blipFill>
+                <a:blip r:embed="rId2"/>
+                <a:stretch>
+                  <a:fillRect b="-5263"/>
+                </a:stretch>
+              </a:blipFill>
+            </p:spPr>
+            <p:txBody>
+              <a:bodyPr/>
+              <a:lstStyle/>
+              <a:p>
+                <a:r>
+                  <a:rPr lang="en-US">
+                    <a:noFill/>
+                  </a:rPr>
+                  <a:t> </a:t>
+                </a:r>
+              </a:p>
+            </p:txBody>
+          </p:sp>
+        </mc:Fallback>
+      </mc:AlternateContent>
+      <p:sp>
+        <p:nvSpPr>
+          <p:cNvPr id="10" name="Rectangle: Rounded Corners 9">
+            <a:extLst>
+              <a:ext uri="{FF2B5EF4-FFF2-40B4-BE49-F238E27FC236}">
+                <a16:creationId xmlns:a16="http://schemas.microsoft.com/office/drawing/2014/main" id="{D3F9AB80-D797-45C7-BCFB-21E8C53A21F7}"/>
+              </a:ext>
+            </a:extLst>
+          </p:cNvPr>
+          <p:cNvSpPr/>
+          <p:nvPr/>
+        </p:nvSpPr>
+        <p:spPr>
+          <a:xfrm>
+            <a:off x="4431792" y="1014497"/>
+            <a:ext cx="1786128" cy="495485"/>
+          </a:xfrm>
+          <a:prstGeom prst="roundRect">
+            <a:avLst/>
+          </a:prstGeom>
+          <a:noFill/>
+          <a:ln w="19050">
+            <a:solidFill>
+              <a:schemeClr val="tx1">
+                <a:lumMod val="75000"/>
+                <a:lumOff val="25000"/>
+              </a:schemeClr>
+            </a:solidFill>
+          </a:ln>
+        </p:spPr>
+        <p:style>
+          <a:lnRef idx="2">
+            <a:schemeClr val="accent1">
+              <a:shade val="50000"/>
+            </a:schemeClr>
+          </a:lnRef>
+          <a:fillRef idx="1">
+            <a:schemeClr val="accent1"/>
+          </a:fillRef>
+          <a:effectRef idx="0">
+            <a:schemeClr val="accent1"/>
+          </a:effectRef>
+          <a:fontRef idx="minor">
+            <a:schemeClr val="lt1"/>
+          </a:fontRef>
+        </p:style>
+        <p:txBody>
+          <a:bodyPr rtlCol="0" anchor="ctr"/>
+          <a:lstStyle/>
+          <a:p>
+            <a:pPr algn="ctr"/>
+            <a:endParaRPr lang="en-US"/>
+          </a:p>
+        </p:txBody>
+      </p:sp>
+      <mc:AlternateContent xmlns:mc="http://schemas.openxmlformats.org/markup-compatibility/2006" xmlns:a14="http://schemas.microsoft.com/office/drawing/2010/main">
+        <mc:Choice Requires="a14">
+          <p:sp>
+            <p:nvSpPr>
+              <p:cNvPr id="11" name="TextBox 10">
+                <a:extLst>
+                  <a:ext uri="{FF2B5EF4-FFF2-40B4-BE49-F238E27FC236}">
+                    <a16:creationId xmlns:a16="http://schemas.microsoft.com/office/drawing/2014/main" id="{83E751F5-9491-468D-8E93-B10D82D5142C}"/>
+                  </a:ext>
+                </a:extLst>
+              </p:cNvPr>
+              <p:cNvSpPr txBox="1"/>
+              <p:nvPr/>
+            </p:nvSpPr>
+            <p:spPr>
+              <a:xfrm>
+                <a:off x="4431792" y="1058024"/>
+                <a:ext cx="1786128" cy="478785"/>
+              </a:xfrm>
+              <a:prstGeom prst="rect">
+                <a:avLst/>
+              </a:prstGeom>
+              <a:noFill/>
+            </p:spPr>
+            <p:txBody>
+              <a:bodyPr wrap="square" rtlCol="0">
+                <a:spAutoFit/>
+              </a:bodyPr>
+              <a:lstStyle/>
+              <a:p>
+                <a:pPr algn="ctr"/>
+                <a:r>
+                  <a:rPr lang="en-US" sz="1200" dirty="0">
+                    <a:latin typeface="Jost" pitchFamily="2" charset="0"/>
+                    <a:ea typeface="Jost" pitchFamily="2" charset="0"/>
+                  </a:rPr>
+                  <a:t>1. Select a template from </a:t>
+                </a:r>
+                <a14:m>
+                  <m:oMath xmlns:m="http://schemas.openxmlformats.org/officeDocument/2006/math">
+                    <m:sSub>
+                      <m:sSubPr>
+                        <m:ctrlPr>
+                          <a:rPr lang="en-US" sz="1200" b="0" i="1" smtClean="0">
+                            <a:latin typeface="Cambria Math" panose="02040503050406030204" pitchFamily="18" charset="0"/>
+                            <a:ea typeface="Jost" pitchFamily="2" charset="0"/>
+                          </a:rPr>
+                        </m:ctrlPr>
+                      </m:sSubPr>
+                      <m:e>
+                        <m:r>
+                          <m:rPr>
+                            <m:sty m:val="p"/>
+                          </m:rPr>
+                          <a:rPr lang="en-US" sz="1200">
+                            <a:latin typeface="Cambria Math" panose="02040503050406030204" pitchFamily="18" charset="0"/>
+                            <a:ea typeface="Jost" pitchFamily="2" charset="0"/>
+                          </a:rPr>
+                          <m:t>H</m:t>
+                        </m:r>
+                      </m:e>
+                      <m:sub>
+                        <m:r>
+                          <m:rPr>
+                            <m:sty m:val="p"/>
+                          </m:rPr>
+                          <a:rPr lang="en-US" sz="1200" b="0" i="0" smtClean="0">
+                            <a:latin typeface="Cambria Math" panose="02040503050406030204" pitchFamily="18" charset="0"/>
+                            <a:ea typeface="Jost" pitchFamily="2" charset="0"/>
+                          </a:rPr>
+                          <m:t>j</m:t>
+                        </m:r>
+                      </m:sub>
+                    </m:sSub>
+                  </m:oMath>
+                </a14:m>
+                <a:endParaRPr lang="en-US" sz="1200" dirty="0">
+                  <a:latin typeface="Jost" pitchFamily="2" charset="0"/>
+                  <a:ea typeface="Jost" pitchFamily="2" charset="0"/>
+                </a:endParaRPr>
+              </a:p>
+            </p:txBody>
+          </p:sp>
+        </mc:Choice>
+        <mc:Fallback xmlns="">
+          <p:sp>
+            <p:nvSpPr>
+              <p:cNvPr id="11" name="TextBox 10">
+                <a:extLst>
+                  <a:ext uri="{FF2B5EF4-FFF2-40B4-BE49-F238E27FC236}">
+                    <a16:creationId xmlns:a16="http://schemas.microsoft.com/office/drawing/2014/main" id="{83E751F5-9491-468D-8E93-B10D82D5142C}"/>
+                  </a:ext>
+                </a:extLst>
+              </p:cNvPr>
+              <p:cNvSpPr txBox="1">
+                <a:spLocks noRot="1" noChangeAspect="1" noMove="1" noResize="1" noEditPoints="1" noAdjustHandles="1" noChangeArrowheads="1" noChangeShapeType="1" noTextEdit="1"/>
+              </p:cNvSpPr>
+              <p:nvPr/>
+            </p:nvSpPr>
+            <p:spPr>
+              <a:xfrm>
+                <a:off x="4431792" y="1058024"/>
+                <a:ext cx="1786128" cy="478785"/>
+              </a:xfrm>
+              <a:prstGeom prst="rect">
+                <a:avLst/>
+              </a:prstGeom>
+              <a:blipFill>
+                <a:blip r:embed="rId3"/>
+                <a:stretch>
+                  <a:fillRect t="-2564" r="-2389" b="-1282"/>
+                </a:stretch>
+              </a:blipFill>
+            </p:spPr>
+            <p:txBody>
+              <a:bodyPr/>
+              <a:lstStyle/>
+              <a:p>
+                <a:r>
+                  <a:rPr lang="en-US">
+                    <a:noFill/>
+                  </a:rPr>
+                  <a:t> </a:t>
+                </a:r>
+              </a:p>
+            </p:txBody>
+          </p:sp>
+        </mc:Fallback>
+      </mc:AlternateContent>
+      <p:sp>
+        <p:nvSpPr>
+          <p:cNvPr id="12" name="Rectangle: Rounded Corners 11">
+            <a:extLst>
+              <a:ext uri="{FF2B5EF4-FFF2-40B4-BE49-F238E27FC236}">
+                <a16:creationId xmlns:a16="http://schemas.microsoft.com/office/drawing/2014/main" id="{3663E22E-6916-49E0-8FEA-F467E23B5E5B}"/>
+              </a:ext>
+            </a:extLst>
+          </p:cNvPr>
+          <p:cNvSpPr/>
+          <p:nvPr/>
+        </p:nvSpPr>
+        <p:spPr>
+          <a:xfrm>
+            <a:off x="4431792" y="1715537"/>
+            <a:ext cx="1786128" cy="505191"/>
+          </a:xfrm>
+          <a:prstGeom prst="roundRect">
+            <a:avLst/>
+          </a:prstGeom>
+          <a:noFill/>
+          <a:ln w="19050">
+            <a:solidFill>
+              <a:schemeClr val="tx1">
+                <a:lumMod val="75000"/>
+                <a:lumOff val="25000"/>
+              </a:schemeClr>
+            </a:solidFill>
+          </a:ln>
+        </p:spPr>
+        <p:style>
+          <a:lnRef idx="2">
+            <a:schemeClr val="accent1">
+              <a:shade val="50000"/>
+            </a:schemeClr>
+          </a:lnRef>
+          <a:fillRef idx="1">
+            <a:schemeClr val="accent1"/>
+          </a:fillRef>
+          <a:effectRef idx="0">
+            <a:schemeClr val="accent1"/>
+          </a:effectRef>
+          <a:fontRef idx="minor">
+            <a:schemeClr val="lt1"/>
+          </a:fontRef>
+        </p:style>
+        <p:txBody>
+          <a:bodyPr rtlCol="0" anchor="ctr"/>
+          <a:lstStyle/>
+          <a:p>
+            <a:pPr algn="ctr"/>
+            <a:endParaRPr lang="en-US"/>
+          </a:p>
+        </p:txBody>
+      </p:sp>
+      <p:sp>
+        <p:nvSpPr>
+          <p:cNvPr id="13" name="TextBox 12">
+            <a:extLst>
+              <a:ext uri="{FF2B5EF4-FFF2-40B4-BE49-F238E27FC236}">
+                <a16:creationId xmlns:a16="http://schemas.microsoft.com/office/drawing/2014/main" id="{65CAAA08-D3C3-4517-8388-61FF31FFD6A7}"/>
+              </a:ext>
+            </a:extLst>
+          </p:cNvPr>
+          <p:cNvSpPr txBox="1"/>
+          <p:nvPr/>
+        </p:nvSpPr>
+        <p:spPr>
+          <a:xfrm>
+            <a:off x="4504944" y="1759064"/>
+            <a:ext cx="1670304" cy="461665"/>
+          </a:xfrm>
+          <a:prstGeom prst="rect">
+            <a:avLst/>
+          </a:prstGeom>
+          <a:noFill/>
+        </p:spPr>
+        <p:txBody>
+          <a:bodyPr wrap="square" rtlCol="0">
+            <a:spAutoFit/>
+          </a:bodyPr>
+          <a:lstStyle/>
+          <a:p>
+            <a:pPr algn="ctr"/>
+            <a:r>
+              <a:rPr lang="en-US" sz="1200" dirty="0">
+                <a:latin typeface="Jost" pitchFamily="2" charset="0"/>
+                <a:ea typeface="Jost" pitchFamily="2" charset="0"/>
+              </a:rPr>
+              <a:t>2. Match units within grid</a:t>
+            </a:r>
+          </a:p>
+        </p:txBody>
+      </p:sp>
+      <p:sp>
+        <p:nvSpPr>
+          <p:cNvPr id="14" name="Rectangle: Rounded Corners 13">
+            <a:extLst>
+              <a:ext uri="{FF2B5EF4-FFF2-40B4-BE49-F238E27FC236}">
+                <a16:creationId xmlns:a16="http://schemas.microsoft.com/office/drawing/2014/main" id="{92F76451-DBA8-491F-BB4C-2059FF022118}"/>
+              </a:ext>
+            </a:extLst>
+          </p:cNvPr>
+          <p:cNvSpPr/>
+          <p:nvPr/>
+        </p:nvSpPr>
+        <p:spPr>
+          <a:xfrm>
+            <a:off x="4431792" y="2398346"/>
+            <a:ext cx="1786128" cy="523864"/>
+          </a:xfrm>
+          <a:prstGeom prst="roundRect">
+            <a:avLst/>
+          </a:prstGeom>
+          <a:noFill/>
+          <a:ln w="19050">
+            <a:solidFill>
+              <a:schemeClr val="tx1">
+                <a:lumMod val="75000"/>
+                <a:lumOff val="25000"/>
+              </a:schemeClr>
+            </a:solidFill>
+          </a:ln>
+        </p:spPr>
+        <p:style>
+          <a:lnRef idx="2">
+            <a:schemeClr val="accent1">
+              <a:shade val="50000"/>
+            </a:schemeClr>
+          </a:lnRef>
+          <a:fillRef idx="1">
+            <a:schemeClr val="accent1"/>
+          </a:fillRef>
+          <a:effectRef idx="0">
+            <a:schemeClr val="accent1"/>
+          </a:effectRef>
+          <a:fontRef idx="minor">
+            <a:schemeClr val="lt1"/>
+          </a:fontRef>
+        </p:style>
+        <p:txBody>
+          <a:bodyPr rtlCol="0" anchor="ctr"/>
+          <a:lstStyle/>
+          <a:p>
+            <a:pPr algn="ctr"/>
+            <a:endParaRPr lang="en-US"/>
+          </a:p>
+        </p:txBody>
+      </p:sp>
+      <mc:AlternateContent xmlns:mc="http://schemas.openxmlformats.org/markup-compatibility/2006" xmlns:a14="http://schemas.microsoft.com/office/drawing/2010/main">
+        <mc:Choice Requires="a14">
+          <p:sp>
+            <p:nvSpPr>
+              <p:cNvPr id="15" name="TextBox 14">
+                <a:extLst>
+                  <a:ext uri="{FF2B5EF4-FFF2-40B4-BE49-F238E27FC236}">
+                    <a16:creationId xmlns:a16="http://schemas.microsoft.com/office/drawing/2014/main" id="{6DC88A37-043D-41B6-AEC9-DAD5B0EE9FF1}"/>
+                  </a:ext>
+                </a:extLst>
+              </p:cNvPr>
+              <p:cNvSpPr txBox="1"/>
+              <p:nvPr/>
+            </p:nvSpPr>
+            <p:spPr>
+              <a:xfrm>
+                <a:off x="4504944" y="2441872"/>
+                <a:ext cx="1670304" cy="485005"/>
+              </a:xfrm>
+              <a:prstGeom prst="rect">
+                <a:avLst/>
+              </a:prstGeom>
+              <a:noFill/>
+            </p:spPr>
+            <p:txBody>
+              <a:bodyPr wrap="square" rtlCol="0">
+                <a:spAutoFit/>
+              </a:bodyPr>
+              <a:lstStyle/>
+              <a:p>
+                <a:pPr algn="ctr"/>
+                <a:r>
+                  <a:rPr lang="en-US" sz="1200" dirty="0">
+                    <a:latin typeface="Jost" pitchFamily="2" charset="0"/>
+                    <a:ea typeface="Jost" pitchFamily="2" charset="0"/>
+                  </a:rPr>
+                  <a:t>3. Fit local polynomial and find new </a:t>
+                </a:r>
+                <a14:m>
+                  <m:oMath xmlns:m="http://schemas.openxmlformats.org/officeDocument/2006/math">
+                    <m:sSubSup>
+                      <m:sSubSupPr>
+                        <m:ctrlPr>
+                          <a:rPr lang="en-US" sz="1200" i="1" smtClean="0">
+                            <a:latin typeface="Cambria Math" panose="02040503050406030204" pitchFamily="18" charset="0"/>
+                            <a:ea typeface="Jost" pitchFamily="2" charset="0"/>
+                          </a:rPr>
+                        </m:ctrlPr>
+                      </m:sSubSupPr>
+                      <m:e>
+                        <m:r>
+                          <m:rPr>
+                            <m:sty m:val="p"/>
+                          </m:rPr>
+                          <a:rPr lang="en-US" sz="1200" b="0" i="0" smtClean="0">
+                            <a:latin typeface="Cambria Math" panose="02040503050406030204" pitchFamily="18" charset="0"/>
+                            <a:ea typeface="Jost" pitchFamily="2" charset="0"/>
+                          </a:rPr>
+                          <m:t>H</m:t>
+                        </m:r>
+                      </m:e>
+                      <m:sub>
+                        <m:r>
+                          <m:rPr>
+                            <m:sty m:val="p"/>
+                          </m:rPr>
+                          <a:rPr lang="en-US" sz="1200" b="0" i="0" smtClean="0">
+                            <a:latin typeface="Cambria Math" panose="02040503050406030204" pitchFamily="18" charset="0"/>
+                            <a:ea typeface="Jost" pitchFamily="2" charset="0"/>
+                          </a:rPr>
+                          <m:t>j</m:t>
+                        </m:r>
+                        <m:r>
+                          <a:rPr lang="en-US" sz="1200" b="0" i="0" smtClean="0">
+                            <a:latin typeface="Cambria Math" panose="02040503050406030204" pitchFamily="18" charset="0"/>
+                            <a:ea typeface="Jost" pitchFamily="2" charset="0"/>
+                          </a:rPr>
+                          <m:t>+1</m:t>
+                        </m:r>
+                      </m:sub>
+                      <m:sup>
+                        <m:r>
+                          <a:rPr lang="en-US" sz="1200" b="0" i="0" smtClean="0">
+                            <a:latin typeface="Cambria Math" panose="02040503050406030204" pitchFamily="18" charset="0"/>
+                            <a:ea typeface="Jost" pitchFamily="2" charset="0"/>
+                          </a:rPr>
+                          <m:t>∗</m:t>
+                        </m:r>
+                      </m:sup>
+                    </m:sSubSup>
+                  </m:oMath>
+                </a14:m>
+                <a:endParaRPr lang="en-US" sz="1200" dirty="0">
+                  <a:latin typeface="Jost" pitchFamily="2" charset="0"/>
+                  <a:ea typeface="Jost" pitchFamily="2" charset="0"/>
+                </a:endParaRPr>
+              </a:p>
+            </p:txBody>
+          </p:sp>
+        </mc:Choice>
+        <mc:Fallback xmlns="">
+          <p:sp>
+            <p:nvSpPr>
+              <p:cNvPr id="15" name="TextBox 14">
+                <a:extLst>
+                  <a:ext uri="{FF2B5EF4-FFF2-40B4-BE49-F238E27FC236}">
+                    <a16:creationId xmlns:a16="http://schemas.microsoft.com/office/drawing/2014/main" id="{6DC88A37-043D-41B6-AEC9-DAD5B0EE9FF1}"/>
+                  </a:ext>
+                </a:extLst>
+              </p:cNvPr>
+              <p:cNvSpPr txBox="1">
+                <a:spLocks noRot="1" noChangeAspect="1" noMove="1" noResize="1" noEditPoints="1" noAdjustHandles="1" noChangeArrowheads="1" noChangeShapeType="1" noTextEdit="1"/>
+              </p:cNvSpPr>
+              <p:nvPr/>
+            </p:nvSpPr>
+            <p:spPr>
+              <a:xfrm>
+                <a:off x="4504944" y="2441872"/>
+                <a:ext cx="1670304" cy="485005"/>
+              </a:xfrm>
+              <a:prstGeom prst="rect">
+                <a:avLst/>
+              </a:prstGeom>
+              <a:blipFill>
+                <a:blip r:embed="rId4"/>
+                <a:stretch>
+                  <a:fillRect t="-2532" r="-730" b="-6329"/>
+                </a:stretch>
+              </a:blipFill>
+            </p:spPr>
+            <p:txBody>
+              <a:bodyPr/>
+              <a:lstStyle/>
+              <a:p>
+                <a:r>
+                  <a:rPr lang="en-US">
+                    <a:noFill/>
+                  </a:rPr>
+                  <a:t> </a:t>
+                </a:r>
+              </a:p>
+            </p:txBody>
+          </p:sp>
+        </mc:Fallback>
+      </mc:AlternateContent>
+      <p:sp>
+        <p:nvSpPr>
+          <p:cNvPr id="16" name="Diamond 15">
+            <a:extLst>
+              <a:ext uri="{FF2B5EF4-FFF2-40B4-BE49-F238E27FC236}">
+                <a16:creationId xmlns:a16="http://schemas.microsoft.com/office/drawing/2014/main" id="{55F0BDF5-CF81-4366-8892-A2A81D1F7C09}"/>
+              </a:ext>
+            </a:extLst>
+          </p:cNvPr>
+          <p:cNvSpPr/>
+          <p:nvPr/>
+        </p:nvSpPr>
+        <p:spPr>
+          <a:xfrm>
+            <a:off x="4431792" y="3659065"/>
+            <a:ext cx="1786128" cy="822960"/>
+          </a:xfrm>
+          <a:prstGeom prst="diamond">
+            <a:avLst/>
+          </a:prstGeom>
+          <a:solidFill>
+            <a:srgbClr val="900DA4">
+              <a:alpha val="40000"/>
+            </a:srgbClr>
+          </a:solidFill>
+          <a:ln w="19050">
+            <a:solidFill>
+              <a:srgbClr val="900DA4"/>
+            </a:solidFill>
+          </a:ln>
+        </p:spPr>
+        <p:style>
+          <a:lnRef idx="2">
+            <a:schemeClr val="accent1">
+              <a:shade val="50000"/>
+            </a:schemeClr>
+          </a:lnRef>
+          <a:fillRef idx="1">
+            <a:schemeClr val="accent1"/>
+          </a:fillRef>
+          <a:effectRef idx="0">
+            <a:schemeClr val="accent1"/>
+          </a:effectRef>
+          <a:fontRef idx="minor">
+            <a:schemeClr val="lt1"/>
+          </a:fontRef>
+        </p:style>
+        <p:txBody>
+          <a:bodyPr rtlCol="0" anchor="ctr"/>
+          <a:lstStyle/>
+          <a:p>
+            <a:pPr algn="ctr"/>
+            <a:endParaRPr lang="en-US"/>
+          </a:p>
+        </p:txBody>
+      </p:sp>
+      <mc:AlternateContent xmlns:mc="http://schemas.openxmlformats.org/markup-compatibility/2006" xmlns:a14="http://schemas.microsoft.com/office/drawing/2010/main">
+        <mc:Choice Requires="a14">
+          <p:sp>
+            <p:nvSpPr>
+              <p:cNvPr id="17" name="TextBox 16">
+                <a:extLst>
+                  <a:ext uri="{FF2B5EF4-FFF2-40B4-BE49-F238E27FC236}">
+                    <a16:creationId xmlns:a16="http://schemas.microsoft.com/office/drawing/2014/main" id="{5766D573-8642-42CB-8052-11EB79D09B26}"/>
+                  </a:ext>
+                </a:extLst>
+              </p:cNvPr>
+              <p:cNvSpPr txBox="1"/>
+              <p:nvPr/>
+            </p:nvSpPr>
+            <p:spPr>
+              <a:xfrm>
+                <a:off x="4504944" y="3932045"/>
+                <a:ext cx="1670304" cy="300339"/>
+              </a:xfrm>
+              <a:prstGeom prst="rect">
+                <a:avLst/>
+              </a:prstGeom>
+              <a:noFill/>
+            </p:spPr>
+            <p:txBody>
+              <a:bodyPr wrap="square" rtlCol="0">
+                <a:spAutoFit/>
+              </a:bodyPr>
+              <a:lstStyle/>
+              <a:p>
+                <a:pPr algn="ctr"/>
+                <a:r>
+                  <a:rPr lang="en-US" sz="1200" dirty="0">
+                    <a:latin typeface="Jost" pitchFamily="2" charset="0"/>
+                    <a:ea typeface="Jost" pitchFamily="2" charset="0"/>
+                  </a:rPr>
+                  <a:t>Is </a:t>
+                </a:r>
+                <a14:m>
+                  <m:oMath xmlns:m="http://schemas.openxmlformats.org/officeDocument/2006/math">
+                    <m:sSub>
+                      <m:sSubPr>
+                        <m:ctrlPr>
+                          <a:rPr lang="en-US" sz="1200" b="0" i="1" smtClean="0">
+                            <a:latin typeface="Cambria Math" panose="02040503050406030204" pitchFamily="18" charset="0"/>
+                            <a:ea typeface="Jost" pitchFamily="2" charset="0"/>
+                          </a:rPr>
+                        </m:ctrlPr>
+                      </m:sSubPr>
+                      <m:e>
+                        <m:r>
+                          <m:rPr>
+                            <m:sty m:val="p"/>
+                          </m:rPr>
+                          <a:rPr lang="en-US" sz="1200">
+                            <a:latin typeface="Cambria Math" panose="02040503050406030204" pitchFamily="18" charset="0"/>
+                            <a:ea typeface="Jost" pitchFamily="2" charset="0"/>
+                          </a:rPr>
+                          <m:t>H</m:t>
+                        </m:r>
+                      </m:e>
+                      <m:sub>
+                        <m:r>
+                          <m:rPr>
+                            <m:sty m:val="p"/>
+                          </m:rPr>
+                          <a:rPr lang="en-US" sz="1200" b="0" i="0" smtClean="0">
+                            <a:latin typeface="Cambria Math" panose="02040503050406030204" pitchFamily="18" charset="0"/>
+                            <a:ea typeface="Jost" pitchFamily="2" charset="0"/>
+                          </a:rPr>
+                          <m:t>j</m:t>
+                        </m:r>
+                      </m:sub>
+                    </m:sSub>
+                    <m:r>
+                      <a:rPr lang="en-US" sz="1200" b="0" i="0" smtClean="0">
+                        <a:latin typeface="Cambria Math" panose="02040503050406030204" pitchFamily="18" charset="0"/>
+                        <a:ea typeface="Jost" pitchFamily="2" charset="0"/>
+                      </a:rPr>
+                      <m:t>&lt;</m:t>
+                    </m:r>
+                    <m:sSubSup>
+                      <m:sSubSupPr>
+                        <m:ctrlPr>
+                          <a:rPr lang="en-US" sz="1200" i="1" smtClean="0">
+                            <a:latin typeface="Cambria Math" panose="02040503050406030204" pitchFamily="18" charset="0"/>
+                            <a:ea typeface="Jost" pitchFamily="2" charset="0"/>
+                          </a:rPr>
+                        </m:ctrlPr>
+                      </m:sSubSupPr>
+                      <m:e>
+                        <m:r>
+                          <m:rPr>
+                            <m:sty m:val="p"/>
+                          </m:rPr>
+                          <a:rPr lang="en-US" sz="1200" b="0" i="0" smtClean="0">
+                            <a:latin typeface="Cambria Math" panose="02040503050406030204" pitchFamily="18" charset="0"/>
+                            <a:ea typeface="Jost" pitchFamily="2" charset="0"/>
+                          </a:rPr>
+                          <m:t>H</m:t>
+                        </m:r>
+                      </m:e>
+                      <m:sub>
+                        <m:r>
+                          <m:rPr>
+                            <m:sty m:val="p"/>
+                          </m:rPr>
+                          <a:rPr lang="en-US" sz="1200" b="0" i="0" smtClean="0">
+                            <a:latin typeface="Cambria Math" panose="02040503050406030204" pitchFamily="18" charset="0"/>
+                            <a:ea typeface="Jost" pitchFamily="2" charset="0"/>
+                          </a:rPr>
+                          <m:t>j</m:t>
+                        </m:r>
+                      </m:sub>
+                      <m:sup>
+                        <m:r>
+                          <a:rPr lang="en-US" sz="1200" b="0" i="0" smtClean="0">
+                            <a:latin typeface="Cambria Math" panose="02040503050406030204" pitchFamily="18" charset="0"/>
+                            <a:ea typeface="Jost" pitchFamily="2" charset="0"/>
+                          </a:rPr>
+                          <m:t>∗</m:t>
+                        </m:r>
+                      </m:sup>
+                    </m:sSubSup>
+                  </m:oMath>
+                </a14:m>
+                <a:r>
+                  <a:rPr lang="en-US" sz="1200" dirty="0">
+                    <a:latin typeface="Jost" pitchFamily="2" charset="0"/>
+                    <a:ea typeface="Jost" pitchFamily="2" charset="0"/>
+                  </a:rPr>
+                  <a:t> </a:t>
+                </a:r>
+              </a:p>
+            </p:txBody>
+          </p:sp>
+        </mc:Choice>
+        <mc:Fallback xmlns="">
+          <p:sp>
+            <p:nvSpPr>
+              <p:cNvPr id="17" name="TextBox 16">
+                <a:extLst>
+                  <a:ext uri="{FF2B5EF4-FFF2-40B4-BE49-F238E27FC236}">
+                    <a16:creationId xmlns:a16="http://schemas.microsoft.com/office/drawing/2014/main" id="{5766D573-8642-42CB-8052-11EB79D09B26}"/>
+                  </a:ext>
+                </a:extLst>
+              </p:cNvPr>
+              <p:cNvSpPr txBox="1">
+                <a:spLocks noRot="1" noChangeAspect="1" noMove="1" noResize="1" noEditPoints="1" noAdjustHandles="1" noChangeArrowheads="1" noChangeShapeType="1" noTextEdit="1"/>
+              </p:cNvSpPr>
+              <p:nvPr/>
+            </p:nvSpPr>
+            <p:spPr>
+              <a:xfrm>
+                <a:off x="4504944" y="3932045"/>
+                <a:ext cx="1670304" cy="300339"/>
+              </a:xfrm>
+              <a:prstGeom prst="rect">
+                <a:avLst/>
+              </a:prstGeom>
+              <a:blipFill>
+                <a:blip r:embed="rId5"/>
+                <a:stretch>
+                  <a:fillRect b="-10204"/>
+                </a:stretch>
+              </a:blipFill>
+            </p:spPr>
+            <p:txBody>
+              <a:bodyPr/>
+              <a:lstStyle/>
+              <a:p>
+                <a:r>
+                  <a:rPr lang="en-US">
+                    <a:noFill/>
+                  </a:rPr>
+                  <a:t> </a:t>
+                </a:r>
+              </a:p>
+            </p:txBody>
+          </p:sp>
+        </mc:Fallback>
+      </mc:AlternateContent>
+      <p:sp>
+        <p:nvSpPr>
+          <p:cNvPr id="18" name="Rectangle: Rounded Corners 17">
+            <a:extLst>
+              <a:ext uri="{FF2B5EF4-FFF2-40B4-BE49-F238E27FC236}">
+                <a16:creationId xmlns:a16="http://schemas.microsoft.com/office/drawing/2014/main" id="{4D0E504A-FADB-4B46-9029-946161C3FC96}"/>
+              </a:ext>
+            </a:extLst>
+          </p:cNvPr>
+          <p:cNvSpPr/>
+          <p:nvPr/>
+        </p:nvSpPr>
+        <p:spPr>
+          <a:xfrm>
+            <a:off x="4431792" y="3113430"/>
+            <a:ext cx="1786128" cy="364052"/>
+          </a:xfrm>
+          <a:prstGeom prst="roundRect">
+            <a:avLst/>
+          </a:prstGeom>
+          <a:noFill/>
+          <a:ln w="19050">
+            <a:solidFill>
+              <a:schemeClr val="tx1">
+                <a:lumMod val="75000"/>
+                <a:lumOff val="25000"/>
+              </a:schemeClr>
+            </a:solidFill>
+          </a:ln>
+        </p:spPr>
+        <p:style>
+          <a:lnRef idx="2">
+            <a:schemeClr val="accent1">
+              <a:shade val="50000"/>
+            </a:schemeClr>
+          </a:lnRef>
+          <a:fillRef idx="1">
+            <a:schemeClr val="accent1"/>
+          </a:fillRef>
+          <a:effectRef idx="0">
+            <a:schemeClr val="accent1"/>
+          </a:effectRef>
+          <a:fontRef idx="minor">
+            <a:schemeClr val="lt1"/>
+          </a:fontRef>
+        </p:style>
+        <p:txBody>
+          <a:bodyPr rtlCol="0" anchor="ctr"/>
+          <a:lstStyle/>
+          <a:p>
+            <a:pPr algn="ctr"/>
+            <a:endParaRPr lang="en-US"/>
+          </a:p>
+        </p:txBody>
+      </p:sp>
+      <mc:AlternateContent xmlns:mc="http://schemas.openxmlformats.org/markup-compatibility/2006" xmlns:a14="http://schemas.microsoft.com/office/drawing/2010/main">
+        <mc:Choice Requires="a14">
+          <p:sp>
+            <p:nvSpPr>
+              <p:cNvPr id="19" name="TextBox 18">
+                <a:extLst>
+                  <a:ext uri="{FF2B5EF4-FFF2-40B4-BE49-F238E27FC236}">
+                    <a16:creationId xmlns:a16="http://schemas.microsoft.com/office/drawing/2014/main" id="{D1A801DE-1E9C-46F5-9A20-1AE4373700F2}"/>
+                  </a:ext>
+                </a:extLst>
+              </p:cNvPr>
+              <p:cNvSpPr txBox="1"/>
+              <p:nvPr/>
+            </p:nvSpPr>
+            <p:spPr>
+              <a:xfrm>
+                <a:off x="4504944" y="3156956"/>
+                <a:ext cx="1670304" cy="300339"/>
+              </a:xfrm>
+              <a:prstGeom prst="rect">
+                <a:avLst/>
+              </a:prstGeom>
+              <a:noFill/>
+            </p:spPr>
+            <p:txBody>
+              <a:bodyPr wrap="square" rtlCol="0">
+                <a:spAutoFit/>
+              </a:bodyPr>
+              <a:lstStyle/>
+              <a:p>
+                <a:pPr algn="ctr"/>
+                <a:r>
+                  <a:rPr lang="en-US" sz="1200" dirty="0">
+                    <a:latin typeface="Jost" pitchFamily="2" charset="0"/>
+                    <a:ea typeface="Jost" pitchFamily="2" charset="0"/>
+                  </a:rPr>
+                  <a:t>4. Update</a:t>
+                </a:r>
+                <a:r>
+                  <a:rPr lang="en-US" sz="1200" dirty="0">
+                    <a:ea typeface="Jost" pitchFamily="2" charset="0"/>
+                  </a:rPr>
+                  <a:t> </a:t>
+                </a:r>
+                <a14:m>
+                  <m:oMath xmlns:m="http://schemas.openxmlformats.org/officeDocument/2006/math">
+                    <m:sSubSup>
+                      <m:sSubSupPr>
+                        <m:ctrlPr>
+                          <a:rPr lang="en-US" sz="1200" i="1" smtClean="0">
+                            <a:latin typeface="Cambria Math" panose="02040503050406030204" pitchFamily="18" charset="0"/>
+                            <a:ea typeface="Jost" pitchFamily="2" charset="0"/>
+                          </a:rPr>
+                        </m:ctrlPr>
+                      </m:sSubSupPr>
+                      <m:e>
+                        <m:r>
+                          <m:rPr>
+                            <m:sty m:val="p"/>
+                          </m:rPr>
+                          <a:rPr lang="en-US" sz="1200" b="0" i="0" smtClean="0">
+                            <a:latin typeface="Cambria Math" panose="02040503050406030204" pitchFamily="18" charset="0"/>
+                            <a:ea typeface="Jost" pitchFamily="2" charset="0"/>
+                          </a:rPr>
+                          <m:t>H</m:t>
+                        </m:r>
+                      </m:e>
+                      <m:sub>
+                        <m:r>
+                          <m:rPr>
+                            <m:sty m:val="p"/>
+                          </m:rPr>
+                          <a:rPr lang="en-US" sz="1200" b="0" i="0" smtClean="0">
+                            <a:latin typeface="Cambria Math" panose="02040503050406030204" pitchFamily="18" charset="0"/>
+                            <a:ea typeface="Jost" pitchFamily="2" charset="0"/>
+                          </a:rPr>
+                          <m:t>j</m:t>
+                        </m:r>
+                      </m:sub>
+                      <m:sup>
+                        <m:r>
+                          <a:rPr lang="en-US" sz="1200" b="0" i="0" smtClean="0">
+                            <a:latin typeface="Cambria Math" panose="02040503050406030204" pitchFamily="18" charset="0"/>
+                            <a:ea typeface="Jost" pitchFamily="2" charset="0"/>
+                          </a:rPr>
+                          <m:t>∗</m:t>
+                        </m:r>
+                      </m:sup>
+                    </m:sSubSup>
+                    <m:r>
+                      <a:rPr lang="en-US" sz="1200" b="0" i="1" smtClean="0">
+                        <a:latin typeface="Cambria Math" panose="02040503050406030204" pitchFamily="18" charset="0"/>
+                        <a:ea typeface="Jost" pitchFamily="2" charset="0"/>
+                      </a:rPr>
+                      <m:t>=</m:t>
+                    </m:r>
+                    <m:sSubSup>
+                      <m:sSubSupPr>
+                        <m:ctrlPr>
+                          <a:rPr lang="en-US" sz="1200" i="1" smtClean="0">
+                            <a:latin typeface="Cambria Math" panose="02040503050406030204" pitchFamily="18" charset="0"/>
+                            <a:ea typeface="Jost" pitchFamily="2" charset="0"/>
+                          </a:rPr>
+                        </m:ctrlPr>
+                      </m:sSubSupPr>
+                      <m:e>
+                        <m:r>
+                          <m:rPr>
+                            <m:sty m:val="p"/>
+                          </m:rPr>
+                          <a:rPr lang="en-US" sz="1200" b="0" i="0" smtClean="0">
+                            <a:latin typeface="Cambria Math" panose="02040503050406030204" pitchFamily="18" charset="0"/>
+                            <a:ea typeface="Jost" pitchFamily="2" charset="0"/>
+                          </a:rPr>
+                          <m:t>H</m:t>
+                        </m:r>
+                      </m:e>
+                      <m:sub>
+                        <m:r>
+                          <m:rPr>
+                            <m:sty m:val="p"/>
+                          </m:rPr>
+                          <a:rPr lang="en-US" sz="1200" b="0" i="0" smtClean="0">
+                            <a:latin typeface="Cambria Math" panose="02040503050406030204" pitchFamily="18" charset="0"/>
+                            <a:ea typeface="Jost" pitchFamily="2" charset="0"/>
+                          </a:rPr>
+                          <m:t>j</m:t>
+                        </m:r>
+                        <m:r>
+                          <a:rPr lang="en-US" sz="1200" b="0" i="0" smtClean="0">
+                            <a:latin typeface="Cambria Math" panose="02040503050406030204" pitchFamily="18" charset="0"/>
+                            <a:ea typeface="Jost" pitchFamily="2" charset="0"/>
+                          </a:rPr>
+                          <m:t>+1</m:t>
+                        </m:r>
+                      </m:sub>
+                      <m:sup>
+                        <m:r>
+                          <a:rPr lang="en-US" sz="1200" b="0" i="0" smtClean="0">
+                            <a:latin typeface="Cambria Math" panose="02040503050406030204" pitchFamily="18" charset="0"/>
+                            <a:ea typeface="Jost" pitchFamily="2" charset="0"/>
+                          </a:rPr>
+                          <m:t>∗</m:t>
+                        </m:r>
+                      </m:sup>
+                    </m:sSubSup>
+                  </m:oMath>
+                </a14:m>
+                <a:endParaRPr lang="en-US" sz="1200" dirty="0">
+                  <a:latin typeface="Jost" pitchFamily="2" charset="0"/>
+                  <a:ea typeface="Jost" pitchFamily="2" charset="0"/>
+                </a:endParaRPr>
+              </a:p>
+            </p:txBody>
+          </p:sp>
+        </mc:Choice>
+        <mc:Fallback xmlns="">
+          <p:sp>
+            <p:nvSpPr>
+              <p:cNvPr id="19" name="TextBox 18">
+                <a:extLst>
+                  <a:ext uri="{FF2B5EF4-FFF2-40B4-BE49-F238E27FC236}">
+                    <a16:creationId xmlns:a16="http://schemas.microsoft.com/office/drawing/2014/main" id="{D1A801DE-1E9C-46F5-9A20-1AE4373700F2}"/>
+                  </a:ext>
+                </a:extLst>
+              </p:cNvPr>
+              <p:cNvSpPr txBox="1">
+                <a:spLocks noRot="1" noChangeAspect="1" noMove="1" noResize="1" noEditPoints="1" noAdjustHandles="1" noChangeArrowheads="1" noChangeShapeType="1" noTextEdit="1"/>
+              </p:cNvSpPr>
+              <p:nvPr/>
+            </p:nvSpPr>
+            <p:spPr>
+              <a:xfrm>
+                <a:off x="4504944" y="3156956"/>
+                <a:ext cx="1670304" cy="300339"/>
+              </a:xfrm>
+              <a:prstGeom prst="rect">
+                <a:avLst/>
+              </a:prstGeom>
+              <a:blipFill>
+                <a:blip r:embed="rId6"/>
+                <a:stretch>
+                  <a:fillRect b="-10204"/>
+                </a:stretch>
+              </a:blipFill>
+            </p:spPr>
+            <p:txBody>
+              <a:bodyPr/>
+              <a:lstStyle/>
+              <a:p>
+                <a:r>
+                  <a:rPr lang="en-US">
+                    <a:noFill/>
+                  </a:rPr>
+                  <a:t> </a:t>
+                </a:r>
+              </a:p>
+            </p:txBody>
+          </p:sp>
+        </mc:Fallback>
+      </mc:AlternateContent>
+      <p:sp>
+        <p:nvSpPr>
+          <p:cNvPr id="30" name="TextBox 29">
+            <a:extLst>
+              <a:ext uri="{FF2B5EF4-FFF2-40B4-BE49-F238E27FC236}">
+                <a16:creationId xmlns:a16="http://schemas.microsoft.com/office/drawing/2014/main" id="{8D4F137C-E219-4B24-B670-530A960C75F3}"/>
+              </a:ext>
+            </a:extLst>
+          </p:cNvPr>
+          <p:cNvSpPr txBox="1"/>
+          <p:nvPr/>
+        </p:nvSpPr>
+        <p:spPr>
+          <a:xfrm>
+            <a:off x="3907536" y="4088431"/>
+            <a:ext cx="676656" cy="276999"/>
+          </a:xfrm>
+          <a:prstGeom prst="rect">
+            <a:avLst/>
+          </a:prstGeom>
+          <a:noFill/>
+        </p:spPr>
+        <p:txBody>
+          <a:bodyPr wrap="square" rtlCol="0">
+            <a:spAutoFit/>
+          </a:bodyPr>
+          <a:lstStyle/>
+          <a:p>
+            <a:r>
+              <a:rPr lang="en-US" sz="1200" dirty="0">
+                <a:latin typeface="Jost" pitchFamily="2" charset="0"/>
+                <a:ea typeface="Jost" pitchFamily="2" charset="0"/>
+              </a:rPr>
+              <a:t>Yes</a:t>
+            </a:r>
+          </a:p>
+        </p:txBody>
+      </p:sp>
+      <p:sp>
+        <p:nvSpPr>
+          <p:cNvPr id="36" name="Rectangle: Rounded Corners 35">
+            <a:extLst>
+              <a:ext uri="{FF2B5EF4-FFF2-40B4-BE49-F238E27FC236}">
+                <a16:creationId xmlns:a16="http://schemas.microsoft.com/office/drawing/2014/main" id="{E429E9AA-4274-4E85-8263-DDC67ABCD096}"/>
+              </a:ext>
+            </a:extLst>
+          </p:cNvPr>
+          <p:cNvSpPr/>
+          <p:nvPr/>
+        </p:nvSpPr>
+        <p:spPr>
+          <a:xfrm>
+            <a:off x="2377440" y="2087575"/>
+            <a:ext cx="1786128" cy="683542"/>
+          </a:xfrm>
+          <a:prstGeom prst="roundRect">
+            <a:avLst/>
+          </a:prstGeom>
+          <a:noFill/>
+          <a:ln w="19050">
+            <a:solidFill>
+              <a:schemeClr val="tx1">
+                <a:lumMod val="75000"/>
+                <a:lumOff val="25000"/>
+              </a:schemeClr>
+            </a:solidFill>
+          </a:ln>
+        </p:spPr>
+        <p:style>
+          <a:lnRef idx="2">
+            <a:schemeClr val="accent1">
+              <a:shade val="50000"/>
+            </a:schemeClr>
+          </a:lnRef>
+          <a:fillRef idx="1">
+            <a:schemeClr val="accent1"/>
+          </a:fillRef>
+          <a:effectRef idx="0">
+            <a:schemeClr val="accent1"/>
+          </a:effectRef>
+          <a:fontRef idx="minor">
+            <a:schemeClr val="lt1"/>
+          </a:fontRef>
+        </p:style>
+        <p:txBody>
+          <a:bodyPr rtlCol="0" anchor="ctr"/>
+          <a:lstStyle/>
+          <a:p>
+            <a:pPr algn="ctr"/>
+            <a:endParaRPr lang="en-US"/>
+          </a:p>
+        </p:txBody>
+      </p:sp>
+      <p:sp>
+        <p:nvSpPr>
+          <p:cNvPr id="37" name="TextBox 36">
+            <a:extLst>
+              <a:ext uri="{FF2B5EF4-FFF2-40B4-BE49-F238E27FC236}">
+                <a16:creationId xmlns:a16="http://schemas.microsoft.com/office/drawing/2014/main" id="{558E6298-FC8C-4D06-8C7B-C0C61BDA13A1}"/>
+              </a:ext>
+            </a:extLst>
+          </p:cNvPr>
+          <p:cNvSpPr txBox="1"/>
+          <p:nvPr/>
+        </p:nvSpPr>
+        <p:spPr>
+          <a:xfrm>
+            <a:off x="2392678" y="2124552"/>
+            <a:ext cx="1770889" cy="646331"/>
+          </a:xfrm>
+          <a:prstGeom prst="rect">
+            <a:avLst/>
+          </a:prstGeom>
+          <a:noFill/>
+        </p:spPr>
+        <p:txBody>
+          <a:bodyPr wrap="square" rtlCol="0">
+            <a:spAutoFit/>
+          </a:bodyPr>
+          <a:lstStyle/>
+          <a:p>
+            <a:pPr algn="ctr"/>
+            <a:r>
+              <a:rPr lang="en-US" sz="1200" dirty="0">
+                <a:latin typeface="Jost" pitchFamily="2" charset="0"/>
+                <a:ea typeface="Jost" pitchFamily="2" charset="0"/>
+              </a:rPr>
+              <a:t>5a. Expand template region</a:t>
+            </a:r>
+          </a:p>
+          <a:p>
+            <a:pPr algn="ctr"/>
+            <a:r>
+              <a:rPr lang="en-US" sz="1200" dirty="0">
+                <a:latin typeface="Jost" pitchFamily="2" charset="0"/>
+                <a:ea typeface="Jost" pitchFamily="2" charset="0"/>
+              </a:rPr>
+              <a:t>(j = j+1)</a:t>
+            </a:r>
+          </a:p>
+        </p:txBody>
+      </p:sp>
+      <p:sp>
+        <p:nvSpPr>
+          <p:cNvPr id="40" name="Rectangle: Rounded Corners 39">
+            <a:extLst>
+              <a:ext uri="{FF2B5EF4-FFF2-40B4-BE49-F238E27FC236}">
+                <a16:creationId xmlns:a16="http://schemas.microsoft.com/office/drawing/2014/main" id="{0E90EC21-089C-4CC2-9CD2-01413151CB80}"/>
+              </a:ext>
+            </a:extLst>
+          </p:cNvPr>
+          <p:cNvSpPr/>
+          <p:nvPr/>
+        </p:nvSpPr>
+        <p:spPr>
+          <a:xfrm>
+            <a:off x="5577840" y="4875039"/>
+            <a:ext cx="1670304" cy="364052"/>
+          </a:xfrm>
+          <a:prstGeom prst="roundRect">
+            <a:avLst/>
+          </a:prstGeom>
+          <a:noFill/>
+          <a:ln w="19050">
+            <a:solidFill>
+              <a:schemeClr val="tx1">
+                <a:lumMod val="75000"/>
+                <a:lumOff val="25000"/>
+              </a:schemeClr>
+            </a:solidFill>
+          </a:ln>
+        </p:spPr>
+        <p:style>
+          <a:lnRef idx="2">
+            <a:schemeClr val="accent1">
+              <a:shade val="50000"/>
+            </a:schemeClr>
+          </a:lnRef>
+          <a:fillRef idx="1">
+            <a:schemeClr val="accent1"/>
+          </a:fillRef>
+          <a:effectRef idx="0">
+            <a:schemeClr val="accent1"/>
+          </a:effectRef>
+          <a:fontRef idx="minor">
+            <a:schemeClr val="lt1"/>
+          </a:fontRef>
+        </p:style>
+        <p:txBody>
+          <a:bodyPr rtlCol="0" anchor="ctr"/>
+          <a:lstStyle/>
+          <a:p>
+            <a:pPr algn="ctr"/>
+            <a:endParaRPr lang="en-US"/>
+          </a:p>
+        </p:txBody>
+      </p:sp>
+      <mc:AlternateContent xmlns:mc="http://schemas.openxmlformats.org/markup-compatibility/2006" xmlns:a14="http://schemas.microsoft.com/office/drawing/2010/main">
+        <mc:Choice Requires="a14">
+          <p:sp>
+            <p:nvSpPr>
+              <p:cNvPr id="41" name="TextBox 40">
+                <a:extLst>
+                  <a:ext uri="{FF2B5EF4-FFF2-40B4-BE49-F238E27FC236}">
+                    <a16:creationId xmlns:a16="http://schemas.microsoft.com/office/drawing/2014/main" id="{90D4FCAE-7B2A-470B-A7D3-5481FCE6BC55}"/>
+                  </a:ext>
+                </a:extLst>
+              </p:cNvPr>
+              <p:cNvSpPr txBox="1"/>
+              <p:nvPr/>
+            </p:nvSpPr>
+            <p:spPr>
+              <a:xfrm>
+                <a:off x="5577840" y="4910005"/>
+                <a:ext cx="1670304" cy="300339"/>
+              </a:xfrm>
+              <a:prstGeom prst="rect">
+                <a:avLst/>
+              </a:prstGeom>
+              <a:noFill/>
+            </p:spPr>
+            <p:txBody>
+              <a:bodyPr wrap="square" rtlCol="0">
+                <a:spAutoFit/>
+              </a:bodyPr>
+              <a:lstStyle/>
+              <a:p>
+                <a:pPr algn="ctr"/>
+                <a:r>
+                  <a:rPr lang="en-US" sz="1200" dirty="0">
+                    <a:latin typeface="Jost" pitchFamily="2" charset="0"/>
+                    <a:ea typeface="Jost" pitchFamily="2" charset="0"/>
+                  </a:rPr>
+                  <a:t>5b. Set </a:t>
+                </a:r>
+                <a14:m>
+                  <m:oMath xmlns:m="http://schemas.openxmlformats.org/officeDocument/2006/math">
+                    <m:sSup>
+                      <m:sSupPr>
+                        <m:ctrlPr>
+                          <a:rPr lang="en-US" sz="1200" b="0" i="1" smtClean="0">
+                            <a:latin typeface="Cambria Math" panose="02040503050406030204" pitchFamily="18" charset="0"/>
+                            <a:ea typeface="Jost" pitchFamily="2" charset="0"/>
+                          </a:rPr>
+                        </m:ctrlPr>
+                      </m:sSupPr>
+                      <m:e>
+                        <m:r>
+                          <m:rPr>
+                            <m:sty m:val="p"/>
+                          </m:rPr>
+                          <a:rPr lang="en-US" sz="1200" b="0" i="0" smtClean="0">
+                            <a:latin typeface="Cambria Math" panose="02040503050406030204" pitchFamily="18" charset="0"/>
+                            <a:ea typeface="Jost" pitchFamily="2" charset="0"/>
+                          </a:rPr>
+                          <m:t>H</m:t>
+                        </m:r>
+                      </m:e>
+                      <m:sup>
+                        <m:r>
+                          <a:rPr lang="en-US" sz="1200" b="0" i="0" smtClean="0">
+                            <a:latin typeface="Cambria Math" panose="02040503050406030204" pitchFamily="18" charset="0"/>
+                            <a:ea typeface="Jost" pitchFamily="2" charset="0"/>
+                          </a:rPr>
+                          <m:t>∗</m:t>
+                        </m:r>
+                      </m:sup>
+                    </m:sSup>
+                    <m:r>
+                      <a:rPr lang="en-US" sz="1200" b="0" i="0" smtClean="0">
+                        <a:latin typeface="Cambria Math" panose="02040503050406030204" pitchFamily="18" charset="0"/>
+                        <a:ea typeface="Jost" pitchFamily="2" charset="0"/>
+                      </a:rPr>
+                      <m:t>=</m:t>
+                    </m:r>
+                    <m:sSubSup>
+                      <m:sSubSupPr>
+                        <m:ctrlPr>
+                          <a:rPr lang="en-US" sz="1200" i="1" smtClean="0">
+                            <a:latin typeface="Cambria Math" panose="02040503050406030204" pitchFamily="18" charset="0"/>
+                            <a:ea typeface="Jost" pitchFamily="2" charset="0"/>
+                          </a:rPr>
+                        </m:ctrlPr>
+                      </m:sSubSupPr>
+                      <m:e>
+                        <m:r>
+                          <m:rPr>
+                            <m:sty m:val="p"/>
+                          </m:rPr>
+                          <a:rPr lang="en-US" sz="1200" b="0" i="0" smtClean="0">
+                            <a:latin typeface="Cambria Math" panose="02040503050406030204" pitchFamily="18" charset="0"/>
+                            <a:ea typeface="Jost" pitchFamily="2" charset="0"/>
+                          </a:rPr>
+                          <m:t>H</m:t>
+                        </m:r>
+                      </m:e>
+                      <m:sub>
+                        <m:r>
+                          <m:rPr>
+                            <m:sty m:val="p"/>
+                          </m:rPr>
+                          <a:rPr lang="en-US" sz="1200" b="0" i="0" smtClean="0">
+                            <a:latin typeface="Cambria Math" panose="02040503050406030204" pitchFamily="18" charset="0"/>
+                            <a:ea typeface="Jost" pitchFamily="2" charset="0"/>
+                          </a:rPr>
+                          <m:t>j</m:t>
+                        </m:r>
+                        <m:r>
+                          <a:rPr lang="en-US" sz="1200" b="0" i="0" smtClean="0">
+                            <a:latin typeface="Cambria Math" panose="02040503050406030204" pitchFamily="18" charset="0"/>
+                            <a:ea typeface="Jost" pitchFamily="2" charset="0"/>
+                          </a:rPr>
+                          <m:t>−1</m:t>
+                        </m:r>
+                      </m:sub>
+                      <m:sup>
+                        <m:r>
+                          <a:rPr lang="en-US" sz="1200" b="0" i="0" smtClean="0">
+                            <a:latin typeface="Cambria Math" panose="02040503050406030204" pitchFamily="18" charset="0"/>
+                            <a:ea typeface="Jost" pitchFamily="2" charset="0"/>
+                          </a:rPr>
+                          <m:t>∗</m:t>
+                        </m:r>
+                      </m:sup>
+                    </m:sSubSup>
+                  </m:oMath>
+                </a14:m>
+                <a:endParaRPr lang="en-US" sz="1200" dirty="0">
+                  <a:latin typeface="Jost" pitchFamily="2" charset="0"/>
+                  <a:ea typeface="Jost" pitchFamily="2" charset="0"/>
+                </a:endParaRPr>
+              </a:p>
+            </p:txBody>
+          </p:sp>
+        </mc:Choice>
+        <mc:Fallback xmlns="">
+          <p:sp>
+            <p:nvSpPr>
+              <p:cNvPr id="41" name="TextBox 40">
+                <a:extLst>
+                  <a:ext uri="{FF2B5EF4-FFF2-40B4-BE49-F238E27FC236}">
+                    <a16:creationId xmlns:a16="http://schemas.microsoft.com/office/drawing/2014/main" id="{90D4FCAE-7B2A-470B-A7D3-5481FCE6BC55}"/>
+                  </a:ext>
+                </a:extLst>
+              </p:cNvPr>
+              <p:cNvSpPr txBox="1">
+                <a:spLocks noRot="1" noChangeAspect="1" noMove="1" noResize="1" noEditPoints="1" noAdjustHandles="1" noChangeArrowheads="1" noChangeShapeType="1" noTextEdit="1"/>
+              </p:cNvSpPr>
+              <p:nvPr/>
+            </p:nvSpPr>
+            <p:spPr>
+              <a:xfrm>
+                <a:off x="5577840" y="4910005"/>
+                <a:ext cx="1670304" cy="300339"/>
+              </a:xfrm>
+              <a:prstGeom prst="rect">
+                <a:avLst/>
+              </a:prstGeom>
+              <a:blipFill>
+                <a:blip r:embed="rId7"/>
+                <a:stretch>
+                  <a:fillRect b="-8000"/>
+                </a:stretch>
+              </a:blipFill>
+            </p:spPr>
+            <p:txBody>
+              <a:bodyPr/>
+              <a:lstStyle/>
+              <a:p>
+                <a:r>
+                  <a:rPr lang="en-US">
+                    <a:noFill/>
+                  </a:rPr>
+                  <a:t> </a:t>
+                </a:r>
+              </a:p>
+            </p:txBody>
+          </p:sp>
+        </mc:Fallback>
+      </mc:AlternateContent>
+      <p:cxnSp>
+        <p:nvCxnSpPr>
+          <p:cNvPr id="43" name="Connector: Elbow 42">
+            <a:extLst>
+              <a:ext uri="{FF2B5EF4-FFF2-40B4-BE49-F238E27FC236}">
+                <a16:creationId xmlns:a16="http://schemas.microsoft.com/office/drawing/2014/main" id="{2AF666C4-DDC1-4751-B31A-3E43F54DB1FB}"/>
+              </a:ext>
+            </a:extLst>
+          </p:cNvPr>
+          <p:cNvCxnSpPr>
+            <a:cxnSpLocks/>
+            <a:stCxn id="16" idx="1"/>
+          </p:cNvCxnSpPr>
+          <p:nvPr/>
+        </p:nvCxnSpPr>
+        <p:spPr>
+          <a:xfrm rot="10800000">
+            <a:off x="3172968" y="2746873"/>
+            <a:ext cx="1258824" cy="1323672"/>
+          </a:xfrm>
+          <a:prstGeom prst="bentConnector2">
+            <a:avLst/>
+          </a:prstGeom>
+          <a:ln w="19050">
+            <a:solidFill>
+              <a:schemeClr val="tx1">
+                <a:lumMod val="75000"/>
+                <a:lumOff val="25000"/>
+              </a:schemeClr>
+            </a:solidFill>
+            <a:tailEnd type="triangle"/>
+          </a:ln>
+        </p:spPr>
+        <p:style>
+          <a:lnRef idx="1">
+            <a:schemeClr val="accent1"/>
+          </a:lnRef>
+          <a:fillRef idx="0">
+            <a:schemeClr val="accent1"/>
+          </a:fillRef>
+          <a:effectRef idx="0">
+            <a:schemeClr val="accent1"/>
+          </a:effectRef>
+          <a:fontRef idx="minor">
+            <a:schemeClr val="tx1"/>
+          </a:fontRef>
+        </p:style>
+      </p:cxnSp>
+      <p:sp>
+        <p:nvSpPr>
+          <p:cNvPr id="45" name="TextBox 44">
+            <a:extLst>
+              <a:ext uri="{FF2B5EF4-FFF2-40B4-BE49-F238E27FC236}">
+                <a16:creationId xmlns:a16="http://schemas.microsoft.com/office/drawing/2014/main" id="{FE7948D9-CC28-4A09-B60A-828261500768}"/>
+              </a:ext>
+            </a:extLst>
+          </p:cNvPr>
+          <p:cNvSpPr txBox="1"/>
+          <p:nvPr/>
+        </p:nvSpPr>
+        <p:spPr>
+          <a:xfrm>
+            <a:off x="6412992" y="4088430"/>
+            <a:ext cx="676656" cy="276999"/>
+          </a:xfrm>
+          <a:prstGeom prst="rect">
+            <a:avLst/>
+          </a:prstGeom>
+          <a:noFill/>
+        </p:spPr>
+        <p:txBody>
+          <a:bodyPr wrap="square" rtlCol="0">
+            <a:spAutoFit/>
+          </a:bodyPr>
+          <a:lstStyle/>
+          <a:p>
+            <a:r>
+              <a:rPr lang="en-US" sz="1200" dirty="0">
+                <a:latin typeface="Jost" pitchFamily="2" charset="0"/>
+                <a:ea typeface="Jost" pitchFamily="2" charset="0"/>
+              </a:rPr>
+              <a:t>No</a:t>
+            </a:r>
+          </a:p>
+        </p:txBody>
+      </p:sp>
+      <p:cxnSp>
+        <p:nvCxnSpPr>
+          <p:cNvPr id="47" name="Connector: Elbow 46">
+            <a:extLst>
+              <a:ext uri="{FF2B5EF4-FFF2-40B4-BE49-F238E27FC236}">
+                <a16:creationId xmlns:a16="http://schemas.microsoft.com/office/drawing/2014/main" id="{B5AF3B10-9E60-4ACB-ACC5-CA1F6E0A22A5}"/>
+              </a:ext>
+            </a:extLst>
+          </p:cNvPr>
+          <p:cNvCxnSpPr>
+            <a:cxnSpLocks/>
+            <a:stCxn id="36" idx="0"/>
+            <a:endCxn id="10" idx="1"/>
+          </p:cNvCxnSpPr>
+          <p:nvPr/>
+        </p:nvCxnSpPr>
+        <p:spPr>
+          <a:xfrm rot="5400000" flipH="1" flipV="1">
+            <a:off x="3438481" y="1094264"/>
+            <a:ext cx="825335" cy="1161288"/>
+          </a:xfrm>
+          <a:prstGeom prst="bentConnector2">
+            <a:avLst/>
+          </a:prstGeom>
+          <a:ln w="19050">
+            <a:solidFill>
+              <a:schemeClr val="tx1">
+                <a:lumMod val="75000"/>
+                <a:lumOff val="25000"/>
+              </a:schemeClr>
+            </a:solidFill>
+            <a:tailEnd type="triangle"/>
+          </a:ln>
+        </p:spPr>
+        <p:style>
+          <a:lnRef idx="1">
+            <a:schemeClr val="accent1"/>
+          </a:lnRef>
+          <a:fillRef idx="0">
+            <a:schemeClr val="accent1"/>
+          </a:fillRef>
+          <a:effectRef idx="0">
+            <a:schemeClr val="accent1"/>
+          </a:effectRef>
+          <a:fontRef idx="minor">
+            <a:schemeClr val="tx1"/>
+          </a:fontRef>
+        </p:style>
+      </p:cxnSp>
+      <p:cxnSp>
+        <p:nvCxnSpPr>
+          <p:cNvPr id="60" name="Straight Arrow Connector 59">
+            <a:extLst>
+              <a:ext uri="{FF2B5EF4-FFF2-40B4-BE49-F238E27FC236}">
+                <a16:creationId xmlns:a16="http://schemas.microsoft.com/office/drawing/2014/main" id="{086655B2-9CEC-4606-9631-BFB47B32566B}"/>
+              </a:ext>
+            </a:extLst>
+          </p:cNvPr>
+          <p:cNvCxnSpPr>
+            <a:stCxn id="6" idx="2"/>
+            <a:endCxn id="10" idx="0"/>
+          </p:cNvCxnSpPr>
+          <p:nvPr/>
+        </p:nvCxnSpPr>
+        <p:spPr>
+          <a:xfrm>
+            <a:off x="5324856" y="835769"/>
+            <a:ext cx="0" cy="178728"/>
+          </a:xfrm>
+          <a:prstGeom prst="straightConnector1">
+            <a:avLst/>
+          </a:prstGeom>
+          <a:ln w="19050">
+            <a:solidFill>
+              <a:schemeClr val="tx1">
+                <a:lumMod val="75000"/>
+                <a:lumOff val="25000"/>
+              </a:schemeClr>
+            </a:solidFill>
+            <a:tailEnd type="triangle"/>
+          </a:ln>
+        </p:spPr>
+        <p:style>
+          <a:lnRef idx="1">
+            <a:schemeClr val="accent1"/>
+          </a:lnRef>
+          <a:fillRef idx="0">
+            <a:schemeClr val="accent1"/>
+          </a:fillRef>
+          <a:effectRef idx="0">
+            <a:schemeClr val="accent1"/>
+          </a:effectRef>
+          <a:fontRef idx="minor">
+            <a:schemeClr val="tx1"/>
+          </a:fontRef>
+        </p:style>
+      </p:cxnSp>
+      <p:cxnSp>
+        <p:nvCxnSpPr>
+          <p:cNvPr id="61" name="Straight Arrow Connector 60">
+            <a:extLst>
+              <a:ext uri="{FF2B5EF4-FFF2-40B4-BE49-F238E27FC236}">
+                <a16:creationId xmlns:a16="http://schemas.microsoft.com/office/drawing/2014/main" id="{EEE0B75A-A087-462B-A63B-7EADAF5C3F77}"/>
+              </a:ext>
+            </a:extLst>
+          </p:cNvPr>
+          <p:cNvCxnSpPr>
+            <a:cxnSpLocks/>
+            <a:stCxn id="11" idx="2"/>
+            <a:endCxn id="12" idx="0"/>
+          </p:cNvCxnSpPr>
+          <p:nvPr/>
+        </p:nvCxnSpPr>
+        <p:spPr>
+          <a:xfrm>
+            <a:off x="5324856" y="1536809"/>
+            <a:ext cx="0" cy="178728"/>
+          </a:xfrm>
+          <a:prstGeom prst="straightConnector1">
+            <a:avLst/>
+          </a:prstGeom>
+          <a:ln w="19050">
+            <a:solidFill>
+              <a:schemeClr val="tx1">
+                <a:lumMod val="75000"/>
+                <a:lumOff val="25000"/>
+              </a:schemeClr>
+            </a:solidFill>
+            <a:tailEnd type="triangle"/>
+          </a:ln>
+        </p:spPr>
+        <p:style>
+          <a:lnRef idx="1">
+            <a:schemeClr val="accent1"/>
+          </a:lnRef>
+          <a:fillRef idx="0">
+            <a:schemeClr val="accent1"/>
+          </a:fillRef>
+          <a:effectRef idx="0">
+            <a:schemeClr val="accent1"/>
+          </a:effectRef>
+          <a:fontRef idx="minor">
+            <a:schemeClr val="tx1"/>
+          </a:fontRef>
+        </p:style>
+      </p:cxnSp>
+      <p:cxnSp>
+        <p:nvCxnSpPr>
+          <p:cNvPr id="67" name="Straight Arrow Connector 66">
+            <a:extLst>
+              <a:ext uri="{FF2B5EF4-FFF2-40B4-BE49-F238E27FC236}">
+                <a16:creationId xmlns:a16="http://schemas.microsoft.com/office/drawing/2014/main" id="{3093864F-963D-4C0F-AD51-5E6259A3ADAD}"/>
+              </a:ext>
+            </a:extLst>
+          </p:cNvPr>
+          <p:cNvCxnSpPr/>
+          <p:nvPr/>
+        </p:nvCxnSpPr>
+        <p:spPr>
+          <a:xfrm>
+            <a:off x="5303520" y="2220728"/>
+            <a:ext cx="0" cy="178728"/>
+          </a:xfrm>
+          <a:prstGeom prst="straightConnector1">
+            <a:avLst/>
+          </a:prstGeom>
+          <a:ln w="19050">
+            <a:solidFill>
+              <a:schemeClr val="tx1">
+                <a:lumMod val="75000"/>
+                <a:lumOff val="25000"/>
+              </a:schemeClr>
+            </a:solidFill>
+            <a:tailEnd type="triangle"/>
+          </a:ln>
+        </p:spPr>
+        <p:style>
+          <a:lnRef idx="1">
+            <a:schemeClr val="accent1"/>
+          </a:lnRef>
+          <a:fillRef idx="0">
+            <a:schemeClr val="accent1"/>
+          </a:fillRef>
+          <a:effectRef idx="0">
+            <a:schemeClr val="accent1"/>
+          </a:effectRef>
+          <a:fontRef idx="minor">
+            <a:schemeClr val="tx1"/>
+          </a:fontRef>
+        </p:style>
+      </p:cxnSp>
+      <p:cxnSp>
+        <p:nvCxnSpPr>
+          <p:cNvPr id="68" name="Straight Arrow Connector 67">
+            <a:extLst>
+              <a:ext uri="{FF2B5EF4-FFF2-40B4-BE49-F238E27FC236}">
+                <a16:creationId xmlns:a16="http://schemas.microsoft.com/office/drawing/2014/main" id="{0EF5232D-99B8-4F51-B48C-BE33AD2E0424}"/>
+              </a:ext>
+            </a:extLst>
+          </p:cNvPr>
+          <p:cNvCxnSpPr/>
+          <p:nvPr/>
+        </p:nvCxnSpPr>
+        <p:spPr>
+          <a:xfrm>
+            <a:off x="5327904" y="2934702"/>
+            <a:ext cx="0" cy="178728"/>
+          </a:xfrm>
+          <a:prstGeom prst="straightConnector1">
+            <a:avLst/>
+          </a:prstGeom>
+          <a:ln w="19050">
+            <a:solidFill>
+              <a:schemeClr val="tx1">
+                <a:lumMod val="75000"/>
+                <a:lumOff val="25000"/>
+              </a:schemeClr>
+            </a:solidFill>
+            <a:tailEnd type="triangle"/>
+          </a:ln>
+        </p:spPr>
+        <p:style>
+          <a:lnRef idx="1">
+            <a:schemeClr val="accent1"/>
+          </a:lnRef>
+          <a:fillRef idx="0">
+            <a:schemeClr val="accent1"/>
+          </a:fillRef>
+          <a:effectRef idx="0">
+            <a:schemeClr val="accent1"/>
+          </a:effectRef>
+          <a:fontRef idx="minor">
+            <a:schemeClr val="tx1"/>
+          </a:fontRef>
+        </p:style>
+      </p:cxnSp>
+      <p:cxnSp>
+        <p:nvCxnSpPr>
+          <p:cNvPr id="69" name="Straight Arrow Connector 68">
+            <a:extLst>
+              <a:ext uri="{FF2B5EF4-FFF2-40B4-BE49-F238E27FC236}">
+                <a16:creationId xmlns:a16="http://schemas.microsoft.com/office/drawing/2014/main" id="{EA082B0C-998C-412E-AF5F-4BE0B8A9EBB6}"/>
+              </a:ext>
+            </a:extLst>
+          </p:cNvPr>
+          <p:cNvCxnSpPr/>
+          <p:nvPr/>
+        </p:nvCxnSpPr>
+        <p:spPr>
+          <a:xfrm>
+            <a:off x="5324856" y="3480337"/>
+            <a:ext cx="0" cy="178728"/>
+          </a:xfrm>
+          <a:prstGeom prst="straightConnector1">
+            <a:avLst/>
+          </a:prstGeom>
+          <a:ln w="19050">
+            <a:solidFill>
+              <a:schemeClr val="tx1">
+                <a:lumMod val="75000"/>
+                <a:lumOff val="25000"/>
+              </a:schemeClr>
+            </a:solidFill>
+            <a:tailEnd type="triangle"/>
+          </a:ln>
+        </p:spPr>
+        <p:style>
+          <a:lnRef idx="1">
+            <a:schemeClr val="accent1"/>
+          </a:lnRef>
+          <a:fillRef idx="0">
+            <a:schemeClr val="accent1"/>
+          </a:fillRef>
+          <a:effectRef idx="0">
+            <a:schemeClr val="accent1"/>
+          </a:effectRef>
+          <a:fontRef idx="minor">
+            <a:schemeClr val="tx1"/>
+          </a:fontRef>
+        </p:style>
+      </p:cxnSp>
+      <p:cxnSp>
+        <p:nvCxnSpPr>
+          <p:cNvPr id="9" name="Connector: Elbow 8">
+            <a:extLst>
+              <a:ext uri="{FF2B5EF4-FFF2-40B4-BE49-F238E27FC236}">
+                <a16:creationId xmlns:a16="http://schemas.microsoft.com/office/drawing/2014/main" id="{B9DD4786-4128-4094-AB4C-14CADCBCD8B7}"/>
+              </a:ext>
+            </a:extLst>
+          </p:cNvPr>
+          <p:cNvCxnSpPr>
+            <a:stCxn id="16" idx="3"/>
+            <a:endCxn id="40" idx="0"/>
+          </p:cNvCxnSpPr>
+          <p:nvPr/>
+        </p:nvCxnSpPr>
+        <p:spPr>
+          <a:xfrm>
+            <a:off x="6217920" y="4070545"/>
+            <a:ext cx="195072" cy="804494"/>
+          </a:xfrm>
+          <a:prstGeom prst="bentConnector2">
+            <a:avLst/>
+          </a:prstGeom>
+          <a:ln w="19050">
+            <a:solidFill>
+              <a:schemeClr val="tx1">
+                <a:lumMod val="75000"/>
+                <a:lumOff val="25000"/>
+              </a:schemeClr>
+            </a:solidFill>
+            <a:tailEnd type="triangle"/>
+          </a:ln>
+        </p:spPr>
+        <p:style>
+          <a:lnRef idx="1">
+            <a:schemeClr val="accent1"/>
+          </a:lnRef>
+          <a:fillRef idx="0">
+            <a:schemeClr val="accent1"/>
+          </a:fillRef>
+          <a:effectRef idx="0">
+            <a:schemeClr val="accent1"/>
+          </a:effectRef>
+          <a:fontRef idx="minor">
+            <a:schemeClr val="tx1"/>
+          </a:fontRef>
+        </p:style>
+      </p:cxnSp>
+    </p:spTree>
+    <p:extLst>
+      <p:ext uri="{BB962C8B-B14F-4D97-AF65-F5344CB8AC3E}">
+        <p14:creationId xmlns:p14="http://schemas.microsoft.com/office/powerpoint/2010/main" val="1737713410"/>
+      </p:ext>
+    </p:extLst>
+  </p:cSld>
+  <p:clrMapOvr>
+    <a:masterClrMapping/>
+  </p:clrMapOvr>
+</p:sld>
+</file>
+
+<file path=ppt/slides/slide9.xml><?xml version="1.0" encoding="utf-8"?>
+<p:sld xmlns:a="http://schemas.openxmlformats.org/drawingml/2006/main" xmlns:r="http://schemas.openxmlformats.org/officeDocument/2006/relationships" xmlns:p="http://schemas.openxmlformats.org/presentationml/2006/main">
+  <p:cSld>
+    <p:spTree>
+      <p:nvGrpSpPr>
+        <p:cNvPr id="1" name=""/>
+        <p:cNvGrpSpPr/>
+        <p:nvPr/>
+      </p:nvGrpSpPr>
+      <p:grpSpPr>
+        <a:xfrm>
+          <a:off x="0" y="0"/>
+          <a:ext cx="0" cy="0"/>
+          <a:chOff x="0" y="0"/>
+          <a:chExt cx="0" cy="0"/>
+        </a:xfrm>
+      </p:grpSpPr>
+      <p:sp>
+        <p:nvSpPr>
+          <p:cNvPr id="6" name="Rectangle: Rounded Corners 5">
+            <a:extLst>
+              <a:ext uri="{FF2B5EF4-FFF2-40B4-BE49-F238E27FC236}">
+                <a16:creationId xmlns:a16="http://schemas.microsoft.com/office/drawing/2014/main" id="{20385EAC-B04C-4C20-83E6-52B69AB50757}"/>
+              </a:ext>
+            </a:extLst>
+          </p:cNvPr>
+          <p:cNvSpPr/>
+          <p:nvPr/>
+        </p:nvSpPr>
+        <p:spPr>
+          <a:xfrm>
+            <a:off x="4431792" y="330578"/>
+            <a:ext cx="1786128" cy="505191"/>
+          </a:xfrm>
+          <a:prstGeom prst="roundRect">
+            <a:avLst/>
+          </a:prstGeom>
+          <a:noFill/>
+          <a:ln w="19050">
+            <a:solidFill>
+              <a:schemeClr val="tx1">
+                <a:lumMod val="75000"/>
+                <a:lumOff val="25000"/>
+              </a:schemeClr>
+            </a:solidFill>
+          </a:ln>
+        </p:spPr>
+        <p:style>
+          <a:lnRef idx="2">
+            <a:schemeClr val="accent1">
+              <a:shade val="50000"/>
+            </a:schemeClr>
+          </a:lnRef>
+          <a:fillRef idx="1">
+            <a:schemeClr val="accent1"/>
+          </a:fillRef>
+          <a:effectRef idx="0">
+            <a:schemeClr val="accent1"/>
+          </a:effectRef>
+          <a:fontRef idx="minor">
+            <a:schemeClr val="lt1"/>
+          </a:fontRef>
+        </p:style>
+        <p:txBody>
+          <a:bodyPr rtlCol="0" anchor="ctr"/>
+          <a:lstStyle/>
+          <a:p>
+            <a:pPr algn="ctr"/>
+            <a:endParaRPr lang="en-US"/>
+          </a:p>
+        </p:txBody>
+      </p:sp>
+      <mc:AlternateContent xmlns:mc="http://schemas.openxmlformats.org/markup-compatibility/2006" xmlns:a14="http://schemas.microsoft.com/office/drawing/2010/main">
+        <mc:Choice Requires="a14">
+          <p:sp>
+            <p:nvSpPr>
+              <p:cNvPr id="7" name="TextBox 6">
+                <a:extLst>
+                  <a:ext uri="{FF2B5EF4-FFF2-40B4-BE49-F238E27FC236}">
+                    <a16:creationId xmlns:a16="http://schemas.microsoft.com/office/drawing/2014/main" id="{AD380A3F-DACA-45FC-B2A9-96A467F06309}"/>
+                  </a:ext>
+                </a:extLst>
+              </p:cNvPr>
+              <p:cNvSpPr txBox="1"/>
+              <p:nvPr/>
+            </p:nvSpPr>
+            <p:spPr>
+              <a:xfrm>
+                <a:off x="4431792" y="374105"/>
+                <a:ext cx="1786128" cy="461921"/>
+              </a:xfrm>
+              <a:prstGeom prst="rect">
+                <a:avLst/>
+              </a:prstGeom>
+              <a:noFill/>
+            </p:spPr>
+            <p:txBody>
+              <a:bodyPr wrap="square" rtlCol="0">
+                <a:spAutoFit/>
+              </a:bodyPr>
+              <a:lstStyle/>
+              <a:p>
+                <a:pPr algn="ctr"/>
+                <a:r>
+                  <a:rPr lang="en-US" sz="1200" dirty="0">
+                    <a:latin typeface="Jost" pitchFamily="2" charset="0"/>
+                    <a:ea typeface="Jost" pitchFamily="2" charset="0"/>
+                  </a:rPr>
+                  <a:t>0. Set </a:t>
+                </a:r>
+                <a14:m>
+                  <m:oMath xmlns:m="http://schemas.openxmlformats.org/officeDocument/2006/math">
+                    <m:sSub>
+                      <m:sSubPr>
+                        <m:ctrlPr>
+                          <a:rPr lang="en-US" sz="1200" b="0" i="1" smtClean="0">
+                            <a:latin typeface="Cambria Math" panose="02040503050406030204" pitchFamily="18" charset="0"/>
+                            <a:ea typeface="Jost" pitchFamily="2" charset="0"/>
+                          </a:rPr>
+                        </m:ctrlPr>
+                      </m:sSubPr>
+                      <m:e>
+                        <m:r>
+                          <m:rPr>
+                            <m:sty m:val="p"/>
+                          </m:rPr>
+                          <a:rPr lang="en-US" sz="1200">
+                            <a:latin typeface="Cambria Math" panose="02040503050406030204" pitchFamily="18" charset="0"/>
+                            <a:ea typeface="Jost" pitchFamily="2" charset="0"/>
+                          </a:rPr>
+                          <m:t>H</m:t>
+                        </m:r>
+                      </m:e>
+                      <m:sub>
+                        <m:r>
+                          <m:rPr>
+                            <m:sty m:val="p"/>
+                          </m:rPr>
+                          <a:rPr lang="en-US" sz="1200" b="0" i="0" smtClean="0">
+                            <a:latin typeface="Cambria Math" panose="02040503050406030204" pitchFamily="18" charset="0"/>
+                            <a:ea typeface="Jost" pitchFamily="2" charset="0"/>
+                          </a:rPr>
+                          <m:t>j</m:t>
+                        </m:r>
+                      </m:sub>
+                    </m:sSub>
+                    <m:r>
+                      <a:rPr lang="en-US" sz="1200" b="0" i="0" smtClean="0">
+                        <a:latin typeface="Cambria Math" panose="02040503050406030204" pitchFamily="18" charset="0"/>
+                        <a:ea typeface="Jost" pitchFamily="2" charset="0"/>
+                      </a:rPr>
+                      <m:t>=</m:t>
+                    </m:r>
+                    <m:sSubSup>
+                      <m:sSubSupPr>
+                        <m:ctrlPr>
+                          <a:rPr lang="en-US" sz="1200" i="1" smtClean="0">
+                            <a:latin typeface="Cambria Math" panose="02040503050406030204" pitchFamily="18" charset="0"/>
+                            <a:ea typeface="Jost" pitchFamily="2" charset="0"/>
+                          </a:rPr>
+                        </m:ctrlPr>
+                      </m:sSubSupPr>
+                      <m:e>
+                        <m:r>
+                          <m:rPr>
+                            <m:sty m:val="p"/>
+                          </m:rPr>
+                          <a:rPr lang="en-US" sz="1200" b="0" i="0" smtClean="0">
+                            <a:latin typeface="Cambria Math" panose="02040503050406030204" pitchFamily="18" charset="0"/>
+                            <a:ea typeface="Jost" pitchFamily="2" charset="0"/>
+                          </a:rPr>
+                          <m:t>H</m:t>
+                        </m:r>
+                      </m:e>
+                      <m:sub>
+                        <m:r>
+                          <m:rPr>
+                            <m:sty m:val="p"/>
+                          </m:rPr>
+                          <a:rPr lang="en-US" sz="1200" b="0" i="0" smtClean="0">
+                            <a:latin typeface="Cambria Math" panose="02040503050406030204" pitchFamily="18" charset="0"/>
+                            <a:ea typeface="Jost" pitchFamily="2" charset="0"/>
+                          </a:rPr>
+                          <m:t>j</m:t>
+                        </m:r>
+                      </m:sub>
+                      <m:sup>
+                        <m:r>
+                          <a:rPr lang="en-US" sz="1200" b="0" i="0" smtClean="0">
+                            <a:latin typeface="Cambria Math" panose="02040503050406030204" pitchFamily="18" charset="0"/>
+                            <a:ea typeface="Jost" pitchFamily="2" charset="0"/>
+                          </a:rPr>
+                          <m:t>∗</m:t>
+                        </m:r>
+                      </m:sup>
+                    </m:sSubSup>
+                  </m:oMath>
+                </a14:m>
+                <a:r>
+                  <a:rPr lang="en-US" sz="1200" dirty="0">
+                    <a:latin typeface="Jost" pitchFamily="2" charset="0"/>
+                    <a:ea typeface="Jost" pitchFamily="2" charset="0"/>
+                  </a:rPr>
+                  <a:t> in </a:t>
+                </a:r>
+                <a14:m>
+                  <m:oMath xmlns:m="http://schemas.openxmlformats.org/officeDocument/2006/math">
+                    <m:r>
+                      <a:rPr lang="en-US" sz="1200" b="0" i="1" smtClean="0">
+                        <a:latin typeface="Cambria Math" panose="02040503050406030204" pitchFamily="18" charset="0"/>
+                        <a:ea typeface="Jost" pitchFamily="2" charset="0"/>
+                      </a:rPr>
+                      <m:t>𝑡</m:t>
+                    </m:r>
+                    <m:r>
+                      <a:rPr lang="en-US" sz="1200" b="0" i="1" smtClean="0">
+                        <a:latin typeface="Cambria Math" panose="02040503050406030204" pitchFamily="18" charset="0"/>
+                        <a:ea typeface="Jost" pitchFamily="2" charset="0"/>
+                      </a:rPr>
+                      <m:t>=1</m:t>
+                    </m:r>
+                  </m:oMath>
+                </a14:m>
+                <a:endParaRPr lang="en-US" sz="1200" dirty="0">
+                  <a:latin typeface="Jost" pitchFamily="2" charset="0"/>
+                  <a:ea typeface="Jost" pitchFamily="2" charset="0"/>
+                </a:endParaRPr>
+              </a:p>
+              <a:p>
+                <a:pPr algn="ctr"/>
+                <a:r>
+                  <a:rPr lang="en-US" sz="1050" dirty="0">
+                    <a:latin typeface="Jost" pitchFamily="2" charset="0"/>
+                    <a:ea typeface="Jost" pitchFamily="2" charset="0"/>
+                  </a:rPr>
+                  <a:t>(j = 0)</a:t>
+                </a:r>
+              </a:p>
+            </p:txBody>
+          </p:sp>
+        </mc:Choice>
+        <mc:Fallback xmlns="">
+          <p:sp>
+            <p:nvSpPr>
+              <p:cNvPr id="7" name="TextBox 6">
+                <a:extLst>
+                  <a:ext uri="{FF2B5EF4-FFF2-40B4-BE49-F238E27FC236}">
+                    <a16:creationId xmlns:a16="http://schemas.microsoft.com/office/drawing/2014/main" id="{AD380A3F-DACA-45FC-B2A9-96A467F06309}"/>
+                  </a:ext>
+                </a:extLst>
+              </p:cNvPr>
+              <p:cNvSpPr txBox="1">
+                <a:spLocks noRot="1" noChangeAspect="1" noMove="1" noResize="1" noEditPoints="1" noAdjustHandles="1" noChangeArrowheads="1" noChangeShapeType="1" noTextEdit="1"/>
+              </p:cNvSpPr>
+              <p:nvPr/>
+            </p:nvSpPr>
+            <p:spPr>
+              <a:xfrm>
+                <a:off x="4431792" y="374105"/>
+                <a:ext cx="1786128" cy="461921"/>
+              </a:xfrm>
+              <a:prstGeom prst="rect">
+                <a:avLst/>
+              </a:prstGeom>
+              <a:blipFill>
+                <a:blip r:embed="rId2"/>
+                <a:stretch>
+                  <a:fillRect b="-5263"/>
+                </a:stretch>
+              </a:blipFill>
+            </p:spPr>
+            <p:txBody>
+              <a:bodyPr/>
+              <a:lstStyle/>
+              <a:p>
+                <a:r>
+                  <a:rPr lang="en-US">
+                    <a:noFill/>
+                  </a:rPr>
+                  <a:t> </a:t>
+                </a:r>
+              </a:p>
+            </p:txBody>
+          </p:sp>
+        </mc:Fallback>
+      </mc:AlternateContent>
+      <p:sp>
+        <p:nvSpPr>
+          <p:cNvPr id="10" name="Rectangle: Rounded Corners 9">
+            <a:extLst>
+              <a:ext uri="{FF2B5EF4-FFF2-40B4-BE49-F238E27FC236}">
+                <a16:creationId xmlns:a16="http://schemas.microsoft.com/office/drawing/2014/main" id="{D3F9AB80-D797-45C7-BCFB-21E8C53A21F7}"/>
+              </a:ext>
+            </a:extLst>
+          </p:cNvPr>
+          <p:cNvSpPr/>
+          <p:nvPr/>
+        </p:nvSpPr>
+        <p:spPr>
+          <a:xfrm>
+            <a:off x="4431792" y="1014497"/>
+            <a:ext cx="1786128" cy="495485"/>
+          </a:xfrm>
+          <a:prstGeom prst="roundRect">
+            <a:avLst/>
+          </a:prstGeom>
+          <a:noFill/>
+          <a:ln w="19050">
+            <a:solidFill>
+              <a:schemeClr val="tx1">
+                <a:lumMod val="75000"/>
+                <a:lumOff val="25000"/>
+              </a:schemeClr>
+            </a:solidFill>
+          </a:ln>
+        </p:spPr>
+        <p:style>
+          <a:lnRef idx="2">
+            <a:schemeClr val="accent1">
+              <a:shade val="50000"/>
+            </a:schemeClr>
+          </a:lnRef>
+          <a:fillRef idx="1">
+            <a:schemeClr val="accent1"/>
+          </a:fillRef>
+          <a:effectRef idx="0">
+            <a:schemeClr val="accent1"/>
+          </a:effectRef>
+          <a:fontRef idx="minor">
+            <a:schemeClr val="lt1"/>
+          </a:fontRef>
+        </p:style>
+        <p:txBody>
+          <a:bodyPr rtlCol="0" anchor="ctr"/>
+          <a:lstStyle/>
+          <a:p>
+            <a:pPr algn="ctr"/>
+            <a:endParaRPr lang="en-US"/>
+          </a:p>
+        </p:txBody>
+      </p:sp>
+      <mc:AlternateContent xmlns:mc="http://schemas.openxmlformats.org/markup-compatibility/2006" xmlns:a14="http://schemas.microsoft.com/office/drawing/2010/main">
+        <mc:Choice Requires="a14">
+          <p:sp>
+            <p:nvSpPr>
+              <p:cNvPr id="11" name="TextBox 10">
+                <a:extLst>
+                  <a:ext uri="{FF2B5EF4-FFF2-40B4-BE49-F238E27FC236}">
+                    <a16:creationId xmlns:a16="http://schemas.microsoft.com/office/drawing/2014/main" id="{83E751F5-9491-468D-8E93-B10D82D5142C}"/>
+                  </a:ext>
+                </a:extLst>
+              </p:cNvPr>
+              <p:cNvSpPr txBox="1"/>
+              <p:nvPr/>
+            </p:nvSpPr>
+            <p:spPr>
+              <a:xfrm>
+                <a:off x="4431792" y="1058024"/>
+                <a:ext cx="1786128" cy="478785"/>
+              </a:xfrm>
+              <a:prstGeom prst="rect">
+                <a:avLst/>
+              </a:prstGeom>
+              <a:noFill/>
+            </p:spPr>
+            <p:txBody>
+              <a:bodyPr wrap="square" rtlCol="0">
+                <a:spAutoFit/>
+              </a:bodyPr>
+              <a:lstStyle/>
+              <a:p>
+                <a:pPr algn="ctr"/>
+                <a:r>
+                  <a:rPr lang="en-US" sz="1200" dirty="0">
+                    <a:latin typeface="Jost" pitchFamily="2" charset="0"/>
+                    <a:ea typeface="Jost" pitchFamily="2" charset="0"/>
+                  </a:rPr>
+                  <a:t>1. Select a template from </a:t>
+                </a:r>
+                <a14:m>
+                  <m:oMath xmlns:m="http://schemas.openxmlformats.org/officeDocument/2006/math">
+                    <m:sSub>
+                      <m:sSubPr>
+                        <m:ctrlPr>
+                          <a:rPr lang="en-US" sz="1200" b="0" i="1" smtClean="0">
+                            <a:latin typeface="Cambria Math" panose="02040503050406030204" pitchFamily="18" charset="0"/>
+                            <a:ea typeface="Jost" pitchFamily="2" charset="0"/>
+                          </a:rPr>
+                        </m:ctrlPr>
+                      </m:sSubPr>
+                      <m:e>
+                        <m:r>
+                          <m:rPr>
+                            <m:sty m:val="p"/>
+                          </m:rPr>
+                          <a:rPr lang="en-US" sz="1200">
+                            <a:latin typeface="Cambria Math" panose="02040503050406030204" pitchFamily="18" charset="0"/>
+                            <a:ea typeface="Jost" pitchFamily="2" charset="0"/>
+                          </a:rPr>
+                          <m:t>H</m:t>
+                        </m:r>
+                      </m:e>
+                      <m:sub>
+                        <m:r>
+                          <m:rPr>
+                            <m:sty m:val="p"/>
+                          </m:rPr>
+                          <a:rPr lang="en-US" sz="1200" b="0" i="0" smtClean="0">
+                            <a:latin typeface="Cambria Math" panose="02040503050406030204" pitchFamily="18" charset="0"/>
+                            <a:ea typeface="Jost" pitchFamily="2" charset="0"/>
+                          </a:rPr>
+                          <m:t>j</m:t>
+                        </m:r>
+                      </m:sub>
+                    </m:sSub>
+                  </m:oMath>
+                </a14:m>
+                <a:endParaRPr lang="en-US" sz="1200" dirty="0">
+                  <a:latin typeface="Jost" pitchFamily="2" charset="0"/>
+                  <a:ea typeface="Jost" pitchFamily="2" charset="0"/>
+                </a:endParaRPr>
+              </a:p>
+            </p:txBody>
+          </p:sp>
+        </mc:Choice>
+        <mc:Fallback xmlns="">
+          <p:sp>
+            <p:nvSpPr>
+              <p:cNvPr id="11" name="TextBox 10">
+                <a:extLst>
+                  <a:ext uri="{FF2B5EF4-FFF2-40B4-BE49-F238E27FC236}">
+                    <a16:creationId xmlns:a16="http://schemas.microsoft.com/office/drawing/2014/main" id="{83E751F5-9491-468D-8E93-B10D82D5142C}"/>
+                  </a:ext>
+                </a:extLst>
+              </p:cNvPr>
+              <p:cNvSpPr txBox="1">
+                <a:spLocks noRot="1" noChangeAspect="1" noMove="1" noResize="1" noEditPoints="1" noAdjustHandles="1" noChangeArrowheads="1" noChangeShapeType="1" noTextEdit="1"/>
+              </p:cNvSpPr>
+              <p:nvPr/>
+            </p:nvSpPr>
+            <p:spPr>
+              <a:xfrm>
+                <a:off x="4431792" y="1058024"/>
+                <a:ext cx="1786128" cy="478785"/>
+              </a:xfrm>
+              <a:prstGeom prst="rect">
+                <a:avLst/>
+              </a:prstGeom>
+              <a:blipFill>
+                <a:blip r:embed="rId3"/>
+                <a:stretch>
+                  <a:fillRect t="-2564" r="-2389" b="-1282"/>
+                </a:stretch>
+              </a:blipFill>
+            </p:spPr>
+            <p:txBody>
+              <a:bodyPr/>
+              <a:lstStyle/>
+              <a:p>
+                <a:r>
+                  <a:rPr lang="en-US">
+                    <a:noFill/>
+                  </a:rPr>
+                  <a:t> </a:t>
+                </a:r>
+              </a:p>
+            </p:txBody>
+          </p:sp>
+        </mc:Fallback>
+      </mc:AlternateContent>
+      <p:sp>
+        <p:nvSpPr>
+          <p:cNvPr id="12" name="Rectangle: Rounded Corners 11">
+            <a:extLst>
+              <a:ext uri="{FF2B5EF4-FFF2-40B4-BE49-F238E27FC236}">
+                <a16:creationId xmlns:a16="http://schemas.microsoft.com/office/drawing/2014/main" id="{3663E22E-6916-49E0-8FEA-F467E23B5E5B}"/>
+              </a:ext>
+            </a:extLst>
+          </p:cNvPr>
+          <p:cNvSpPr/>
+          <p:nvPr/>
+        </p:nvSpPr>
+        <p:spPr>
+          <a:xfrm>
+            <a:off x="4431792" y="1715537"/>
+            <a:ext cx="1786128" cy="505191"/>
+          </a:xfrm>
+          <a:prstGeom prst="roundRect">
+            <a:avLst/>
+          </a:prstGeom>
+          <a:noFill/>
+          <a:ln w="19050">
+            <a:solidFill>
+              <a:schemeClr val="tx1">
+                <a:lumMod val="75000"/>
+                <a:lumOff val="25000"/>
+              </a:schemeClr>
+            </a:solidFill>
+          </a:ln>
+        </p:spPr>
+        <p:style>
+          <a:lnRef idx="2">
+            <a:schemeClr val="accent1">
+              <a:shade val="50000"/>
+            </a:schemeClr>
+          </a:lnRef>
+          <a:fillRef idx="1">
+            <a:schemeClr val="accent1"/>
+          </a:fillRef>
+          <a:effectRef idx="0">
+            <a:schemeClr val="accent1"/>
+          </a:effectRef>
+          <a:fontRef idx="minor">
+            <a:schemeClr val="lt1"/>
+          </a:fontRef>
+        </p:style>
+        <p:txBody>
+          <a:bodyPr rtlCol="0" anchor="ctr"/>
+          <a:lstStyle/>
+          <a:p>
+            <a:pPr algn="ctr"/>
+            <a:endParaRPr lang="en-US"/>
+          </a:p>
+        </p:txBody>
+      </p:sp>
+      <p:sp>
+        <p:nvSpPr>
+          <p:cNvPr id="13" name="TextBox 12">
+            <a:extLst>
+              <a:ext uri="{FF2B5EF4-FFF2-40B4-BE49-F238E27FC236}">
+                <a16:creationId xmlns:a16="http://schemas.microsoft.com/office/drawing/2014/main" id="{65CAAA08-D3C3-4517-8388-61FF31FFD6A7}"/>
+              </a:ext>
+            </a:extLst>
+          </p:cNvPr>
+          <p:cNvSpPr txBox="1"/>
+          <p:nvPr/>
+        </p:nvSpPr>
+        <p:spPr>
+          <a:xfrm>
+            <a:off x="4504944" y="1759064"/>
+            <a:ext cx="1670304" cy="461665"/>
+          </a:xfrm>
+          <a:prstGeom prst="rect">
+            <a:avLst/>
+          </a:prstGeom>
+          <a:noFill/>
+        </p:spPr>
+        <p:txBody>
+          <a:bodyPr wrap="square" rtlCol="0">
+            <a:spAutoFit/>
+          </a:bodyPr>
+          <a:lstStyle/>
+          <a:p>
+            <a:pPr algn="ctr"/>
+            <a:r>
+              <a:rPr lang="en-US" sz="1200" dirty="0">
+                <a:latin typeface="Jost" pitchFamily="2" charset="0"/>
+                <a:ea typeface="Jost" pitchFamily="2" charset="0"/>
+              </a:rPr>
+              <a:t>2. Match units within grid</a:t>
+            </a:r>
+          </a:p>
+        </p:txBody>
+      </p:sp>
+      <p:sp>
+        <p:nvSpPr>
+          <p:cNvPr id="14" name="Rectangle: Rounded Corners 13">
+            <a:extLst>
+              <a:ext uri="{FF2B5EF4-FFF2-40B4-BE49-F238E27FC236}">
+                <a16:creationId xmlns:a16="http://schemas.microsoft.com/office/drawing/2014/main" id="{92F76451-DBA8-491F-BB4C-2059FF022118}"/>
+              </a:ext>
+            </a:extLst>
+          </p:cNvPr>
+          <p:cNvSpPr/>
+          <p:nvPr/>
+        </p:nvSpPr>
+        <p:spPr>
+          <a:xfrm>
+            <a:off x="4431792" y="2398346"/>
+            <a:ext cx="1786128" cy="523864"/>
+          </a:xfrm>
+          <a:prstGeom prst="roundRect">
+            <a:avLst/>
+          </a:prstGeom>
+          <a:noFill/>
+          <a:ln w="19050">
+            <a:solidFill>
+              <a:schemeClr val="tx1">
+                <a:lumMod val="75000"/>
+                <a:lumOff val="25000"/>
+              </a:schemeClr>
+            </a:solidFill>
+          </a:ln>
+        </p:spPr>
+        <p:style>
+          <a:lnRef idx="2">
+            <a:schemeClr val="accent1">
+              <a:shade val="50000"/>
+            </a:schemeClr>
+          </a:lnRef>
+          <a:fillRef idx="1">
+            <a:schemeClr val="accent1"/>
+          </a:fillRef>
+          <a:effectRef idx="0">
+            <a:schemeClr val="accent1"/>
+          </a:effectRef>
+          <a:fontRef idx="minor">
+            <a:schemeClr val="lt1"/>
+          </a:fontRef>
+        </p:style>
+        <p:txBody>
+          <a:bodyPr rtlCol="0" anchor="ctr"/>
+          <a:lstStyle/>
+          <a:p>
+            <a:pPr algn="ctr"/>
+            <a:endParaRPr lang="en-US"/>
+          </a:p>
+        </p:txBody>
+      </p:sp>
+      <mc:AlternateContent xmlns:mc="http://schemas.openxmlformats.org/markup-compatibility/2006" xmlns:a14="http://schemas.microsoft.com/office/drawing/2010/main">
+        <mc:Choice Requires="a14">
+          <p:sp>
+            <p:nvSpPr>
+              <p:cNvPr id="15" name="TextBox 14">
+                <a:extLst>
+                  <a:ext uri="{FF2B5EF4-FFF2-40B4-BE49-F238E27FC236}">
+                    <a16:creationId xmlns:a16="http://schemas.microsoft.com/office/drawing/2014/main" id="{6DC88A37-043D-41B6-AEC9-DAD5B0EE9FF1}"/>
+                  </a:ext>
+                </a:extLst>
+              </p:cNvPr>
+              <p:cNvSpPr txBox="1"/>
+              <p:nvPr/>
+            </p:nvSpPr>
+            <p:spPr>
+              <a:xfrm>
+                <a:off x="4504944" y="2441872"/>
+                <a:ext cx="1670304" cy="485005"/>
+              </a:xfrm>
+              <a:prstGeom prst="rect">
+                <a:avLst/>
+              </a:prstGeom>
+              <a:noFill/>
+            </p:spPr>
+            <p:txBody>
+              <a:bodyPr wrap="square" rtlCol="0">
+                <a:spAutoFit/>
+              </a:bodyPr>
+              <a:lstStyle/>
+              <a:p>
+                <a:pPr algn="ctr"/>
+                <a:r>
+                  <a:rPr lang="en-US" sz="1200" dirty="0">
+                    <a:latin typeface="Jost" pitchFamily="2" charset="0"/>
+                    <a:ea typeface="Jost" pitchFamily="2" charset="0"/>
+                  </a:rPr>
+                  <a:t>3. Fit local polynomial and find new </a:t>
+                </a:r>
+                <a14:m>
+                  <m:oMath xmlns:m="http://schemas.openxmlformats.org/officeDocument/2006/math">
+                    <m:sSubSup>
+                      <m:sSubSupPr>
+                        <m:ctrlPr>
+                          <a:rPr lang="en-US" sz="1200" i="1" smtClean="0">
+                            <a:latin typeface="Cambria Math" panose="02040503050406030204" pitchFamily="18" charset="0"/>
+                            <a:ea typeface="Jost" pitchFamily="2" charset="0"/>
+                          </a:rPr>
+                        </m:ctrlPr>
+                      </m:sSubSupPr>
+                      <m:e>
+                        <m:r>
+                          <m:rPr>
+                            <m:sty m:val="p"/>
+                          </m:rPr>
+                          <a:rPr lang="en-US" sz="1200" b="0" i="0" smtClean="0">
+                            <a:latin typeface="Cambria Math" panose="02040503050406030204" pitchFamily="18" charset="0"/>
+                            <a:ea typeface="Jost" pitchFamily="2" charset="0"/>
+                          </a:rPr>
+                          <m:t>H</m:t>
+                        </m:r>
+                      </m:e>
+                      <m:sub>
+                        <m:r>
+                          <m:rPr>
+                            <m:sty m:val="p"/>
+                          </m:rPr>
+                          <a:rPr lang="en-US" sz="1200" b="0" i="0" smtClean="0">
+                            <a:latin typeface="Cambria Math" panose="02040503050406030204" pitchFamily="18" charset="0"/>
+                            <a:ea typeface="Jost" pitchFamily="2" charset="0"/>
+                          </a:rPr>
+                          <m:t>j</m:t>
+                        </m:r>
+                        <m:r>
+                          <a:rPr lang="en-US" sz="1200" b="0" i="0" smtClean="0">
+                            <a:latin typeface="Cambria Math" panose="02040503050406030204" pitchFamily="18" charset="0"/>
+                            <a:ea typeface="Jost" pitchFamily="2" charset="0"/>
+                          </a:rPr>
+                          <m:t>+1</m:t>
+                        </m:r>
+                      </m:sub>
+                      <m:sup>
+                        <m:r>
+                          <a:rPr lang="en-US" sz="1200" b="0" i="0" smtClean="0">
+                            <a:latin typeface="Cambria Math" panose="02040503050406030204" pitchFamily="18" charset="0"/>
+                            <a:ea typeface="Jost" pitchFamily="2" charset="0"/>
+                          </a:rPr>
+                          <m:t>∗</m:t>
+                        </m:r>
+                      </m:sup>
+                    </m:sSubSup>
+                  </m:oMath>
+                </a14:m>
+                <a:endParaRPr lang="en-US" sz="1200" dirty="0">
+                  <a:latin typeface="Jost" pitchFamily="2" charset="0"/>
+                  <a:ea typeface="Jost" pitchFamily="2" charset="0"/>
+                </a:endParaRPr>
+              </a:p>
+            </p:txBody>
+          </p:sp>
+        </mc:Choice>
+        <mc:Fallback xmlns="">
+          <p:sp>
+            <p:nvSpPr>
+              <p:cNvPr id="15" name="TextBox 14">
+                <a:extLst>
+                  <a:ext uri="{FF2B5EF4-FFF2-40B4-BE49-F238E27FC236}">
+                    <a16:creationId xmlns:a16="http://schemas.microsoft.com/office/drawing/2014/main" id="{6DC88A37-043D-41B6-AEC9-DAD5B0EE9FF1}"/>
+                  </a:ext>
+                </a:extLst>
+              </p:cNvPr>
+              <p:cNvSpPr txBox="1">
+                <a:spLocks noRot="1" noChangeAspect="1" noMove="1" noResize="1" noEditPoints="1" noAdjustHandles="1" noChangeArrowheads="1" noChangeShapeType="1" noTextEdit="1"/>
+              </p:cNvSpPr>
+              <p:nvPr/>
+            </p:nvSpPr>
+            <p:spPr>
+              <a:xfrm>
+                <a:off x="4504944" y="2441872"/>
+                <a:ext cx="1670304" cy="485005"/>
+              </a:xfrm>
+              <a:prstGeom prst="rect">
+                <a:avLst/>
+              </a:prstGeom>
+              <a:blipFill>
+                <a:blip r:embed="rId4"/>
+                <a:stretch>
+                  <a:fillRect t="-2532" r="-730" b="-6329"/>
+                </a:stretch>
+              </a:blipFill>
+            </p:spPr>
+            <p:txBody>
+              <a:bodyPr/>
+              <a:lstStyle/>
+              <a:p>
+                <a:r>
+                  <a:rPr lang="en-US">
+                    <a:noFill/>
+                  </a:rPr>
+                  <a:t> </a:t>
+                </a:r>
+              </a:p>
+            </p:txBody>
+          </p:sp>
+        </mc:Fallback>
+      </mc:AlternateContent>
+      <p:sp>
+        <p:nvSpPr>
+          <p:cNvPr id="16" name="Diamond 15">
+            <a:extLst>
+              <a:ext uri="{FF2B5EF4-FFF2-40B4-BE49-F238E27FC236}">
+                <a16:creationId xmlns:a16="http://schemas.microsoft.com/office/drawing/2014/main" id="{55F0BDF5-CF81-4366-8892-A2A81D1F7C09}"/>
+              </a:ext>
+            </a:extLst>
+          </p:cNvPr>
+          <p:cNvSpPr/>
+          <p:nvPr/>
+        </p:nvSpPr>
+        <p:spPr>
+          <a:xfrm>
+            <a:off x="4431792" y="3659065"/>
+            <a:ext cx="1786128" cy="822960"/>
+          </a:xfrm>
+          <a:prstGeom prst="diamond">
+            <a:avLst/>
+          </a:prstGeom>
+          <a:noFill/>
+          <a:ln w="19050">
+            <a:solidFill>
+              <a:schemeClr val="tx1">
+                <a:lumMod val="75000"/>
+                <a:lumOff val="25000"/>
+              </a:schemeClr>
+            </a:solidFill>
+          </a:ln>
+        </p:spPr>
+        <p:style>
+          <a:lnRef idx="2">
+            <a:schemeClr val="accent1">
+              <a:shade val="50000"/>
+            </a:schemeClr>
+          </a:lnRef>
+          <a:fillRef idx="1">
+            <a:schemeClr val="accent1"/>
+          </a:fillRef>
+          <a:effectRef idx="0">
+            <a:schemeClr val="accent1"/>
+          </a:effectRef>
+          <a:fontRef idx="minor">
+            <a:schemeClr val="lt1"/>
+          </a:fontRef>
+        </p:style>
+        <p:txBody>
+          <a:bodyPr rtlCol="0" anchor="ctr"/>
+          <a:lstStyle/>
+          <a:p>
+            <a:pPr algn="ctr"/>
+            <a:endParaRPr lang="en-US"/>
+          </a:p>
+        </p:txBody>
+      </p:sp>
+      <mc:AlternateContent xmlns:mc="http://schemas.openxmlformats.org/markup-compatibility/2006" xmlns:a14="http://schemas.microsoft.com/office/drawing/2010/main">
+        <mc:Choice Requires="a14">
+          <p:sp>
+            <p:nvSpPr>
+              <p:cNvPr id="17" name="TextBox 16">
+                <a:extLst>
+                  <a:ext uri="{FF2B5EF4-FFF2-40B4-BE49-F238E27FC236}">
+                    <a16:creationId xmlns:a16="http://schemas.microsoft.com/office/drawing/2014/main" id="{5766D573-8642-42CB-8052-11EB79D09B26}"/>
+                  </a:ext>
+                </a:extLst>
+              </p:cNvPr>
+              <p:cNvSpPr txBox="1"/>
+              <p:nvPr/>
+            </p:nvSpPr>
+            <p:spPr>
+              <a:xfrm>
+                <a:off x="4504944" y="3932045"/>
+                <a:ext cx="1670304" cy="300339"/>
+              </a:xfrm>
+              <a:prstGeom prst="rect">
+                <a:avLst/>
+              </a:prstGeom>
+              <a:noFill/>
+            </p:spPr>
+            <p:txBody>
+              <a:bodyPr wrap="square" rtlCol="0">
+                <a:spAutoFit/>
+              </a:bodyPr>
+              <a:lstStyle/>
+              <a:p>
+                <a:pPr algn="ctr"/>
+                <a:r>
+                  <a:rPr lang="en-US" sz="1200" dirty="0">
+                    <a:latin typeface="Jost" pitchFamily="2" charset="0"/>
+                    <a:ea typeface="Jost" pitchFamily="2" charset="0"/>
+                  </a:rPr>
+                  <a:t>Is </a:t>
+                </a:r>
+                <a14:m>
+                  <m:oMath xmlns:m="http://schemas.openxmlformats.org/officeDocument/2006/math">
+                    <m:sSub>
+                      <m:sSubPr>
+                        <m:ctrlPr>
+                          <a:rPr lang="en-US" sz="1200" b="0" i="1" smtClean="0">
+                            <a:latin typeface="Cambria Math" panose="02040503050406030204" pitchFamily="18" charset="0"/>
+                            <a:ea typeface="Jost" pitchFamily="2" charset="0"/>
+                          </a:rPr>
+                        </m:ctrlPr>
+                      </m:sSubPr>
+                      <m:e>
+                        <m:r>
+                          <m:rPr>
+                            <m:sty m:val="p"/>
+                          </m:rPr>
+                          <a:rPr lang="en-US" sz="1200">
+                            <a:latin typeface="Cambria Math" panose="02040503050406030204" pitchFamily="18" charset="0"/>
+                            <a:ea typeface="Jost" pitchFamily="2" charset="0"/>
+                          </a:rPr>
+                          <m:t>H</m:t>
+                        </m:r>
+                      </m:e>
+                      <m:sub>
+                        <m:r>
+                          <m:rPr>
+                            <m:sty m:val="p"/>
+                          </m:rPr>
+                          <a:rPr lang="en-US" sz="1200" b="0" i="0" smtClean="0">
+                            <a:latin typeface="Cambria Math" panose="02040503050406030204" pitchFamily="18" charset="0"/>
+                            <a:ea typeface="Jost" pitchFamily="2" charset="0"/>
+                          </a:rPr>
+                          <m:t>j</m:t>
+                        </m:r>
+                      </m:sub>
+                    </m:sSub>
+                    <m:r>
+                      <a:rPr lang="en-US" sz="1200" b="0" i="0" smtClean="0">
+                        <a:latin typeface="Cambria Math" panose="02040503050406030204" pitchFamily="18" charset="0"/>
+                        <a:ea typeface="Jost" pitchFamily="2" charset="0"/>
+                      </a:rPr>
+                      <m:t>&lt;</m:t>
+                    </m:r>
+                    <m:sSubSup>
+                      <m:sSubSupPr>
+                        <m:ctrlPr>
+                          <a:rPr lang="en-US" sz="1200" i="1" smtClean="0">
+                            <a:latin typeface="Cambria Math" panose="02040503050406030204" pitchFamily="18" charset="0"/>
+                            <a:ea typeface="Jost" pitchFamily="2" charset="0"/>
+                          </a:rPr>
+                        </m:ctrlPr>
+                      </m:sSubSupPr>
+                      <m:e>
+                        <m:r>
+                          <m:rPr>
+                            <m:sty m:val="p"/>
+                          </m:rPr>
+                          <a:rPr lang="en-US" sz="1200" b="0" i="0" smtClean="0">
+                            <a:latin typeface="Cambria Math" panose="02040503050406030204" pitchFamily="18" charset="0"/>
+                            <a:ea typeface="Jost" pitchFamily="2" charset="0"/>
+                          </a:rPr>
+                          <m:t>H</m:t>
+                        </m:r>
+                      </m:e>
+                      <m:sub>
+                        <m:r>
+                          <m:rPr>
+                            <m:sty m:val="p"/>
+                          </m:rPr>
+                          <a:rPr lang="en-US" sz="1200" b="0" i="0" smtClean="0">
+                            <a:latin typeface="Cambria Math" panose="02040503050406030204" pitchFamily="18" charset="0"/>
+                            <a:ea typeface="Jost" pitchFamily="2" charset="0"/>
+                          </a:rPr>
+                          <m:t>j</m:t>
+                        </m:r>
+                      </m:sub>
+                      <m:sup>
+                        <m:r>
+                          <a:rPr lang="en-US" sz="1200" b="0" i="0" smtClean="0">
+                            <a:latin typeface="Cambria Math" panose="02040503050406030204" pitchFamily="18" charset="0"/>
+                            <a:ea typeface="Jost" pitchFamily="2" charset="0"/>
+                          </a:rPr>
+                          <m:t>∗</m:t>
+                        </m:r>
+                      </m:sup>
+                    </m:sSubSup>
+                  </m:oMath>
+                </a14:m>
+                <a:r>
+                  <a:rPr lang="en-US" sz="1200" dirty="0">
+                    <a:latin typeface="Jost" pitchFamily="2" charset="0"/>
+                    <a:ea typeface="Jost" pitchFamily="2" charset="0"/>
+                  </a:rPr>
+                  <a:t> </a:t>
+                </a:r>
+              </a:p>
+            </p:txBody>
+          </p:sp>
+        </mc:Choice>
+        <mc:Fallback xmlns="">
+          <p:sp>
+            <p:nvSpPr>
+              <p:cNvPr id="17" name="TextBox 16">
+                <a:extLst>
+                  <a:ext uri="{FF2B5EF4-FFF2-40B4-BE49-F238E27FC236}">
+                    <a16:creationId xmlns:a16="http://schemas.microsoft.com/office/drawing/2014/main" id="{5766D573-8642-42CB-8052-11EB79D09B26}"/>
+                  </a:ext>
+                </a:extLst>
+              </p:cNvPr>
+              <p:cNvSpPr txBox="1">
+                <a:spLocks noRot="1" noChangeAspect="1" noMove="1" noResize="1" noEditPoints="1" noAdjustHandles="1" noChangeArrowheads="1" noChangeShapeType="1" noTextEdit="1"/>
+              </p:cNvSpPr>
+              <p:nvPr/>
+            </p:nvSpPr>
+            <p:spPr>
+              <a:xfrm>
+                <a:off x="4504944" y="3932045"/>
+                <a:ext cx="1670304" cy="300339"/>
+              </a:xfrm>
+              <a:prstGeom prst="rect">
+                <a:avLst/>
+              </a:prstGeom>
+              <a:blipFill>
+                <a:blip r:embed="rId5"/>
+                <a:stretch>
+                  <a:fillRect b="-10204"/>
+                </a:stretch>
+              </a:blipFill>
+            </p:spPr>
+            <p:txBody>
+              <a:bodyPr/>
+              <a:lstStyle/>
+              <a:p>
+                <a:r>
+                  <a:rPr lang="en-US">
+                    <a:noFill/>
+                  </a:rPr>
+                  <a:t> </a:t>
+                </a:r>
+              </a:p>
+            </p:txBody>
+          </p:sp>
+        </mc:Fallback>
+      </mc:AlternateContent>
+      <p:sp>
+        <p:nvSpPr>
+          <p:cNvPr id="18" name="Rectangle: Rounded Corners 17">
+            <a:extLst>
+              <a:ext uri="{FF2B5EF4-FFF2-40B4-BE49-F238E27FC236}">
+                <a16:creationId xmlns:a16="http://schemas.microsoft.com/office/drawing/2014/main" id="{4D0E504A-FADB-4B46-9029-946161C3FC96}"/>
+              </a:ext>
+            </a:extLst>
+          </p:cNvPr>
+          <p:cNvSpPr/>
+          <p:nvPr/>
+        </p:nvSpPr>
+        <p:spPr>
+          <a:xfrm>
+            <a:off x="4431792" y="3113430"/>
+            <a:ext cx="1786128" cy="364052"/>
+          </a:xfrm>
+          <a:prstGeom prst="roundRect">
+            <a:avLst/>
+          </a:prstGeom>
+          <a:noFill/>
+          <a:ln w="19050">
+            <a:solidFill>
+              <a:schemeClr val="tx1">
+                <a:lumMod val="75000"/>
+                <a:lumOff val="25000"/>
+              </a:schemeClr>
+            </a:solidFill>
+          </a:ln>
+        </p:spPr>
+        <p:style>
+          <a:lnRef idx="2">
+            <a:schemeClr val="accent1">
+              <a:shade val="50000"/>
+            </a:schemeClr>
+          </a:lnRef>
+          <a:fillRef idx="1">
+            <a:schemeClr val="accent1"/>
+          </a:fillRef>
+          <a:effectRef idx="0">
+            <a:schemeClr val="accent1"/>
+          </a:effectRef>
+          <a:fontRef idx="minor">
+            <a:schemeClr val="lt1"/>
+          </a:fontRef>
+        </p:style>
+        <p:txBody>
+          <a:bodyPr rtlCol="0" anchor="ctr"/>
+          <a:lstStyle/>
+          <a:p>
+            <a:pPr algn="ctr"/>
+            <a:endParaRPr lang="en-US"/>
+          </a:p>
+        </p:txBody>
+      </p:sp>
+      <mc:AlternateContent xmlns:mc="http://schemas.openxmlformats.org/markup-compatibility/2006" xmlns:a14="http://schemas.microsoft.com/office/drawing/2010/main">
+        <mc:Choice Requires="a14">
+          <p:sp>
+            <p:nvSpPr>
+              <p:cNvPr id="19" name="TextBox 18">
+                <a:extLst>
+                  <a:ext uri="{FF2B5EF4-FFF2-40B4-BE49-F238E27FC236}">
+                    <a16:creationId xmlns:a16="http://schemas.microsoft.com/office/drawing/2014/main" id="{D1A801DE-1E9C-46F5-9A20-1AE4373700F2}"/>
+                  </a:ext>
+                </a:extLst>
+              </p:cNvPr>
+              <p:cNvSpPr txBox="1"/>
+              <p:nvPr/>
+            </p:nvSpPr>
+            <p:spPr>
+              <a:xfrm>
+                <a:off x="4504944" y="3156956"/>
+                <a:ext cx="1670304" cy="300339"/>
+              </a:xfrm>
+              <a:prstGeom prst="rect">
+                <a:avLst/>
+              </a:prstGeom>
+              <a:noFill/>
+            </p:spPr>
+            <p:txBody>
+              <a:bodyPr wrap="square" rtlCol="0">
+                <a:spAutoFit/>
+              </a:bodyPr>
+              <a:lstStyle/>
+              <a:p>
+                <a:pPr algn="ctr"/>
+                <a:r>
+                  <a:rPr lang="en-US" sz="1200" dirty="0">
+                    <a:latin typeface="Jost" pitchFamily="2" charset="0"/>
+                    <a:ea typeface="Jost" pitchFamily="2" charset="0"/>
+                  </a:rPr>
+                  <a:t>4. Update</a:t>
+                </a:r>
+                <a:r>
+                  <a:rPr lang="en-US" sz="1200" dirty="0">
+                    <a:ea typeface="Jost" pitchFamily="2" charset="0"/>
+                  </a:rPr>
+                  <a:t> </a:t>
+                </a:r>
+                <a14:m>
+                  <m:oMath xmlns:m="http://schemas.openxmlformats.org/officeDocument/2006/math">
+                    <m:sSubSup>
+                      <m:sSubSupPr>
+                        <m:ctrlPr>
+                          <a:rPr lang="en-US" sz="1200" i="1" smtClean="0">
+                            <a:latin typeface="Cambria Math" panose="02040503050406030204" pitchFamily="18" charset="0"/>
+                            <a:ea typeface="Jost" pitchFamily="2" charset="0"/>
+                          </a:rPr>
+                        </m:ctrlPr>
+                      </m:sSubSupPr>
+                      <m:e>
+                        <m:r>
+                          <m:rPr>
+                            <m:sty m:val="p"/>
+                          </m:rPr>
+                          <a:rPr lang="en-US" sz="1200" b="0" i="0" smtClean="0">
+                            <a:latin typeface="Cambria Math" panose="02040503050406030204" pitchFamily="18" charset="0"/>
+                            <a:ea typeface="Jost" pitchFamily="2" charset="0"/>
+                          </a:rPr>
+                          <m:t>H</m:t>
+                        </m:r>
+                      </m:e>
+                      <m:sub>
+                        <m:r>
+                          <m:rPr>
+                            <m:sty m:val="p"/>
+                          </m:rPr>
+                          <a:rPr lang="en-US" sz="1200" b="0" i="0" smtClean="0">
+                            <a:latin typeface="Cambria Math" panose="02040503050406030204" pitchFamily="18" charset="0"/>
+                            <a:ea typeface="Jost" pitchFamily="2" charset="0"/>
+                          </a:rPr>
+                          <m:t>j</m:t>
+                        </m:r>
+                      </m:sub>
+                      <m:sup>
+                        <m:r>
+                          <a:rPr lang="en-US" sz="1200" b="0" i="0" smtClean="0">
+                            <a:latin typeface="Cambria Math" panose="02040503050406030204" pitchFamily="18" charset="0"/>
+                            <a:ea typeface="Jost" pitchFamily="2" charset="0"/>
+                          </a:rPr>
+                          <m:t>∗</m:t>
+                        </m:r>
+                      </m:sup>
+                    </m:sSubSup>
+                    <m:r>
+                      <a:rPr lang="en-US" sz="1200" b="0" i="1" smtClean="0">
+                        <a:latin typeface="Cambria Math" panose="02040503050406030204" pitchFamily="18" charset="0"/>
+                        <a:ea typeface="Jost" pitchFamily="2" charset="0"/>
+                      </a:rPr>
+                      <m:t>=</m:t>
+                    </m:r>
+                    <m:sSubSup>
+                      <m:sSubSupPr>
+                        <m:ctrlPr>
+                          <a:rPr lang="en-US" sz="1200" i="1" smtClean="0">
+                            <a:latin typeface="Cambria Math" panose="02040503050406030204" pitchFamily="18" charset="0"/>
+                            <a:ea typeface="Jost" pitchFamily="2" charset="0"/>
+                          </a:rPr>
+                        </m:ctrlPr>
+                      </m:sSubSupPr>
+                      <m:e>
+                        <m:r>
+                          <m:rPr>
+                            <m:sty m:val="p"/>
+                          </m:rPr>
+                          <a:rPr lang="en-US" sz="1200" b="0" i="0" smtClean="0">
+                            <a:latin typeface="Cambria Math" panose="02040503050406030204" pitchFamily="18" charset="0"/>
+                            <a:ea typeface="Jost" pitchFamily="2" charset="0"/>
+                          </a:rPr>
+                          <m:t>H</m:t>
+                        </m:r>
+                      </m:e>
+                      <m:sub>
+                        <m:r>
+                          <m:rPr>
+                            <m:sty m:val="p"/>
+                          </m:rPr>
+                          <a:rPr lang="en-US" sz="1200" b="0" i="0" smtClean="0">
+                            <a:latin typeface="Cambria Math" panose="02040503050406030204" pitchFamily="18" charset="0"/>
+                            <a:ea typeface="Jost" pitchFamily="2" charset="0"/>
+                          </a:rPr>
+                          <m:t>j</m:t>
+                        </m:r>
+                        <m:r>
+                          <a:rPr lang="en-US" sz="1200" b="0" i="0" smtClean="0">
+                            <a:latin typeface="Cambria Math" panose="02040503050406030204" pitchFamily="18" charset="0"/>
+                            <a:ea typeface="Jost" pitchFamily="2" charset="0"/>
+                          </a:rPr>
+                          <m:t>+1</m:t>
+                        </m:r>
+                      </m:sub>
+                      <m:sup>
+                        <m:r>
+                          <a:rPr lang="en-US" sz="1200" b="0" i="0" smtClean="0">
+                            <a:latin typeface="Cambria Math" panose="02040503050406030204" pitchFamily="18" charset="0"/>
+                            <a:ea typeface="Jost" pitchFamily="2" charset="0"/>
+                          </a:rPr>
+                          <m:t>∗</m:t>
+                        </m:r>
+                      </m:sup>
+                    </m:sSubSup>
+                  </m:oMath>
+                </a14:m>
+                <a:endParaRPr lang="en-US" sz="1200" dirty="0">
+                  <a:latin typeface="Jost" pitchFamily="2" charset="0"/>
+                  <a:ea typeface="Jost" pitchFamily="2" charset="0"/>
+                </a:endParaRPr>
+              </a:p>
+            </p:txBody>
+          </p:sp>
+        </mc:Choice>
+        <mc:Fallback xmlns="">
+          <p:sp>
+            <p:nvSpPr>
+              <p:cNvPr id="19" name="TextBox 18">
+                <a:extLst>
+                  <a:ext uri="{FF2B5EF4-FFF2-40B4-BE49-F238E27FC236}">
+                    <a16:creationId xmlns:a16="http://schemas.microsoft.com/office/drawing/2014/main" id="{D1A801DE-1E9C-46F5-9A20-1AE4373700F2}"/>
+                  </a:ext>
+                </a:extLst>
+              </p:cNvPr>
+              <p:cNvSpPr txBox="1">
+                <a:spLocks noRot="1" noChangeAspect="1" noMove="1" noResize="1" noEditPoints="1" noAdjustHandles="1" noChangeArrowheads="1" noChangeShapeType="1" noTextEdit="1"/>
+              </p:cNvSpPr>
+              <p:nvPr/>
+            </p:nvSpPr>
+            <p:spPr>
+              <a:xfrm>
+                <a:off x="4504944" y="3156956"/>
+                <a:ext cx="1670304" cy="300339"/>
+              </a:xfrm>
+              <a:prstGeom prst="rect">
+                <a:avLst/>
+              </a:prstGeom>
+              <a:blipFill>
+                <a:blip r:embed="rId6"/>
+                <a:stretch>
+                  <a:fillRect b="-10204"/>
+                </a:stretch>
+              </a:blipFill>
+            </p:spPr>
+            <p:txBody>
+              <a:bodyPr/>
+              <a:lstStyle/>
+              <a:p>
+                <a:r>
+                  <a:rPr lang="en-US">
+                    <a:noFill/>
+                  </a:rPr>
+                  <a:t> </a:t>
+                </a:r>
+              </a:p>
+            </p:txBody>
+          </p:sp>
+        </mc:Fallback>
+      </mc:AlternateContent>
+      <p:sp>
+        <p:nvSpPr>
+          <p:cNvPr id="30" name="TextBox 29">
+            <a:extLst>
+              <a:ext uri="{FF2B5EF4-FFF2-40B4-BE49-F238E27FC236}">
+                <a16:creationId xmlns:a16="http://schemas.microsoft.com/office/drawing/2014/main" id="{8D4F137C-E219-4B24-B670-530A960C75F3}"/>
+              </a:ext>
+            </a:extLst>
+          </p:cNvPr>
+          <p:cNvSpPr txBox="1"/>
+          <p:nvPr/>
+        </p:nvSpPr>
+        <p:spPr>
+          <a:xfrm>
+            <a:off x="3907536" y="4088431"/>
+            <a:ext cx="676656" cy="276999"/>
+          </a:xfrm>
+          <a:prstGeom prst="rect">
+            <a:avLst/>
+          </a:prstGeom>
+          <a:noFill/>
+        </p:spPr>
+        <p:txBody>
+          <a:bodyPr wrap="square" rtlCol="0">
+            <a:spAutoFit/>
+          </a:bodyPr>
+          <a:lstStyle/>
+          <a:p>
+            <a:r>
+              <a:rPr lang="en-US" sz="1200" dirty="0">
+                <a:latin typeface="Jost" pitchFamily="2" charset="0"/>
+                <a:ea typeface="Jost" pitchFamily="2" charset="0"/>
+              </a:rPr>
+              <a:t>Yes</a:t>
+            </a:r>
+          </a:p>
+        </p:txBody>
+      </p:sp>
+      <p:sp>
+        <p:nvSpPr>
+          <p:cNvPr id="36" name="Rectangle: Rounded Corners 35">
+            <a:extLst>
+              <a:ext uri="{FF2B5EF4-FFF2-40B4-BE49-F238E27FC236}">
+                <a16:creationId xmlns:a16="http://schemas.microsoft.com/office/drawing/2014/main" id="{E429E9AA-4274-4E85-8263-DDC67ABCD096}"/>
+              </a:ext>
+            </a:extLst>
+          </p:cNvPr>
+          <p:cNvSpPr/>
+          <p:nvPr/>
+        </p:nvSpPr>
+        <p:spPr>
+          <a:xfrm>
+            <a:off x="2377440" y="2087575"/>
+            <a:ext cx="1786128" cy="683542"/>
+          </a:xfrm>
+          <a:prstGeom prst="roundRect">
+            <a:avLst/>
+          </a:prstGeom>
+          <a:solidFill>
+            <a:srgbClr val="FF6462">
+              <a:alpha val="40000"/>
+            </a:srgbClr>
+          </a:solidFill>
+          <a:ln w="19050">
+            <a:solidFill>
+              <a:srgbClr val="FF6462"/>
+            </a:solidFill>
+          </a:ln>
+        </p:spPr>
+        <p:style>
+          <a:lnRef idx="2">
+            <a:schemeClr val="accent1">
+              <a:shade val="50000"/>
+            </a:schemeClr>
+          </a:lnRef>
+          <a:fillRef idx="1">
+            <a:schemeClr val="accent1"/>
+          </a:fillRef>
+          <a:effectRef idx="0">
+            <a:schemeClr val="accent1"/>
+          </a:effectRef>
+          <a:fontRef idx="minor">
+            <a:schemeClr val="lt1"/>
+          </a:fontRef>
+        </p:style>
+        <p:txBody>
+          <a:bodyPr rtlCol="0" anchor="ctr"/>
+          <a:lstStyle/>
+          <a:p>
+            <a:pPr algn="ctr"/>
+            <a:endParaRPr lang="en-US"/>
+          </a:p>
+        </p:txBody>
+      </p:sp>
+      <p:sp>
+        <p:nvSpPr>
+          <p:cNvPr id="37" name="TextBox 36">
+            <a:extLst>
+              <a:ext uri="{FF2B5EF4-FFF2-40B4-BE49-F238E27FC236}">
+                <a16:creationId xmlns:a16="http://schemas.microsoft.com/office/drawing/2014/main" id="{558E6298-FC8C-4D06-8C7B-C0C61BDA13A1}"/>
+              </a:ext>
+            </a:extLst>
+          </p:cNvPr>
+          <p:cNvSpPr txBox="1"/>
+          <p:nvPr/>
+        </p:nvSpPr>
+        <p:spPr>
+          <a:xfrm>
+            <a:off x="2392678" y="2124552"/>
+            <a:ext cx="1770889" cy="646331"/>
+          </a:xfrm>
+          <a:prstGeom prst="rect">
+            <a:avLst/>
+          </a:prstGeom>
+          <a:noFill/>
+        </p:spPr>
+        <p:txBody>
+          <a:bodyPr wrap="square" rtlCol="0">
+            <a:spAutoFit/>
+          </a:bodyPr>
+          <a:lstStyle/>
+          <a:p>
+            <a:pPr algn="ctr"/>
+            <a:r>
+              <a:rPr lang="en-US" sz="1200" dirty="0">
+                <a:latin typeface="Jost" pitchFamily="2" charset="0"/>
+                <a:ea typeface="Jost" pitchFamily="2" charset="0"/>
+              </a:rPr>
+              <a:t>5a. Expand template region</a:t>
+            </a:r>
+          </a:p>
+          <a:p>
+            <a:pPr algn="ctr"/>
+            <a:r>
+              <a:rPr lang="en-US" sz="1200" dirty="0">
+                <a:latin typeface="Jost" pitchFamily="2" charset="0"/>
+                <a:ea typeface="Jost" pitchFamily="2" charset="0"/>
+              </a:rPr>
+              <a:t>(j = j+1)</a:t>
+            </a:r>
+          </a:p>
+        </p:txBody>
+      </p:sp>
+      <p:sp>
+        <p:nvSpPr>
+          <p:cNvPr id="40" name="Rectangle: Rounded Corners 39">
+            <a:extLst>
+              <a:ext uri="{FF2B5EF4-FFF2-40B4-BE49-F238E27FC236}">
+                <a16:creationId xmlns:a16="http://schemas.microsoft.com/office/drawing/2014/main" id="{0E90EC21-089C-4CC2-9CD2-01413151CB80}"/>
+              </a:ext>
+            </a:extLst>
+          </p:cNvPr>
+          <p:cNvSpPr/>
+          <p:nvPr/>
+        </p:nvSpPr>
+        <p:spPr>
+          <a:xfrm>
+            <a:off x="5577840" y="4875039"/>
+            <a:ext cx="1670304" cy="364052"/>
+          </a:xfrm>
+          <a:prstGeom prst="roundRect">
+            <a:avLst/>
+          </a:prstGeom>
+          <a:noFill/>
+          <a:ln w="19050">
+            <a:solidFill>
+              <a:schemeClr val="tx1">
+                <a:lumMod val="75000"/>
+                <a:lumOff val="25000"/>
+              </a:schemeClr>
+            </a:solidFill>
+          </a:ln>
+        </p:spPr>
+        <p:style>
+          <a:lnRef idx="2">
+            <a:schemeClr val="accent1">
+              <a:shade val="50000"/>
+            </a:schemeClr>
+          </a:lnRef>
+          <a:fillRef idx="1">
+            <a:schemeClr val="accent1"/>
+          </a:fillRef>
+          <a:effectRef idx="0">
+            <a:schemeClr val="accent1"/>
+          </a:effectRef>
+          <a:fontRef idx="minor">
+            <a:schemeClr val="lt1"/>
+          </a:fontRef>
+        </p:style>
+        <p:txBody>
+          <a:bodyPr rtlCol="0" anchor="ctr"/>
+          <a:lstStyle/>
+          <a:p>
+            <a:pPr algn="ctr"/>
+            <a:endParaRPr lang="en-US"/>
+          </a:p>
+        </p:txBody>
+      </p:sp>
+      <mc:AlternateContent xmlns:mc="http://schemas.openxmlformats.org/markup-compatibility/2006" xmlns:a14="http://schemas.microsoft.com/office/drawing/2010/main">
+        <mc:Choice Requires="a14">
+          <p:sp>
+            <p:nvSpPr>
+              <p:cNvPr id="41" name="TextBox 40">
+                <a:extLst>
+                  <a:ext uri="{FF2B5EF4-FFF2-40B4-BE49-F238E27FC236}">
+                    <a16:creationId xmlns:a16="http://schemas.microsoft.com/office/drawing/2014/main" id="{90D4FCAE-7B2A-470B-A7D3-5481FCE6BC55}"/>
+                  </a:ext>
+                </a:extLst>
+              </p:cNvPr>
+              <p:cNvSpPr txBox="1"/>
+              <p:nvPr/>
+            </p:nvSpPr>
+            <p:spPr>
+              <a:xfrm>
+                <a:off x="5577840" y="4910005"/>
+                <a:ext cx="1670304" cy="300339"/>
+              </a:xfrm>
+              <a:prstGeom prst="rect">
+                <a:avLst/>
+              </a:prstGeom>
+              <a:noFill/>
+            </p:spPr>
+            <p:txBody>
+              <a:bodyPr wrap="square" rtlCol="0">
+                <a:spAutoFit/>
+              </a:bodyPr>
+              <a:lstStyle/>
+              <a:p>
+                <a:pPr algn="ctr"/>
+                <a:r>
+                  <a:rPr lang="en-US" sz="1200" dirty="0">
+                    <a:latin typeface="Jost" pitchFamily="2" charset="0"/>
+                    <a:ea typeface="Jost" pitchFamily="2" charset="0"/>
+                  </a:rPr>
+                  <a:t>5b. Set </a:t>
+                </a:r>
+                <a14:m>
+                  <m:oMath xmlns:m="http://schemas.openxmlformats.org/officeDocument/2006/math">
+                    <m:sSup>
+                      <m:sSupPr>
+                        <m:ctrlPr>
+                          <a:rPr lang="en-US" sz="1200" b="0" i="1" smtClean="0">
+                            <a:latin typeface="Cambria Math" panose="02040503050406030204" pitchFamily="18" charset="0"/>
+                            <a:ea typeface="Jost" pitchFamily="2" charset="0"/>
+                          </a:rPr>
+                        </m:ctrlPr>
+                      </m:sSupPr>
+                      <m:e>
+                        <m:r>
+                          <m:rPr>
+                            <m:sty m:val="p"/>
+                          </m:rPr>
+                          <a:rPr lang="en-US" sz="1200" b="0" i="0" smtClean="0">
+                            <a:latin typeface="Cambria Math" panose="02040503050406030204" pitchFamily="18" charset="0"/>
+                            <a:ea typeface="Jost" pitchFamily="2" charset="0"/>
+                          </a:rPr>
+                          <m:t>H</m:t>
+                        </m:r>
+                      </m:e>
+                      <m:sup>
+                        <m:r>
+                          <a:rPr lang="en-US" sz="1200" b="0" i="0" smtClean="0">
+                            <a:latin typeface="Cambria Math" panose="02040503050406030204" pitchFamily="18" charset="0"/>
+                            <a:ea typeface="Jost" pitchFamily="2" charset="0"/>
+                          </a:rPr>
+                          <m:t>∗</m:t>
+                        </m:r>
+                      </m:sup>
+                    </m:sSup>
+                    <m:r>
+                      <a:rPr lang="en-US" sz="1200" b="0" i="0" smtClean="0">
+                        <a:latin typeface="Cambria Math" panose="02040503050406030204" pitchFamily="18" charset="0"/>
+                        <a:ea typeface="Jost" pitchFamily="2" charset="0"/>
+                      </a:rPr>
+                      <m:t>=</m:t>
+                    </m:r>
+                    <m:sSubSup>
+                      <m:sSubSupPr>
+                        <m:ctrlPr>
+                          <a:rPr lang="en-US" sz="1200" i="1" smtClean="0">
+                            <a:latin typeface="Cambria Math" panose="02040503050406030204" pitchFamily="18" charset="0"/>
+                            <a:ea typeface="Jost" pitchFamily="2" charset="0"/>
+                          </a:rPr>
+                        </m:ctrlPr>
+                      </m:sSubSupPr>
+                      <m:e>
+                        <m:r>
+                          <m:rPr>
+                            <m:sty m:val="p"/>
+                          </m:rPr>
+                          <a:rPr lang="en-US" sz="1200" b="0" i="0" smtClean="0">
+                            <a:latin typeface="Cambria Math" panose="02040503050406030204" pitchFamily="18" charset="0"/>
+                            <a:ea typeface="Jost" pitchFamily="2" charset="0"/>
+                          </a:rPr>
+                          <m:t>H</m:t>
+                        </m:r>
+                      </m:e>
+                      <m:sub>
+                        <m:r>
+                          <m:rPr>
+                            <m:sty m:val="p"/>
+                          </m:rPr>
+                          <a:rPr lang="en-US" sz="1200" b="0" i="0" smtClean="0">
+                            <a:latin typeface="Cambria Math" panose="02040503050406030204" pitchFamily="18" charset="0"/>
+                            <a:ea typeface="Jost" pitchFamily="2" charset="0"/>
+                          </a:rPr>
+                          <m:t>j</m:t>
+                        </m:r>
+                        <m:r>
+                          <a:rPr lang="en-US" sz="1200" b="0" i="0" smtClean="0">
+                            <a:latin typeface="Cambria Math" panose="02040503050406030204" pitchFamily="18" charset="0"/>
+                            <a:ea typeface="Jost" pitchFamily="2" charset="0"/>
+                          </a:rPr>
+                          <m:t>−1</m:t>
+                        </m:r>
+                      </m:sub>
+                      <m:sup>
+                        <m:r>
+                          <a:rPr lang="en-US" sz="1200" b="0" i="0" smtClean="0">
+                            <a:latin typeface="Cambria Math" panose="02040503050406030204" pitchFamily="18" charset="0"/>
+                            <a:ea typeface="Jost" pitchFamily="2" charset="0"/>
+                          </a:rPr>
+                          <m:t>∗</m:t>
+                        </m:r>
+                      </m:sup>
+                    </m:sSubSup>
+                  </m:oMath>
+                </a14:m>
+                <a:endParaRPr lang="en-US" sz="1200" dirty="0">
+                  <a:latin typeface="Jost" pitchFamily="2" charset="0"/>
+                  <a:ea typeface="Jost" pitchFamily="2" charset="0"/>
+                </a:endParaRPr>
+              </a:p>
+            </p:txBody>
+          </p:sp>
+        </mc:Choice>
+        <mc:Fallback xmlns="">
+          <p:sp>
+            <p:nvSpPr>
+              <p:cNvPr id="41" name="TextBox 40">
+                <a:extLst>
+                  <a:ext uri="{FF2B5EF4-FFF2-40B4-BE49-F238E27FC236}">
+                    <a16:creationId xmlns:a16="http://schemas.microsoft.com/office/drawing/2014/main" id="{90D4FCAE-7B2A-470B-A7D3-5481FCE6BC55}"/>
+                  </a:ext>
+                </a:extLst>
+              </p:cNvPr>
+              <p:cNvSpPr txBox="1">
+                <a:spLocks noRot="1" noChangeAspect="1" noMove="1" noResize="1" noEditPoints="1" noAdjustHandles="1" noChangeArrowheads="1" noChangeShapeType="1" noTextEdit="1"/>
+              </p:cNvSpPr>
+              <p:nvPr/>
+            </p:nvSpPr>
+            <p:spPr>
+              <a:xfrm>
+                <a:off x="5577840" y="4910005"/>
+                <a:ext cx="1670304" cy="300339"/>
+              </a:xfrm>
+              <a:prstGeom prst="rect">
+                <a:avLst/>
+              </a:prstGeom>
+              <a:blipFill>
+                <a:blip r:embed="rId7"/>
+                <a:stretch>
+                  <a:fillRect b="-8000"/>
+                </a:stretch>
+              </a:blipFill>
+            </p:spPr>
+            <p:txBody>
+              <a:bodyPr/>
+              <a:lstStyle/>
+              <a:p>
+                <a:r>
+                  <a:rPr lang="en-US">
+                    <a:noFill/>
+                  </a:rPr>
+                  <a:t> </a:t>
+                </a:r>
+              </a:p>
+            </p:txBody>
+          </p:sp>
+        </mc:Fallback>
+      </mc:AlternateContent>
+      <p:cxnSp>
+        <p:nvCxnSpPr>
+          <p:cNvPr id="43" name="Connector: Elbow 42">
+            <a:extLst>
+              <a:ext uri="{FF2B5EF4-FFF2-40B4-BE49-F238E27FC236}">
+                <a16:creationId xmlns:a16="http://schemas.microsoft.com/office/drawing/2014/main" id="{2AF666C4-DDC1-4751-B31A-3E43F54DB1FB}"/>
+              </a:ext>
+            </a:extLst>
+          </p:cNvPr>
+          <p:cNvCxnSpPr>
+            <a:cxnSpLocks/>
+            <a:stCxn id="16" idx="1"/>
+          </p:cNvCxnSpPr>
+          <p:nvPr/>
+        </p:nvCxnSpPr>
+        <p:spPr>
+          <a:xfrm rot="10800000">
+            <a:off x="3172968" y="2746873"/>
+            <a:ext cx="1258824" cy="1323672"/>
+          </a:xfrm>
+          <a:prstGeom prst="bentConnector2">
+            <a:avLst/>
+          </a:prstGeom>
+          <a:ln w="19050">
+            <a:solidFill>
+              <a:schemeClr val="tx1">
+                <a:lumMod val="75000"/>
+                <a:lumOff val="25000"/>
+              </a:schemeClr>
+            </a:solidFill>
+            <a:tailEnd type="triangle"/>
+          </a:ln>
+        </p:spPr>
+        <p:style>
+          <a:lnRef idx="1">
+            <a:schemeClr val="accent1"/>
+          </a:lnRef>
+          <a:fillRef idx="0">
+            <a:schemeClr val="accent1"/>
+          </a:fillRef>
+          <a:effectRef idx="0">
+            <a:schemeClr val="accent1"/>
+          </a:effectRef>
+          <a:fontRef idx="minor">
+            <a:schemeClr val="tx1"/>
+          </a:fontRef>
+        </p:style>
+      </p:cxnSp>
+      <p:sp>
+        <p:nvSpPr>
+          <p:cNvPr id="45" name="TextBox 44">
+            <a:extLst>
+              <a:ext uri="{FF2B5EF4-FFF2-40B4-BE49-F238E27FC236}">
+                <a16:creationId xmlns:a16="http://schemas.microsoft.com/office/drawing/2014/main" id="{FE7948D9-CC28-4A09-B60A-828261500768}"/>
+              </a:ext>
+            </a:extLst>
+          </p:cNvPr>
+          <p:cNvSpPr txBox="1"/>
+          <p:nvPr/>
+        </p:nvSpPr>
+        <p:spPr>
+          <a:xfrm>
+            <a:off x="6412992" y="4088430"/>
+            <a:ext cx="676656" cy="276999"/>
+          </a:xfrm>
+          <a:prstGeom prst="rect">
+            <a:avLst/>
+          </a:prstGeom>
+          <a:noFill/>
+        </p:spPr>
+        <p:txBody>
+          <a:bodyPr wrap="square" rtlCol="0">
+            <a:spAutoFit/>
+          </a:bodyPr>
+          <a:lstStyle/>
+          <a:p>
+            <a:r>
+              <a:rPr lang="en-US" sz="1200" dirty="0">
+                <a:latin typeface="Jost" pitchFamily="2" charset="0"/>
+                <a:ea typeface="Jost" pitchFamily="2" charset="0"/>
+              </a:rPr>
+              <a:t>No</a:t>
+            </a:r>
+          </a:p>
+        </p:txBody>
+      </p:sp>
+      <p:cxnSp>
+        <p:nvCxnSpPr>
+          <p:cNvPr id="47" name="Connector: Elbow 46">
+            <a:extLst>
+              <a:ext uri="{FF2B5EF4-FFF2-40B4-BE49-F238E27FC236}">
+                <a16:creationId xmlns:a16="http://schemas.microsoft.com/office/drawing/2014/main" id="{B5AF3B10-9E60-4ACB-ACC5-CA1F6E0A22A5}"/>
+              </a:ext>
+            </a:extLst>
+          </p:cNvPr>
+          <p:cNvCxnSpPr>
+            <a:cxnSpLocks/>
+            <a:stCxn id="36" idx="0"/>
+            <a:endCxn id="10" idx="1"/>
+          </p:cNvCxnSpPr>
+          <p:nvPr/>
+        </p:nvCxnSpPr>
+        <p:spPr>
+          <a:xfrm rot="5400000" flipH="1" flipV="1">
+            <a:off x="3438481" y="1094264"/>
+            <a:ext cx="825335" cy="1161288"/>
+          </a:xfrm>
+          <a:prstGeom prst="bentConnector2">
+            <a:avLst/>
+          </a:prstGeom>
+          <a:ln w="19050">
+            <a:solidFill>
+              <a:schemeClr val="tx1">
+                <a:lumMod val="75000"/>
+                <a:lumOff val="25000"/>
+              </a:schemeClr>
+            </a:solidFill>
+            <a:tailEnd type="triangle"/>
+          </a:ln>
+        </p:spPr>
+        <p:style>
+          <a:lnRef idx="1">
+            <a:schemeClr val="accent1"/>
+          </a:lnRef>
+          <a:fillRef idx="0">
+            <a:schemeClr val="accent1"/>
+          </a:fillRef>
+          <a:effectRef idx="0">
+            <a:schemeClr val="accent1"/>
+          </a:effectRef>
+          <a:fontRef idx="minor">
+            <a:schemeClr val="tx1"/>
+          </a:fontRef>
+        </p:style>
+      </p:cxnSp>
+      <p:cxnSp>
+        <p:nvCxnSpPr>
+          <p:cNvPr id="60" name="Straight Arrow Connector 59">
+            <a:extLst>
+              <a:ext uri="{FF2B5EF4-FFF2-40B4-BE49-F238E27FC236}">
+                <a16:creationId xmlns:a16="http://schemas.microsoft.com/office/drawing/2014/main" id="{086655B2-9CEC-4606-9631-BFB47B32566B}"/>
+              </a:ext>
+            </a:extLst>
+          </p:cNvPr>
+          <p:cNvCxnSpPr>
+            <a:stCxn id="6" idx="2"/>
+            <a:endCxn id="10" idx="0"/>
+          </p:cNvCxnSpPr>
+          <p:nvPr/>
+        </p:nvCxnSpPr>
+        <p:spPr>
+          <a:xfrm>
+            <a:off x="5324856" y="835769"/>
+            <a:ext cx="0" cy="178728"/>
+          </a:xfrm>
+          <a:prstGeom prst="straightConnector1">
+            <a:avLst/>
+          </a:prstGeom>
+          <a:ln w="19050">
+            <a:solidFill>
+              <a:schemeClr val="tx1">
+                <a:lumMod val="75000"/>
+                <a:lumOff val="25000"/>
+              </a:schemeClr>
+            </a:solidFill>
+            <a:tailEnd type="triangle"/>
+          </a:ln>
+        </p:spPr>
+        <p:style>
+          <a:lnRef idx="1">
+            <a:schemeClr val="accent1"/>
+          </a:lnRef>
+          <a:fillRef idx="0">
+            <a:schemeClr val="accent1"/>
+          </a:fillRef>
+          <a:effectRef idx="0">
+            <a:schemeClr val="accent1"/>
+          </a:effectRef>
+          <a:fontRef idx="minor">
+            <a:schemeClr val="tx1"/>
+          </a:fontRef>
+        </p:style>
+      </p:cxnSp>
+      <p:cxnSp>
+        <p:nvCxnSpPr>
+          <p:cNvPr id="61" name="Straight Arrow Connector 60">
+            <a:extLst>
+              <a:ext uri="{FF2B5EF4-FFF2-40B4-BE49-F238E27FC236}">
+                <a16:creationId xmlns:a16="http://schemas.microsoft.com/office/drawing/2014/main" id="{EEE0B75A-A087-462B-A63B-7EADAF5C3F77}"/>
+              </a:ext>
+            </a:extLst>
+          </p:cNvPr>
+          <p:cNvCxnSpPr>
+            <a:cxnSpLocks/>
+            <a:stCxn id="11" idx="2"/>
+            <a:endCxn id="12" idx="0"/>
+          </p:cNvCxnSpPr>
+          <p:nvPr/>
+        </p:nvCxnSpPr>
+        <p:spPr>
+          <a:xfrm>
+            <a:off x="5324856" y="1536809"/>
+            <a:ext cx="0" cy="178728"/>
+          </a:xfrm>
+          <a:prstGeom prst="straightConnector1">
+            <a:avLst/>
+          </a:prstGeom>
+          <a:ln w="19050">
+            <a:solidFill>
+              <a:schemeClr val="tx1">
+                <a:lumMod val="75000"/>
+                <a:lumOff val="25000"/>
+              </a:schemeClr>
+            </a:solidFill>
+            <a:tailEnd type="triangle"/>
+          </a:ln>
+        </p:spPr>
+        <p:style>
+          <a:lnRef idx="1">
+            <a:schemeClr val="accent1"/>
+          </a:lnRef>
+          <a:fillRef idx="0">
+            <a:schemeClr val="accent1"/>
+          </a:fillRef>
+          <a:effectRef idx="0">
+            <a:schemeClr val="accent1"/>
+          </a:effectRef>
+          <a:fontRef idx="minor">
+            <a:schemeClr val="tx1"/>
+          </a:fontRef>
+        </p:style>
+      </p:cxnSp>
+      <p:cxnSp>
+        <p:nvCxnSpPr>
+          <p:cNvPr id="67" name="Straight Arrow Connector 66">
+            <a:extLst>
+              <a:ext uri="{FF2B5EF4-FFF2-40B4-BE49-F238E27FC236}">
+                <a16:creationId xmlns:a16="http://schemas.microsoft.com/office/drawing/2014/main" id="{3093864F-963D-4C0F-AD51-5E6259A3ADAD}"/>
+              </a:ext>
+            </a:extLst>
+          </p:cNvPr>
+          <p:cNvCxnSpPr/>
+          <p:nvPr/>
+        </p:nvCxnSpPr>
+        <p:spPr>
+          <a:xfrm>
+            <a:off x="5303520" y="2220728"/>
+            <a:ext cx="0" cy="178728"/>
+          </a:xfrm>
+          <a:prstGeom prst="straightConnector1">
+            <a:avLst/>
+          </a:prstGeom>
+          <a:ln w="19050">
+            <a:solidFill>
+              <a:schemeClr val="tx1">
+                <a:lumMod val="75000"/>
+                <a:lumOff val="25000"/>
+              </a:schemeClr>
+            </a:solidFill>
+            <a:tailEnd type="triangle"/>
+          </a:ln>
+        </p:spPr>
+        <p:style>
+          <a:lnRef idx="1">
+            <a:schemeClr val="accent1"/>
+          </a:lnRef>
+          <a:fillRef idx="0">
+            <a:schemeClr val="accent1"/>
+          </a:fillRef>
+          <a:effectRef idx="0">
+            <a:schemeClr val="accent1"/>
+          </a:effectRef>
+          <a:fontRef idx="minor">
+            <a:schemeClr val="tx1"/>
+          </a:fontRef>
+        </p:style>
+      </p:cxnSp>
+      <p:cxnSp>
+        <p:nvCxnSpPr>
+          <p:cNvPr id="68" name="Straight Arrow Connector 67">
+            <a:extLst>
+              <a:ext uri="{FF2B5EF4-FFF2-40B4-BE49-F238E27FC236}">
+                <a16:creationId xmlns:a16="http://schemas.microsoft.com/office/drawing/2014/main" id="{0EF5232D-99B8-4F51-B48C-BE33AD2E0424}"/>
+              </a:ext>
+            </a:extLst>
+          </p:cNvPr>
+          <p:cNvCxnSpPr/>
+          <p:nvPr/>
+        </p:nvCxnSpPr>
+        <p:spPr>
+          <a:xfrm>
+            <a:off x="5327904" y="2934702"/>
+            <a:ext cx="0" cy="178728"/>
+          </a:xfrm>
+          <a:prstGeom prst="straightConnector1">
+            <a:avLst/>
+          </a:prstGeom>
+          <a:ln w="19050">
+            <a:solidFill>
+              <a:schemeClr val="tx1">
+                <a:lumMod val="75000"/>
+                <a:lumOff val="25000"/>
+              </a:schemeClr>
+            </a:solidFill>
+            <a:tailEnd type="triangle"/>
+          </a:ln>
+        </p:spPr>
+        <p:style>
+          <a:lnRef idx="1">
+            <a:schemeClr val="accent1"/>
+          </a:lnRef>
+          <a:fillRef idx="0">
+            <a:schemeClr val="accent1"/>
+          </a:fillRef>
+          <a:effectRef idx="0">
+            <a:schemeClr val="accent1"/>
+          </a:effectRef>
+          <a:fontRef idx="minor">
+            <a:schemeClr val="tx1"/>
+          </a:fontRef>
+        </p:style>
+      </p:cxnSp>
+      <p:cxnSp>
+        <p:nvCxnSpPr>
+          <p:cNvPr id="69" name="Straight Arrow Connector 68">
+            <a:extLst>
+              <a:ext uri="{FF2B5EF4-FFF2-40B4-BE49-F238E27FC236}">
+                <a16:creationId xmlns:a16="http://schemas.microsoft.com/office/drawing/2014/main" id="{EA082B0C-998C-412E-AF5F-4BE0B8A9EBB6}"/>
+              </a:ext>
+            </a:extLst>
+          </p:cNvPr>
+          <p:cNvCxnSpPr/>
+          <p:nvPr/>
+        </p:nvCxnSpPr>
+        <p:spPr>
+          <a:xfrm>
+            <a:off x="5324856" y="3480337"/>
+            <a:ext cx="0" cy="178728"/>
+          </a:xfrm>
+          <a:prstGeom prst="straightConnector1">
+            <a:avLst/>
+          </a:prstGeom>
+          <a:ln w="19050">
+            <a:solidFill>
+              <a:schemeClr val="tx1">
+                <a:lumMod val="75000"/>
+                <a:lumOff val="25000"/>
+              </a:schemeClr>
+            </a:solidFill>
+            <a:tailEnd type="triangle"/>
+          </a:ln>
+        </p:spPr>
+        <p:style>
+          <a:lnRef idx="1">
+            <a:schemeClr val="accent1"/>
+          </a:lnRef>
+          <a:fillRef idx="0">
+            <a:schemeClr val="accent1"/>
+          </a:fillRef>
+          <a:effectRef idx="0">
+            <a:schemeClr val="accent1"/>
+          </a:effectRef>
+          <a:fontRef idx="minor">
+            <a:schemeClr val="tx1"/>
+          </a:fontRef>
+        </p:style>
+      </p:cxnSp>
+      <p:cxnSp>
+        <p:nvCxnSpPr>
+          <p:cNvPr id="9" name="Connector: Elbow 8">
+            <a:extLst>
+              <a:ext uri="{FF2B5EF4-FFF2-40B4-BE49-F238E27FC236}">
+                <a16:creationId xmlns:a16="http://schemas.microsoft.com/office/drawing/2014/main" id="{B9DD4786-4128-4094-AB4C-14CADCBCD8B7}"/>
+              </a:ext>
+            </a:extLst>
+          </p:cNvPr>
+          <p:cNvCxnSpPr>
+            <a:stCxn id="16" idx="3"/>
+            <a:endCxn id="40" idx="0"/>
+          </p:cNvCxnSpPr>
+          <p:nvPr/>
+        </p:nvCxnSpPr>
+        <p:spPr>
+          <a:xfrm>
+            <a:off x="6217920" y="4070545"/>
+            <a:ext cx="195072" cy="804494"/>
+          </a:xfrm>
+          <a:prstGeom prst="bentConnector2">
+            <a:avLst/>
+          </a:prstGeom>
+          <a:ln w="19050">
+            <a:solidFill>
+              <a:schemeClr val="tx1">
+                <a:lumMod val="75000"/>
+                <a:lumOff val="25000"/>
+              </a:schemeClr>
+            </a:solidFill>
+            <a:tailEnd type="triangle"/>
+          </a:ln>
+        </p:spPr>
+        <p:style>
+          <a:lnRef idx="1">
+            <a:schemeClr val="accent1"/>
+          </a:lnRef>
+          <a:fillRef idx="0">
+            <a:schemeClr val="accent1"/>
+          </a:fillRef>
+          <a:effectRef idx="0">
+            <a:schemeClr val="accent1"/>
+          </a:effectRef>
+          <a:fontRef idx="minor">
+            <a:schemeClr val="tx1"/>
+          </a:fontRef>
+        </p:style>
+      </p:cxnSp>
+    </p:spTree>
+    <p:extLst>
+      <p:ext uri="{BB962C8B-B14F-4D97-AF65-F5344CB8AC3E}">
+        <p14:creationId xmlns:p14="http://schemas.microsoft.com/office/powerpoint/2010/main" val="1548774307"/>
       </p:ext>
     </p:extLst>
   </p:cSld>
